--- a/Lecture/Week12/Week13.pptx
+++ b/Lecture/Week12/Week13.pptx
@@ -227,7 +227,7 @@
           <a:p>
             <a:fld id="{4CFBB33C-050F-194E-9F71-A5A73BBD8CBC}" type="datetimeFigureOut">
               <a:rPr kumimoji="1" lang="zh-TW" altLang="en-US" smtClean="0"/>
-              <a:t>2020/5/19</a:t>
+              <a:t>2020/5/29</a:t>
             </a:fld>
             <a:endParaRPr kumimoji="1" lang="zh-TW" altLang="en-US"/>
           </a:p>
@@ -291,38 +291,37 @@
           <a:p>
             <a:pPr lvl="0"/>
             <a:r>
-              <a:rPr kumimoji="1" lang="zh-TW" altLang="en-US" smtClean="0"/>
+              <a:rPr kumimoji="1" lang="zh-TW" altLang="en-US"/>
               <a:t>按一下以編輯母片文字樣式</a:t>
             </a:r>
           </a:p>
           <a:p>
             <a:pPr lvl="1"/>
             <a:r>
-              <a:rPr kumimoji="1" lang="zh-TW" altLang="en-US" smtClean="0"/>
+              <a:rPr kumimoji="1" lang="zh-TW" altLang="en-US"/>
               <a:t>第二層</a:t>
             </a:r>
           </a:p>
           <a:p>
             <a:pPr lvl="2"/>
             <a:r>
-              <a:rPr kumimoji="1" lang="zh-TW" altLang="en-US" smtClean="0"/>
+              <a:rPr kumimoji="1" lang="zh-TW" altLang="en-US"/>
               <a:t>第三層</a:t>
             </a:r>
           </a:p>
           <a:p>
             <a:pPr lvl="3"/>
             <a:r>
-              <a:rPr kumimoji="1" lang="zh-TW" altLang="en-US" smtClean="0"/>
+              <a:rPr kumimoji="1" lang="zh-TW" altLang="en-US"/>
               <a:t>第四層</a:t>
             </a:r>
           </a:p>
           <a:p>
             <a:pPr lvl="4"/>
             <a:r>
-              <a:rPr kumimoji="1" lang="zh-TW" altLang="en-US" smtClean="0"/>
+              <a:rPr kumimoji="1" lang="zh-TW" altLang="en-US"/>
               <a:t>第五層</a:t>
             </a:r>
-            <a:endParaRPr kumimoji="1" lang="zh-TW" altLang="en-US"/>
           </a:p>
         </p:txBody>
       </p:sp>
@@ -533,10 +532,9 @@
           <a:lstStyle/>
           <a:p>
             <a:r>
-              <a:rPr kumimoji="1" lang="zh-TW" altLang="en-US" smtClean="0"/>
+              <a:rPr kumimoji="1" lang="zh-TW" altLang="en-US"/>
               <a:t>按一下以編輯母片標題樣式</a:t>
             </a:r>
-            <a:endParaRPr kumimoji="1" lang="zh-TW" altLang="en-US"/>
           </a:p>
         </p:txBody>
       </p:sp>
@@ -652,10 +650,9 @@
           </a:lstStyle>
           <a:p>
             <a:r>
-              <a:rPr kumimoji="1" lang="zh-TW" altLang="en-US" smtClean="0"/>
+              <a:rPr kumimoji="1" lang="zh-TW" altLang="en-US"/>
               <a:t>按一下以編輯母片子標題樣式</a:t>
             </a:r>
-            <a:endParaRPr kumimoji="1" lang="zh-TW" altLang="en-US"/>
           </a:p>
         </p:txBody>
       </p:sp>
@@ -678,7 +675,7 @@
             <a:fld id="{9D21D778-B565-4D7E-94D7-64010A445B68}" type="datetimeFigureOut">
               <a:rPr lang="en-US" smtClean="0"/>
               <a:pPr eaLnBrk="1" latinLnBrk="0" hangingPunct="1"/>
-              <a:t>5/19/2020</a:t>
+              <a:t>5/29/2020</a:t>
             </a:fld>
             <a:endParaRPr lang="en-US"/>
           </a:p>
@@ -772,10 +769,9 @@
           <a:lstStyle/>
           <a:p>
             <a:r>
-              <a:rPr kumimoji="1" lang="zh-TW" altLang="en-US" smtClean="0"/>
+              <a:rPr kumimoji="1" lang="zh-TW" altLang="en-US"/>
               <a:t>按一下以編輯母片標題樣式</a:t>
             </a:r>
-            <a:endParaRPr kumimoji="1" lang="zh-TW" altLang="en-US"/>
           </a:p>
         </p:txBody>
       </p:sp>
@@ -796,38 +792,37 @@
           <a:p>
             <a:pPr lvl="0"/>
             <a:r>
-              <a:rPr kumimoji="1" lang="zh-TW" altLang="en-US" smtClean="0"/>
+              <a:rPr kumimoji="1" lang="zh-TW" altLang="en-US"/>
               <a:t>按一下以編輯母片文字樣式</a:t>
             </a:r>
           </a:p>
           <a:p>
             <a:pPr lvl="1"/>
             <a:r>
-              <a:rPr kumimoji="1" lang="zh-TW" altLang="en-US" smtClean="0"/>
+              <a:rPr kumimoji="1" lang="zh-TW" altLang="en-US"/>
               <a:t>第二層</a:t>
             </a:r>
           </a:p>
           <a:p>
             <a:pPr lvl="2"/>
             <a:r>
-              <a:rPr kumimoji="1" lang="zh-TW" altLang="en-US" smtClean="0"/>
+              <a:rPr kumimoji="1" lang="zh-TW" altLang="en-US"/>
               <a:t>第三層</a:t>
             </a:r>
           </a:p>
           <a:p>
             <a:pPr lvl="3"/>
             <a:r>
-              <a:rPr kumimoji="1" lang="zh-TW" altLang="en-US" smtClean="0"/>
+              <a:rPr kumimoji="1" lang="zh-TW" altLang="en-US"/>
               <a:t>第四層</a:t>
             </a:r>
           </a:p>
           <a:p>
             <a:pPr lvl="4"/>
             <a:r>
-              <a:rPr kumimoji="1" lang="zh-TW" altLang="en-US" smtClean="0"/>
+              <a:rPr kumimoji="1" lang="zh-TW" altLang="en-US"/>
               <a:t>第五層</a:t>
             </a:r>
-            <a:endParaRPr kumimoji="1" lang="zh-TW" altLang="en-US"/>
           </a:p>
         </p:txBody>
       </p:sp>
@@ -848,7 +843,7 @@
           <a:p>
             <a:fld id="{D728701E-CAF4-4159-9B3E-41C86DFFA30D}" type="datetimeFigureOut">
               <a:rPr lang="en-US" smtClean="0"/>
-              <a:t>5/19/2020</a:t>
+              <a:t>5/29/2020</a:t>
             </a:fld>
             <a:endParaRPr lang="en-US"/>
           </a:p>
@@ -947,10 +942,9 @@
           <a:lstStyle/>
           <a:p>
             <a:r>
-              <a:rPr kumimoji="1" lang="zh-TW" altLang="en-US" smtClean="0"/>
+              <a:rPr kumimoji="1" lang="zh-TW" altLang="en-US"/>
               <a:t>按一下以編輯母片標題樣式</a:t>
             </a:r>
-            <a:endParaRPr kumimoji="1" lang="zh-TW" altLang="en-US"/>
           </a:p>
         </p:txBody>
       </p:sp>
@@ -976,38 +970,37 @@
           <a:p>
             <a:pPr lvl="0"/>
             <a:r>
-              <a:rPr kumimoji="1" lang="zh-TW" altLang="en-US" smtClean="0"/>
+              <a:rPr kumimoji="1" lang="zh-TW" altLang="en-US"/>
               <a:t>按一下以編輯母片文字樣式</a:t>
             </a:r>
           </a:p>
           <a:p>
             <a:pPr lvl="1"/>
             <a:r>
-              <a:rPr kumimoji="1" lang="zh-TW" altLang="en-US" smtClean="0"/>
+              <a:rPr kumimoji="1" lang="zh-TW" altLang="en-US"/>
               <a:t>第二層</a:t>
             </a:r>
           </a:p>
           <a:p>
             <a:pPr lvl="2"/>
             <a:r>
-              <a:rPr kumimoji="1" lang="zh-TW" altLang="en-US" smtClean="0"/>
+              <a:rPr kumimoji="1" lang="zh-TW" altLang="en-US"/>
               <a:t>第三層</a:t>
             </a:r>
           </a:p>
           <a:p>
             <a:pPr lvl="3"/>
             <a:r>
-              <a:rPr kumimoji="1" lang="zh-TW" altLang="en-US" smtClean="0"/>
+              <a:rPr kumimoji="1" lang="zh-TW" altLang="en-US"/>
               <a:t>第四層</a:t>
             </a:r>
           </a:p>
           <a:p>
             <a:pPr lvl="4"/>
             <a:r>
-              <a:rPr kumimoji="1" lang="zh-TW" altLang="en-US" smtClean="0"/>
+              <a:rPr kumimoji="1" lang="zh-TW" altLang="en-US"/>
               <a:t>第五層</a:t>
             </a:r>
-            <a:endParaRPr kumimoji="1" lang="zh-TW" altLang="en-US"/>
           </a:p>
         </p:txBody>
       </p:sp>
@@ -1028,7 +1021,7 @@
           <a:p>
             <a:fld id="{D728701E-CAF4-4159-9B3E-41C86DFFA30D}" type="datetimeFigureOut">
               <a:rPr lang="en-US" smtClean="0"/>
-              <a:t>5/19/2020</a:t>
+              <a:t>5/29/2020</a:t>
             </a:fld>
             <a:endParaRPr lang="en-US"/>
           </a:p>
@@ -1123,38 +1116,37 @@
           <a:p>
             <a:pPr lvl="0"/>
             <a:r>
-              <a:rPr kumimoji="1" lang="zh-TW" altLang="en-US" smtClean="0"/>
+              <a:rPr kumimoji="1" lang="zh-TW" altLang="en-US"/>
               <a:t>按一下以編輯母片文字樣式</a:t>
             </a:r>
           </a:p>
           <a:p>
             <a:pPr lvl="1"/>
             <a:r>
-              <a:rPr kumimoji="1" lang="zh-TW" altLang="en-US" smtClean="0"/>
+              <a:rPr kumimoji="1" lang="zh-TW" altLang="en-US"/>
               <a:t>第二層</a:t>
             </a:r>
           </a:p>
           <a:p>
             <a:pPr lvl="2"/>
             <a:r>
-              <a:rPr kumimoji="1" lang="zh-TW" altLang="en-US" smtClean="0"/>
+              <a:rPr kumimoji="1" lang="zh-TW" altLang="en-US"/>
               <a:t>第三層</a:t>
             </a:r>
           </a:p>
           <a:p>
             <a:pPr lvl="3"/>
             <a:r>
-              <a:rPr kumimoji="1" lang="zh-TW" altLang="en-US" smtClean="0"/>
+              <a:rPr kumimoji="1" lang="zh-TW" altLang="en-US"/>
               <a:t>第四層</a:t>
             </a:r>
           </a:p>
           <a:p>
             <a:pPr lvl="4"/>
             <a:r>
-              <a:rPr kumimoji="1" lang="zh-TW" altLang="en-US" smtClean="0"/>
+              <a:rPr kumimoji="1" lang="zh-TW" altLang="en-US"/>
               <a:t>第五層</a:t>
             </a:r>
-            <a:endParaRPr kumimoji="1" lang="zh-TW" altLang="en-US"/>
           </a:p>
         </p:txBody>
       </p:sp>
@@ -1174,10 +1166,9 @@
           <a:lstStyle/>
           <a:p>
             <a:r>
-              <a:rPr lang="zh-TW" altLang="en-US" smtClean="0"/>
+              <a:rPr lang="zh-TW" altLang="en-US"/>
               <a:t>按一下以編輯母片標題樣式</a:t>
             </a:r>
-            <a:endParaRPr lang="zh-TW" altLang="en-US"/>
           </a:p>
         </p:txBody>
       </p:sp>
@@ -1236,10 +1227,9 @@
           </a:lstStyle>
           <a:p>
             <a:r>
-              <a:rPr kumimoji="1" lang="zh-TW" altLang="en-US" smtClean="0"/>
+              <a:rPr kumimoji="1" lang="zh-TW" altLang="en-US"/>
               <a:t>按一下以編輯母片標題樣式</a:t>
             </a:r>
-            <a:endParaRPr kumimoji="1" lang="zh-TW" altLang="en-US"/>
           </a:p>
         </p:txBody>
       </p:sp>
@@ -1356,7 +1346,7 @@
           <a:p>
             <a:pPr lvl="0"/>
             <a:r>
-              <a:rPr kumimoji="1" lang="zh-TW" altLang="en-US" smtClean="0"/>
+              <a:rPr kumimoji="1" lang="zh-TW" altLang="en-US"/>
               <a:t>按一下以編輯母片文字樣式</a:t>
             </a:r>
           </a:p>
@@ -1381,7 +1371,7 @@
             <a:fld id="{9D21D778-B565-4D7E-94D7-64010A445B68}" type="datetimeFigureOut">
               <a:rPr lang="en-US" smtClean="0"/>
               <a:pPr eaLnBrk="1" latinLnBrk="0" hangingPunct="1"/>
-              <a:t>5/19/2020</a:t>
+              <a:t>5/29/2020</a:t>
             </a:fld>
             <a:endParaRPr lang="en-US"/>
           </a:p>
@@ -1475,10 +1465,9 @@
           <a:lstStyle/>
           <a:p>
             <a:r>
-              <a:rPr kumimoji="1" lang="zh-TW" altLang="en-US" smtClean="0"/>
+              <a:rPr kumimoji="1" lang="zh-TW" altLang="en-US"/>
               <a:t>按一下以編輯母片標題樣式</a:t>
             </a:r>
-            <a:endParaRPr kumimoji="1" lang="zh-TW" altLang="en-US"/>
           </a:p>
         </p:txBody>
       </p:sp>
@@ -1532,38 +1521,37 @@
           <a:p>
             <a:pPr lvl="0"/>
             <a:r>
-              <a:rPr kumimoji="1" lang="zh-TW" altLang="en-US" smtClean="0"/>
+              <a:rPr kumimoji="1" lang="zh-TW" altLang="en-US"/>
               <a:t>按一下以編輯母片文字樣式</a:t>
             </a:r>
           </a:p>
           <a:p>
             <a:pPr lvl="1"/>
             <a:r>
-              <a:rPr kumimoji="1" lang="zh-TW" altLang="en-US" smtClean="0"/>
+              <a:rPr kumimoji="1" lang="zh-TW" altLang="en-US"/>
               <a:t>第二層</a:t>
             </a:r>
           </a:p>
           <a:p>
             <a:pPr lvl="2"/>
             <a:r>
-              <a:rPr kumimoji="1" lang="zh-TW" altLang="en-US" smtClean="0"/>
+              <a:rPr kumimoji="1" lang="zh-TW" altLang="en-US"/>
               <a:t>第三層</a:t>
             </a:r>
           </a:p>
           <a:p>
             <a:pPr lvl="3"/>
             <a:r>
-              <a:rPr kumimoji="1" lang="zh-TW" altLang="en-US" smtClean="0"/>
+              <a:rPr kumimoji="1" lang="zh-TW" altLang="en-US"/>
               <a:t>第四層</a:t>
             </a:r>
           </a:p>
           <a:p>
             <a:pPr lvl="4"/>
             <a:r>
-              <a:rPr kumimoji="1" lang="zh-TW" altLang="en-US" smtClean="0"/>
+              <a:rPr kumimoji="1" lang="zh-TW" altLang="en-US"/>
               <a:t>第五層</a:t>
             </a:r>
-            <a:endParaRPr kumimoji="1" lang="zh-TW" altLang="en-US"/>
           </a:p>
         </p:txBody>
       </p:sp>
@@ -1617,38 +1605,37 @@
           <a:p>
             <a:pPr lvl="0"/>
             <a:r>
-              <a:rPr kumimoji="1" lang="zh-TW" altLang="en-US" smtClean="0"/>
+              <a:rPr kumimoji="1" lang="zh-TW" altLang="en-US"/>
               <a:t>按一下以編輯母片文字樣式</a:t>
             </a:r>
           </a:p>
           <a:p>
             <a:pPr lvl="1"/>
             <a:r>
-              <a:rPr kumimoji="1" lang="zh-TW" altLang="en-US" smtClean="0"/>
+              <a:rPr kumimoji="1" lang="zh-TW" altLang="en-US"/>
               <a:t>第二層</a:t>
             </a:r>
           </a:p>
           <a:p>
             <a:pPr lvl="2"/>
             <a:r>
-              <a:rPr kumimoji="1" lang="zh-TW" altLang="en-US" smtClean="0"/>
+              <a:rPr kumimoji="1" lang="zh-TW" altLang="en-US"/>
               <a:t>第三層</a:t>
             </a:r>
           </a:p>
           <a:p>
             <a:pPr lvl="3"/>
             <a:r>
-              <a:rPr kumimoji="1" lang="zh-TW" altLang="en-US" smtClean="0"/>
+              <a:rPr kumimoji="1" lang="zh-TW" altLang="en-US"/>
               <a:t>第四層</a:t>
             </a:r>
           </a:p>
           <a:p>
             <a:pPr lvl="4"/>
             <a:r>
-              <a:rPr kumimoji="1" lang="zh-TW" altLang="en-US" smtClean="0"/>
+              <a:rPr kumimoji="1" lang="zh-TW" altLang="en-US"/>
               <a:t>第五層</a:t>
             </a:r>
-            <a:endParaRPr kumimoji="1" lang="zh-TW" altLang="en-US"/>
           </a:p>
         </p:txBody>
       </p:sp>
@@ -1669,7 +1656,7 @@
           <a:p>
             <a:fld id="{D728701E-CAF4-4159-9B3E-41C86DFFA30D}" type="datetimeFigureOut">
               <a:rPr lang="en-US" smtClean="0"/>
-              <a:t>5/19/2020</a:t>
+              <a:t>5/29/2020</a:t>
             </a:fld>
             <a:endParaRPr lang="en-US"/>
           </a:p>
@@ -1767,10 +1754,9 @@
           </a:lstStyle>
           <a:p>
             <a:r>
-              <a:rPr kumimoji="1" lang="zh-TW" altLang="en-US" smtClean="0"/>
+              <a:rPr kumimoji="1" lang="zh-TW" altLang="en-US"/>
               <a:t>按一下以編輯母片標題樣式</a:t>
             </a:r>
-            <a:endParaRPr kumimoji="1" lang="zh-TW" altLang="en-US"/>
           </a:p>
         </p:txBody>
       </p:sp>
@@ -1833,7 +1819,7 @@
           <a:p>
             <a:pPr lvl="0"/>
             <a:r>
-              <a:rPr kumimoji="1" lang="zh-TW" altLang="en-US" smtClean="0"/>
+              <a:rPr kumimoji="1" lang="zh-TW" altLang="en-US"/>
               <a:t>按一下以編輯母片文字樣式</a:t>
             </a:r>
           </a:p>
@@ -1889,38 +1875,37 @@
           <a:p>
             <a:pPr lvl="0"/>
             <a:r>
-              <a:rPr kumimoji="1" lang="zh-TW" altLang="en-US" smtClean="0"/>
+              <a:rPr kumimoji="1" lang="zh-TW" altLang="en-US"/>
               <a:t>按一下以編輯母片文字樣式</a:t>
             </a:r>
           </a:p>
           <a:p>
             <a:pPr lvl="1"/>
             <a:r>
-              <a:rPr kumimoji="1" lang="zh-TW" altLang="en-US" smtClean="0"/>
+              <a:rPr kumimoji="1" lang="zh-TW" altLang="en-US"/>
               <a:t>第二層</a:t>
             </a:r>
           </a:p>
           <a:p>
             <a:pPr lvl="2"/>
             <a:r>
-              <a:rPr kumimoji="1" lang="zh-TW" altLang="en-US" smtClean="0"/>
+              <a:rPr kumimoji="1" lang="zh-TW" altLang="en-US"/>
               <a:t>第三層</a:t>
             </a:r>
           </a:p>
           <a:p>
             <a:pPr lvl="3"/>
             <a:r>
-              <a:rPr kumimoji="1" lang="zh-TW" altLang="en-US" smtClean="0"/>
+              <a:rPr kumimoji="1" lang="zh-TW" altLang="en-US"/>
               <a:t>第四層</a:t>
             </a:r>
           </a:p>
           <a:p>
             <a:pPr lvl="4"/>
             <a:r>
-              <a:rPr kumimoji="1" lang="zh-TW" altLang="en-US" smtClean="0"/>
+              <a:rPr kumimoji="1" lang="zh-TW" altLang="en-US"/>
               <a:t>第五層</a:t>
             </a:r>
-            <a:endParaRPr kumimoji="1" lang="zh-TW" altLang="en-US"/>
           </a:p>
         </p:txBody>
       </p:sp>
@@ -1983,7 +1968,7 @@
           <a:p>
             <a:pPr lvl="0"/>
             <a:r>
-              <a:rPr kumimoji="1" lang="zh-TW" altLang="en-US" smtClean="0"/>
+              <a:rPr kumimoji="1" lang="zh-TW" altLang="en-US"/>
               <a:t>按一下以編輯母片文字樣式</a:t>
             </a:r>
           </a:p>
@@ -2039,38 +2024,37 @@
           <a:p>
             <a:pPr lvl="0"/>
             <a:r>
-              <a:rPr kumimoji="1" lang="zh-TW" altLang="en-US" smtClean="0"/>
+              <a:rPr kumimoji="1" lang="zh-TW" altLang="en-US"/>
               <a:t>按一下以編輯母片文字樣式</a:t>
             </a:r>
           </a:p>
           <a:p>
             <a:pPr lvl="1"/>
             <a:r>
-              <a:rPr kumimoji="1" lang="zh-TW" altLang="en-US" smtClean="0"/>
+              <a:rPr kumimoji="1" lang="zh-TW" altLang="en-US"/>
               <a:t>第二層</a:t>
             </a:r>
           </a:p>
           <a:p>
             <a:pPr lvl="2"/>
             <a:r>
-              <a:rPr kumimoji="1" lang="zh-TW" altLang="en-US" smtClean="0"/>
+              <a:rPr kumimoji="1" lang="zh-TW" altLang="en-US"/>
               <a:t>第三層</a:t>
             </a:r>
           </a:p>
           <a:p>
             <a:pPr lvl="3"/>
             <a:r>
-              <a:rPr kumimoji="1" lang="zh-TW" altLang="en-US" smtClean="0"/>
+              <a:rPr kumimoji="1" lang="zh-TW" altLang="en-US"/>
               <a:t>第四層</a:t>
             </a:r>
           </a:p>
           <a:p>
             <a:pPr lvl="4"/>
             <a:r>
-              <a:rPr kumimoji="1" lang="zh-TW" altLang="en-US" smtClean="0"/>
+              <a:rPr kumimoji="1" lang="zh-TW" altLang="en-US"/>
               <a:t>第五層</a:t>
             </a:r>
-            <a:endParaRPr kumimoji="1" lang="zh-TW" altLang="en-US"/>
           </a:p>
         </p:txBody>
       </p:sp>
@@ -2091,7 +2075,7 @@
           <a:p>
             <a:fld id="{D728701E-CAF4-4159-9B3E-41C86DFFA30D}" type="datetimeFigureOut">
               <a:rPr lang="en-US" smtClean="0"/>
-              <a:t>5/19/2020</a:t>
+              <a:t>5/29/2020</a:t>
             </a:fld>
             <a:endParaRPr lang="en-US"/>
           </a:p>
@@ -2185,10 +2169,9 @@
           <a:lstStyle/>
           <a:p>
             <a:r>
-              <a:rPr kumimoji="1" lang="zh-TW" altLang="en-US" smtClean="0"/>
+              <a:rPr kumimoji="1" lang="zh-TW" altLang="en-US"/>
               <a:t>按一下以編輯母片標題樣式</a:t>
             </a:r>
-            <a:endParaRPr kumimoji="1" lang="zh-TW" altLang="en-US"/>
           </a:p>
         </p:txBody>
       </p:sp>
@@ -2209,7 +2192,7 @@
           <a:p>
             <a:fld id="{D728701E-CAF4-4159-9B3E-41C86DFFA30D}" type="datetimeFigureOut">
               <a:rPr lang="en-US" smtClean="0"/>
-              <a:t>5/19/2020</a:t>
+              <a:t>5/29/2020</a:t>
             </a:fld>
             <a:endParaRPr lang="en-US"/>
           </a:p>
@@ -2304,7 +2287,7 @@
           <a:p>
             <a:fld id="{D728701E-CAF4-4159-9B3E-41C86DFFA30D}" type="datetimeFigureOut">
               <a:rPr lang="en-US" smtClean="0"/>
-              <a:t>5/19/2020</a:t>
+              <a:t>5/29/2020</a:t>
             </a:fld>
             <a:endParaRPr lang="en-US"/>
           </a:p>
@@ -2407,10 +2390,9 @@
           </a:lstStyle>
           <a:p>
             <a:r>
-              <a:rPr kumimoji="1" lang="zh-TW" altLang="en-US" smtClean="0"/>
+              <a:rPr kumimoji="1" lang="zh-TW" altLang="en-US"/>
               <a:t>按一下以編輯母片標題樣式</a:t>
             </a:r>
-            <a:endParaRPr kumimoji="1" lang="zh-TW" altLang="en-US"/>
           </a:p>
         </p:txBody>
       </p:sp>
@@ -2464,38 +2446,37 @@
           <a:p>
             <a:pPr lvl="0"/>
             <a:r>
-              <a:rPr kumimoji="1" lang="zh-TW" altLang="en-US" smtClean="0"/>
+              <a:rPr kumimoji="1" lang="zh-TW" altLang="en-US"/>
               <a:t>按一下以編輯母片文字樣式</a:t>
             </a:r>
           </a:p>
           <a:p>
             <a:pPr lvl="1"/>
             <a:r>
-              <a:rPr kumimoji="1" lang="zh-TW" altLang="en-US" smtClean="0"/>
+              <a:rPr kumimoji="1" lang="zh-TW" altLang="en-US"/>
               <a:t>第二層</a:t>
             </a:r>
           </a:p>
           <a:p>
             <a:pPr lvl="2"/>
             <a:r>
-              <a:rPr kumimoji="1" lang="zh-TW" altLang="en-US" smtClean="0"/>
+              <a:rPr kumimoji="1" lang="zh-TW" altLang="en-US"/>
               <a:t>第三層</a:t>
             </a:r>
           </a:p>
           <a:p>
             <a:pPr lvl="3"/>
             <a:r>
-              <a:rPr kumimoji="1" lang="zh-TW" altLang="en-US" smtClean="0"/>
+              <a:rPr kumimoji="1" lang="zh-TW" altLang="en-US"/>
               <a:t>第四層</a:t>
             </a:r>
           </a:p>
           <a:p>
             <a:pPr lvl="4"/>
             <a:r>
-              <a:rPr kumimoji="1" lang="zh-TW" altLang="en-US" smtClean="0"/>
+              <a:rPr kumimoji="1" lang="zh-TW" altLang="en-US"/>
               <a:t>第五層</a:t>
             </a:r>
-            <a:endParaRPr kumimoji="1" lang="zh-TW" altLang="en-US"/>
           </a:p>
         </p:txBody>
       </p:sp>
@@ -2558,7 +2539,7 @@
           <a:p>
             <a:pPr lvl="0"/>
             <a:r>
-              <a:rPr kumimoji="1" lang="zh-TW" altLang="en-US" smtClean="0"/>
+              <a:rPr kumimoji="1" lang="zh-TW" altLang="en-US"/>
               <a:t>按一下以編輯母片文字樣式</a:t>
             </a:r>
           </a:p>
@@ -2581,7 +2562,7 @@
           <a:p>
             <a:fld id="{D728701E-CAF4-4159-9B3E-41C86DFFA30D}" type="datetimeFigureOut">
               <a:rPr lang="en-US" smtClean="0"/>
-              <a:t>5/19/2020</a:t>
+              <a:t>5/29/2020</a:t>
             </a:fld>
             <a:endParaRPr lang="en-US"/>
           </a:p>
@@ -2684,10 +2665,9 @@
           </a:lstStyle>
           <a:p>
             <a:r>
-              <a:rPr kumimoji="1" lang="zh-TW" altLang="en-US" smtClean="0"/>
+              <a:rPr kumimoji="1" lang="zh-TW" altLang="en-US"/>
               <a:t>按一下以編輯母片標題樣式</a:t>
             </a:r>
-            <a:endParaRPr kumimoji="1" lang="zh-TW" altLang="en-US"/>
           </a:p>
         </p:txBody>
       </p:sp>
@@ -2811,7 +2791,7 @@
           <a:p>
             <a:pPr lvl="0"/>
             <a:r>
-              <a:rPr kumimoji="1" lang="zh-TW" altLang="en-US" smtClean="0"/>
+              <a:rPr kumimoji="1" lang="zh-TW" altLang="en-US"/>
               <a:t>按一下以編輯母片文字樣式</a:t>
             </a:r>
           </a:p>
@@ -2834,7 +2814,7 @@
           <a:p>
             <a:fld id="{D728701E-CAF4-4159-9B3E-41C86DFFA30D}" type="datetimeFigureOut">
               <a:rPr lang="en-US" smtClean="0"/>
-              <a:t>5/19/2020</a:t>
+              <a:t>5/29/2020</a:t>
             </a:fld>
             <a:endParaRPr lang="en-US"/>
           </a:p>
@@ -2943,10 +2923,9 @@
           <a:lstStyle/>
           <a:p>
             <a:r>
-              <a:rPr kumimoji="1" lang="zh-TW" altLang="en-US" smtClean="0"/>
+              <a:rPr kumimoji="1" lang="zh-TW" altLang="en-US"/>
               <a:t>按一下以編輯母片標題樣式</a:t>
             </a:r>
-            <a:endParaRPr kumimoji="1" lang="zh-TW" altLang="en-US"/>
           </a:p>
         </p:txBody>
       </p:sp>
@@ -2977,38 +2956,37 @@
           <a:p>
             <a:pPr lvl="0"/>
             <a:r>
-              <a:rPr kumimoji="1" lang="zh-TW" altLang="en-US" smtClean="0"/>
+              <a:rPr kumimoji="1" lang="zh-TW" altLang="en-US"/>
               <a:t>按一下以編輯母片文字樣式</a:t>
             </a:r>
           </a:p>
           <a:p>
             <a:pPr lvl="1"/>
             <a:r>
-              <a:rPr kumimoji="1" lang="zh-TW" altLang="en-US" smtClean="0"/>
+              <a:rPr kumimoji="1" lang="zh-TW" altLang="en-US"/>
               <a:t>第二層</a:t>
             </a:r>
           </a:p>
           <a:p>
             <a:pPr lvl="2"/>
             <a:r>
-              <a:rPr kumimoji="1" lang="zh-TW" altLang="en-US" smtClean="0"/>
+              <a:rPr kumimoji="1" lang="zh-TW" altLang="en-US"/>
               <a:t>第三層</a:t>
             </a:r>
           </a:p>
           <a:p>
             <a:pPr lvl="3"/>
             <a:r>
-              <a:rPr kumimoji="1" lang="zh-TW" altLang="en-US" smtClean="0"/>
+              <a:rPr kumimoji="1" lang="zh-TW" altLang="en-US"/>
               <a:t>第四層</a:t>
             </a:r>
           </a:p>
           <a:p>
             <a:pPr lvl="4"/>
             <a:r>
-              <a:rPr kumimoji="1" lang="zh-TW" altLang="en-US" smtClean="0"/>
+              <a:rPr kumimoji="1" lang="zh-TW" altLang="en-US"/>
               <a:t>第五層</a:t>
             </a:r>
-            <a:endParaRPr kumimoji="1" lang="zh-TW" altLang="en-US"/>
           </a:p>
         </p:txBody>
       </p:sp>
@@ -3047,7 +3025,7 @@
           <a:p>
             <a:fld id="{D728701E-CAF4-4159-9B3E-41C86DFFA30D}" type="datetimeFigureOut">
               <a:rPr lang="en-US" smtClean="0"/>
-              <a:t>5/19/2020</a:t>
+              <a:t>5/29/2020</a:t>
             </a:fld>
             <a:endParaRPr lang="en-US"/>
           </a:p>
@@ -4822,7 +4800,7 @@
               <a:p>
                 <a:pPr algn="ctr"/>
                 <a:r>
-                  <a:rPr lang="en-US" altLang="zh-TW" sz="5400" b="1" cap="none" spc="0" dirty="0" smtClean="0">
+                  <a:rPr lang="en-US" altLang="zh-TW" sz="5400" b="1" cap="none" spc="0" dirty="0">
                     <a:ln w="12700">
                       <a:solidFill>
                         <a:schemeClr val="tx2">
@@ -5225,14 +5203,14 @@
           <a:lstStyle/>
           <a:p>
             <a:r>
-              <a:rPr kumimoji="1" lang="en-US" altLang="zh-TW" dirty="0" smtClean="0"/>
+              <a:rPr kumimoji="1" lang="en-US" altLang="zh-TW" dirty="0"/>
               <a:t>Introduction to Programming(II)</a:t>
             </a:r>
             <a:br>
-              <a:rPr kumimoji="1" lang="en-US" altLang="zh-TW" dirty="0" smtClean="0"/>
+              <a:rPr kumimoji="1" lang="en-US" altLang="zh-TW" dirty="0"/>
             </a:br>
             <a:r>
-              <a:rPr kumimoji="1" lang="en-US" altLang="zh-TW" dirty="0" smtClean="0"/>
+              <a:rPr kumimoji="1" lang="en-US" altLang="zh-TW" dirty="0"/>
               <a:t>Week 13: C++ Template</a:t>
             </a:r>
             <a:endParaRPr kumimoji="1" lang="zh-TW" altLang="en-US" dirty="0"/>
@@ -5255,10 +5233,9 @@
           <a:lstStyle/>
           <a:p>
             <a:r>
-              <a:rPr kumimoji="1" lang="zh-TW" altLang="en-US" dirty="0" smtClean="0"/>
+              <a:rPr kumimoji="1" lang="zh-TW" altLang="en-US" dirty="0"/>
               <a:t>李哲榮</a:t>
             </a:r>
-            <a:endParaRPr kumimoji="1" lang="zh-TW" altLang="en-US" dirty="0"/>
           </a:p>
         </p:txBody>
       </p:sp>
@@ -5272,21 +5249,6 @@
   <p:clrMapOvr>
     <a:masterClrMapping/>
   </p:clrMapOvr>
-  <mc:AlternateContent xmlns:mc="http://schemas.openxmlformats.org/markup-compatibility/2006" xmlns:p14="http://schemas.microsoft.com/office/powerpoint/2010/main">
-    <mc:Choice Requires="p14">
-      <p:transition spd="slow" p14:dur="2000"/>
-    </mc:Choice>
-    <mc:Fallback xmlns="">
-      <p:transition xmlns:p14="http://schemas.microsoft.com/office/powerpoint/2010/main" spd="slow"/>
-    </mc:Fallback>
-  </mc:AlternateContent>
-  <p:timing>
-    <p:tnLst>
-      <p:par>
-        <p:cTn id="1" dur="indefinite" restart="never" nodeType="tmRoot"/>
-      </p:par>
-    </p:tnLst>
-  </p:timing>
 </p:sld>
 </file>
 
@@ -5328,37 +5290,19 @@
               <a:buNone/>
             </a:pPr>
             <a:r>
-              <a:rPr lang="en-US" altLang="zh-TW" sz="2400" dirty="0" err="1" smtClean="0">
+              <a:rPr lang="en-US" altLang="zh-TW" sz="2400" dirty="0" err="1">
                 <a:latin typeface="Courier New" panose="02070309020205020404" pitchFamily="49" charset="0"/>
                 <a:cs typeface="Courier New" panose="02070309020205020404" pitchFamily="49" charset="0"/>
               </a:rPr>
               <a:t>int</a:t>
             </a:r>
             <a:r>
-              <a:rPr lang="en-US" altLang="zh-TW" sz="2400" dirty="0" smtClean="0">
-                <a:latin typeface="Courier New" panose="02070309020205020404" pitchFamily="49" charset="0"/>
-                <a:cs typeface="Courier New" panose="02070309020205020404" pitchFamily="49" charset="0"/>
-              </a:rPr>
-              <a:t> </a:t>
-            </a:r>
-            <a:r>
-              <a:rPr lang="en-US" altLang="zh-TW" sz="2400" dirty="0">
-                <a:latin typeface="Courier New" panose="02070309020205020404" pitchFamily="49" charset="0"/>
-                <a:cs typeface="Courier New" panose="02070309020205020404" pitchFamily="49" charset="0"/>
-              </a:rPr>
-              <a:t>main</a:t>
-            </a:r>
-            <a:r>
-              <a:rPr lang="en-US" altLang="zh-TW" sz="2400" dirty="0" smtClean="0">
-                <a:latin typeface="Courier New" panose="02070309020205020404" pitchFamily="49" charset="0"/>
-                <a:cs typeface="Courier New" panose="02070309020205020404" pitchFamily="49" charset="0"/>
-              </a:rPr>
-              <a:t>(){</a:t>
-            </a:r>
-            <a:endParaRPr lang="en-US" altLang="zh-TW" sz="2400" dirty="0">
-              <a:latin typeface="Courier New" panose="02070309020205020404" pitchFamily="49" charset="0"/>
-              <a:cs typeface="Courier New" panose="02070309020205020404" pitchFamily="49" charset="0"/>
-            </a:endParaRPr>
+              <a:rPr lang="en-US" altLang="zh-TW" sz="2400" dirty="0">
+                <a:latin typeface="Courier New" panose="02070309020205020404" pitchFamily="49" charset="0"/>
+                <a:cs typeface="Courier New" panose="02070309020205020404" pitchFamily="49" charset="0"/>
+              </a:rPr>
+              <a:t> main(){</a:t>
+            </a:r>
           </a:p>
           <a:p>
             <a:pPr marL="0" indent="0">
@@ -5372,7 +5316,7 @@
               <a:t>    </a:t>
             </a:r>
             <a:r>
-              <a:rPr lang="en-US" altLang="zh-TW" sz="2400" dirty="0" smtClean="0">
+              <a:rPr lang="en-US" altLang="zh-TW" sz="2400" dirty="0">
                 <a:solidFill>
                   <a:srgbClr val="FF0000"/>
                 </a:solidFill>
@@ -5382,7 +5326,7 @@
               <a:t>Array&lt;</a:t>
             </a:r>
             <a:r>
-              <a:rPr lang="en-US" altLang="zh-TW" sz="2400" dirty="0" err="1" smtClean="0">
+              <a:rPr lang="en-US" altLang="zh-TW" sz="2400" dirty="0" err="1">
                 <a:solidFill>
                   <a:srgbClr val="FF0000"/>
                 </a:solidFill>
@@ -5399,25 +5343,8 @@
                 <a:latin typeface="Courier New" panose="02070309020205020404" pitchFamily="49" charset="0"/>
                 <a:cs typeface="Courier New" panose="02070309020205020404" pitchFamily="49" charset="0"/>
               </a:rPr>
-              <a:t>&gt; A(3</a:t>
-            </a:r>
-            <a:r>
-              <a:rPr lang="en-US" altLang="zh-TW" sz="2400" dirty="0" smtClean="0">
-                <a:solidFill>
-                  <a:srgbClr val="FF0000"/>
-                </a:solidFill>
-                <a:latin typeface="Courier New" panose="02070309020205020404" pitchFamily="49" charset="0"/>
-                <a:cs typeface="Courier New" panose="02070309020205020404" pitchFamily="49" charset="0"/>
-              </a:rPr>
-              <a:t>);</a:t>
-            </a:r>
-            <a:endParaRPr lang="en-US" altLang="zh-TW" sz="2400" dirty="0">
-              <a:solidFill>
-                <a:srgbClr val="FF0000"/>
-              </a:solidFill>
-              <a:latin typeface="Courier New" panose="02070309020205020404" pitchFamily="49" charset="0"/>
-              <a:cs typeface="Courier New" panose="02070309020205020404" pitchFamily="49" charset="0"/>
-            </a:endParaRPr>
+              <a:t>&gt; A(3);</a:t>
+            </a:r>
           </a:p>
           <a:p>
             <a:pPr marL="0" indent="0">
@@ -5428,49 +5355,35 @@
                 <a:latin typeface="Courier New" panose="02070309020205020404" pitchFamily="49" charset="0"/>
                 <a:cs typeface="Courier New" panose="02070309020205020404" pitchFamily="49" charset="0"/>
               </a:rPr>
-              <a:t>    </a:t>
-            </a:r>
-            <a:r>
-              <a:rPr lang="en-US" altLang="zh-TW" sz="2400" dirty="0" smtClean="0">
-                <a:latin typeface="Courier New" panose="02070309020205020404" pitchFamily="49" charset="0"/>
-                <a:cs typeface="Courier New" panose="02070309020205020404" pitchFamily="49" charset="0"/>
-              </a:rPr>
-              <a:t>for(</a:t>
-            </a:r>
-            <a:r>
-              <a:rPr lang="en-US" altLang="zh-TW" sz="2400" dirty="0" err="1" smtClean="0">
+              <a:t>    for(</a:t>
+            </a:r>
+            <a:r>
+              <a:rPr lang="en-US" altLang="zh-TW" sz="2400" dirty="0" err="1">
                 <a:latin typeface="Courier New" panose="02070309020205020404" pitchFamily="49" charset="0"/>
                 <a:cs typeface="Courier New" panose="02070309020205020404" pitchFamily="49" charset="0"/>
               </a:rPr>
               <a:t>int</a:t>
             </a:r>
             <a:r>
-              <a:rPr lang="en-US" altLang="zh-TW" sz="2400" dirty="0" smtClean="0">
+              <a:rPr lang="en-US" altLang="zh-TW" sz="2400" dirty="0">
                 <a:latin typeface="Courier New" panose="02070309020205020404" pitchFamily="49" charset="0"/>
                 <a:cs typeface="Courier New" panose="02070309020205020404" pitchFamily="49" charset="0"/>
               </a:rPr>
               <a:t> </a:t>
             </a:r>
             <a:r>
-              <a:rPr lang="en-US" altLang="zh-TW" sz="2400" dirty="0" err="1" smtClean="0">
+              <a:rPr lang="en-US" altLang="zh-TW" sz="2400" dirty="0" err="1">
                 <a:latin typeface="Courier New" panose="02070309020205020404" pitchFamily="49" charset="0"/>
                 <a:cs typeface="Courier New" panose="02070309020205020404" pitchFamily="49" charset="0"/>
               </a:rPr>
               <a:t>i</a:t>
             </a:r>
             <a:r>
-              <a:rPr lang="en-US" altLang="zh-TW" sz="2400" dirty="0" smtClean="0">
-                <a:latin typeface="Courier New" panose="02070309020205020404" pitchFamily="49" charset="0"/>
-                <a:cs typeface="Courier New" panose="02070309020205020404" pitchFamily="49" charset="0"/>
-              </a:rPr>
-              <a:t>=0</a:t>
-            </a:r>
-            <a:r>
-              <a:rPr lang="en-US" altLang="zh-TW" sz="2400" dirty="0">
-                <a:latin typeface="Courier New" panose="02070309020205020404" pitchFamily="49" charset="0"/>
-                <a:cs typeface="Courier New" panose="02070309020205020404" pitchFamily="49" charset="0"/>
-              </a:rPr>
-              <a:t>; </a:t>
+              <a:rPr lang="en-US" altLang="zh-TW" sz="2400" dirty="0">
+                <a:latin typeface="Courier New" panose="02070309020205020404" pitchFamily="49" charset="0"/>
+                <a:cs typeface="Courier New" panose="02070309020205020404" pitchFamily="49" charset="0"/>
+              </a:rPr>
+              <a:t>=0; </a:t>
             </a:r>
             <a:r>
               <a:rPr lang="en-US" altLang="zh-TW" sz="2400" dirty="0" err="1">
@@ -5510,31 +5423,24 @@
                 <a:latin typeface="Courier New" panose="02070309020205020404" pitchFamily="49" charset="0"/>
                 <a:cs typeface="Courier New" panose="02070309020205020404" pitchFamily="49" charset="0"/>
               </a:rPr>
-              <a:t>      </a:t>
-            </a:r>
-            <a:r>
-              <a:rPr lang="en-US" altLang="zh-TW" sz="2400" dirty="0" smtClean="0">
-                <a:latin typeface="Courier New" panose="02070309020205020404" pitchFamily="49" charset="0"/>
-                <a:cs typeface="Courier New" panose="02070309020205020404" pitchFamily="49" charset="0"/>
-              </a:rPr>
-              <a:t>  </a:t>
-            </a:r>
-            <a:r>
-              <a:rPr lang="en-US" altLang="zh-TW" sz="2400" dirty="0" err="1" smtClean="0">
+              <a:t>        </a:t>
+            </a:r>
+            <a:r>
+              <a:rPr lang="en-US" altLang="zh-TW" sz="2400" dirty="0" err="1">
                 <a:latin typeface="Courier New" panose="02070309020205020404" pitchFamily="49" charset="0"/>
                 <a:cs typeface="Courier New" panose="02070309020205020404" pitchFamily="49" charset="0"/>
               </a:rPr>
               <a:t>A.setElementAt</a:t>
             </a:r>
             <a:r>
-              <a:rPr lang="en-US" altLang="zh-TW" sz="2400" dirty="0" smtClean="0">
+              <a:rPr lang="en-US" altLang="zh-TW" sz="2400" dirty="0">
                 <a:latin typeface="Courier New" panose="02070309020205020404" pitchFamily="49" charset="0"/>
                 <a:cs typeface="Courier New" panose="02070309020205020404" pitchFamily="49" charset="0"/>
               </a:rPr>
               <a:t>(</a:t>
             </a:r>
             <a:r>
-              <a:rPr lang="en-US" altLang="zh-TW" sz="2400" dirty="0" err="1" smtClean="0">
+              <a:rPr lang="en-US" altLang="zh-TW" sz="2400" dirty="0" err="1">
                 <a:latin typeface="Courier New" panose="02070309020205020404" pitchFamily="49" charset="0"/>
                 <a:cs typeface="Courier New" panose="02070309020205020404" pitchFamily="49" charset="0"/>
               </a:rPr>
@@ -5545,19 +5451,8 @@
                 <a:latin typeface="Courier New" panose="02070309020205020404" pitchFamily="49" charset="0"/>
                 <a:cs typeface="Courier New" panose="02070309020205020404" pitchFamily="49" charset="0"/>
               </a:rPr>
-              <a:t>, 2*(i+1</a:t>
-            </a:r>
-            <a:r>
-              <a:rPr lang="en-US" altLang="zh-TW" sz="2400" dirty="0" smtClean="0">
-                <a:latin typeface="Courier New" panose="02070309020205020404" pitchFamily="49" charset="0"/>
-                <a:cs typeface="Courier New" panose="02070309020205020404" pitchFamily="49" charset="0"/>
-              </a:rPr>
-              <a:t>));</a:t>
-            </a:r>
-            <a:endParaRPr lang="en-US" altLang="zh-TW" sz="2400" dirty="0">
-              <a:latin typeface="Courier New" panose="02070309020205020404" pitchFamily="49" charset="0"/>
-              <a:cs typeface="Courier New" panose="02070309020205020404" pitchFamily="49" charset="0"/>
-            </a:endParaRPr>
+              <a:t>, 2*(i+1));</a:t>
+            </a:r>
           </a:p>
           <a:p>
             <a:pPr marL="0" indent="0">
@@ -5568,49 +5463,35 @@
                 <a:latin typeface="Courier New" panose="02070309020205020404" pitchFamily="49" charset="0"/>
                 <a:cs typeface="Courier New" panose="02070309020205020404" pitchFamily="49" charset="0"/>
               </a:rPr>
-              <a:t>    </a:t>
-            </a:r>
-            <a:r>
-              <a:rPr lang="en-US" altLang="zh-TW" sz="2400" dirty="0" smtClean="0">
-                <a:latin typeface="Courier New" panose="02070309020205020404" pitchFamily="49" charset="0"/>
-                <a:cs typeface="Courier New" panose="02070309020205020404" pitchFamily="49" charset="0"/>
-              </a:rPr>
-              <a:t>for(</a:t>
-            </a:r>
-            <a:r>
-              <a:rPr lang="en-US" altLang="zh-TW" sz="2400" dirty="0" err="1" smtClean="0">
+              <a:t>    for(</a:t>
+            </a:r>
+            <a:r>
+              <a:rPr lang="en-US" altLang="zh-TW" sz="2400" dirty="0" err="1">
                 <a:latin typeface="Courier New" panose="02070309020205020404" pitchFamily="49" charset="0"/>
                 <a:cs typeface="Courier New" panose="02070309020205020404" pitchFamily="49" charset="0"/>
               </a:rPr>
               <a:t>int</a:t>
             </a:r>
             <a:r>
-              <a:rPr lang="en-US" altLang="zh-TW" sz="2400" dirty="0" smtClean="0">
+              <a:rPr lang="en-US" altLang="zh-TW" sz="2400" dirty="0">
                 <a:latin typeface="Courier New" panose="02070309020205020404" pitchFamily="49" charset="0"/>
                 <a:cs typeface="Courier New" panose="02070309020205020404" pitchFamily="49" charset="0"/>
               </a:rPr>
               <a:t> </a:t>
             </a:r>
             <a:r>
-              <a:rPr lang="en-US" altLang="zh-TW" sz="2400" dirty="0" err="1" smtClean="0">
+              <a:rPr lang="en-US" altLang="zh-TW" sz="2400" dirty="0" err="1">
                 <a:latin typeface="Courier New" panose="02070309020205020404" pitchFamily="49" charset="0"/>
                 <a:cs typeface="Courier New" panose="02070309020205020404" pitchFamily="49" charset="0"/>
               </a:rPr>
               <a:t>i</a:t>
             </a:r>
             <a:r>
-              <a:rPr lang="en-US" altLang="zh-TW" sz="2400" dirty="0" smtClean="0">
-                <a:latin typeface="Courier New" panose="02070309020205020404" pitchFamily="49" charset="0"/>
-                <a:cs typeface="Courier New" panose="02070309020205020404" pitchFamily="49" charset="0"/>
-              </a:rPr>
-              <a:t>=0</a:t>
-            </a:r>
-            <a:r>
-              <a:rPr lang="en-US" altLang="zh-TW" sz="2400" dirty="0">
-                <a:latin typeface="Courier New" panose="02070309020205020404" pitchFamily="49" charset="0"/>
-                <a:cs typeface="Courier New" panose="02070309020205020404" pitchFamily="49" charset="0"/>
-              </a:rPr>
-              <a:t>; </a:t>
+              <a:rPr lang="en-US" altLang="zh-TW" sz="2400" dirty="0">
+                <a:latin typeface="Courier New" panose="02070309020205020404" pitchFamily="49" charset="0"/>
+                <a:cs typeface="Courier New" panose="02070309020205020404" pitchFamily="49" charset="0"/>
+              </a:rPr>
+              <a:t>=0; </a:t>
             </a:r>
             <a:r>
               <a:rPr lang="en-US" altLang="zh-TW" sz="2400" dirty="0" err="1">
@@ -5653,7 +5534,7 @@
               <a:t>        </a:t>
             </a:r>
             <a:r>
-              <a:rPr lang="en-US" altLang="zh-TW" sz="2400" dirty="0" err="1" smtClean="0">
+              <a:rPr lang="en-US" altLang="zh-TW" sz="2400" dirty="0" err="1">
                 <a:latin typeface="Courier New" panose="02070309020205020404" pitchFamily="49" charset="0"/>
                 <a:cs typeface="Courier New" panose="02070309020205020404" pitchFamily="49" charset="0"/>
               </a:rPr>
@@ -5700,49 +5581,22 @@
               <a:buNone/>
             </a:pPr>
             <a:r>
-              <a:rPr lang="en-US" altLang="zh-TW" sz="2400" dirty="0" smtClean="0">
+              <a:rPr lang="en-US" altLang="zh-TW" sz="2400" dirty="0">
                 <a:latin typeface="Courier New" panose="02070309020205020404" pitchFamily="49" charset="0"/>
                 <a:cs typeface="Courier New" panose="02070309020205020404" pitchFamily="49" charset="0"/>
               </a:rPr>
               <a:t>    </a:t>
             </a:r>
             <a:r>
-              <a:rPr lang="en-US" altLang="zh-TW" sz="2400" dirty="0" smtClean="0">
+              <a:rPr lang="en-US" altLang="zh-TW" sz="2400" dirty="0">
                 <a:solidFill>
                   <a:srgbClr val="FF0000"/>
                 </a:solidFill>
                 <a:latin typeface="Courier New" panose="02070309020205020404" pitchFamily="49" charset="0"/>
                 <a:cs typeface="Courier New" panose="02070309020205020404" pitchFamily="49" charset="0"/>
               </a:rPr>
-              <a:t>Array&lt;string</a:t>
-            </a:r>
-            <a:r>
-              <a:rPr lang="en-US" altLang="zh-TW" sz="2400" dirty="0">
-                <a:solidFill>
-                  <a:srgbClr val="FF0000"/>
-                </a:solidFill>
-                <a:latin typeface="Courier New" panose="02070309020205020404" pitchFamily="49" charset="0"/>
-                <a:cs typeface="Courier New" panose="02070309020205020404" pitchFamily="49" charset="0"/>
-              </a:rPr>
-              <a:t>&gt; B(2</a:t>
-            </a:r>
-            <a:r>
-              <a:rPr lang="en-US" altLang="zh-TW" sz="2400" dirty="0" smtClean="0">
-                <a:solidFill>
-                  <a:srgbClr val="FF0000"/>
-                </a:solidFill>
-                <a:latin typeface="Courier New" panose="02070309020205020404" pitchFamily="49" charset="0"/>
-                <a:cs typeface="Courier New" panose="02070309020205020404" pitchFamily="49" charset="0"/>
-              </a:rPr>
-              <a:t>);</a:t>
-            </a:r>
-            <a:endParaRPr lang="en-US" altLang="zh-TW" sz="2400" dirty="0">
-              <a:solidFill>
-                <a:srgbClr val="FF0000"/>
-              </a:solidFill>
-              <a:latin typeface="Courier New" panose="02070309020205020404" pitchFamily="49" charset="0"/>
-              <a:cs typeface="Courier New" panose="02070309020205020404" pitchFamily="49" charset="0"/>
-            </a:endParaRPr>
+              <a:t>Array&lt;string&gt; B(2);</a:t>
+            </a:r>
           </a:p>
           <a:p>
             <a:pPr marL="0" indent="0">
@@ -5756,25 +5610,18 @@
               <a:t>    </a:t>
             </a:r>
             <a:r>
-              <a:rPr lang="en-US" altLang="zh-TW" sz="2400" dirty="0" err="1" smtClean="0">
+              <a:rPr lang="en-US" altLang="zh-TW" sz="2400" dirty="0" err="1">
                 <a:latin typeface="Courier New" panose="02070309020205020404" pitchFamily="49" charset="0"/>
                 <a:cs typeface="Courier New" panose="02070309020205020404" pitchFamily="49" charset="0"/>
               </a:rPr>
               <a:t>B.setElementAt</a:t>
             </a:r>
             <a:r>
-              <a:rPr lang="en-US" altLang="zh-TW" sz="2400" dirty="0" smtClean="0">
-                <a:latin typeface="Courier New" panose="02070309020205020404" pitchFamily="49" charset="0"/>
-                <a:cs typeface="Courier New" panose="02070309020205020404" pitchFamily="49" charset="0"/>
-              </a:rPr>
-              <a:t>(0</a:t>
-            </a:r>
-            <a:r>
-              <a:rPr lang="en-US" altLang="zh-TW" sz="2400" dirty="0">
-                <a:latin typeface="Courier New" panose="02070309020205020404" pitchFamily="49" charset="0"/>
-                <a:cs typeface="Courier New" panose="02070309020205020404" pitchFamily="49" charset="0"/>
-              </a:rPr>
-              <a:t>, "First Element");</a:t>
+              <a:rPr lang="en-US" altLang="zh-TW" sz="2400" dirty="0">
+                <a:latin typeface="Courier New" panose="02070309020205020404" pitchFamily="49" charset="0"/>
+                <a:cs typeface="Courier New" panose="02070309020205020404" pitchFamily="49" charset="0"/>
+              </a:rPr>
+              <a:t>(0, "First Element");</a:t>
             </a:r>
           </a:p>
           <a:p>
@@ -5789,25 +5636,18 @@
               <a:t>    </a:t>
             </a:r>
             <a:r>
-              <a:rPr lang="en-US" altLang="zh-TW" sz="2400" dirty="0" err="1" smtClean="0">
+              <a:rPr lang="en-US" altLang="zh-TW" sz="2400" dirty="0" err="1">
                 <a:latin typeface="Courier New" panose="02070309020205020404" pitchFamily="49" charset="0"/>
                 <a:cs typeface="Courier New" panose="02070309020205020404" pitchFamily="49" charset="0"/>
               </a:rPr>
               <a:t>B.setElementAt</a:t>
             </a:r>
             <a:r>
-              <a:rPr lang="en-US" altLang="zh-TW" sz="2400" dirty="0" smtClean="0">
-                <a:latin typeface="Courier New" panose="02070309020205020404" pitchFamily="49" charset="0"/>
-                <a:cs typeface="Courier New" panose="02070309020205020404" pitchFamily="49" charset="0"/>
-              </a:rPr>
-              <a:t>(1</a:t>
-            </a:r>
-            <a:r>
-              <a:rPr lang="en-US" altLang="zh-TW" sz="2400" dirty="0">
-                <a:latin typeface="Courier New" panose="02070309020205020404" pitchFamily="49" charset="0"/>
-                <a:cs typeface="Courier New" panose="02070309020205020404" pitchFamily="49" charset="0"/>
-              </a:rPr>
-              <a:t>, "Second Element");</a:t>
+              <a:rPr lang="en-US" altLang="zh-TW" sz="2400" dirty="0">
+                <a:latin typeface="Courier New" panose="02070309020205020404" pitchFamily="49" charset="0"/>
+                <a:cs typeface="Courier New" panose="02070309020205020404" pitchFamily="49" charset="0"/>
+              </a:rPr>
+              <a:t>(1, "Second Element");</a:t>
             </a:r>
           </a:p>
           <a:p>
@@ -5822,7 +5662,7 @@
               <a:t>    </a:t>
             </a:r>
             <a:r>
-              <a:rPr lang="en-US" altLang="zh-TW" sz="2400" dirty="0" err="1" smtClean="0">
+              <a:rPr lang="en-US" altLang="zh-TW" sz="2400" dirty="0" err="1">
                 <a:latin typeface="Courier New" panose="02070309020205020404" pitchFamily="49" charset="0"/>
                 <a:cs typeface="Courier New" panose="02070309020205020404" pitchFamily="49" charset="0"/>
               </a:rPr>
@@ -5876,7 +5716,7 @@
               <a:t>    </a:t>
             </a:r>
             <a:r>
-              <a:rPr lang="en-US" altLang="zh-TW" sz="2400" dirty="0" err="1" smtClean="0">
+              <a:rPr lang="en-US" altLang="zh-TW" sz="2400" dirty="0" err="1">
                 <a:latin typeface="Courier New" panose="02070309020205020404" pitchFamily="49" charset="0"/>
                 <a:cs typeface="Courier New" panose="02070309020205020404" pitchFamily="49" charset="0"/>
               </a:rPr>
@@ -5923,7 +5763,7 @@
               <a:buNone/>
             </a:pPr>
             <a:r>
-              <a:rPr lang="en-US" altLang="zh-TW" sz="2400" dirty="0" smtClean="0">
+              <a:rPr lang="en-US" altLang="zh-TW" sz="2400" dirty="0">
                 <a:latin typeface="Courier New" panose="02070309020205020404" pitchFamily="49" charset="0"/>
                 <a:cs typeface="Courier New" panose="02070309020205020404" pitchFamily="49" charset="0"/>
               </a:rPr>
@@ -5952,7 +5792,7 @@
           <a:lstStyle/>
           <a:p>
             <a:r>
-              <a:rPr lang="en-US" altLang="zh-TW" dirty="0" smtClean="0"/>
+              <a:rPr lang="en-US" altLang="zh-TW" dirty="0"/>
               <a:t>Using template class</a:t>
             </a:r>
             <a:endParaRPr lang="zh-TW" altLang="en-US" dirty="0"/>
@@ -5969,13 +5809,6 @@
   <p:clrMapOvr>
     <a:masterClrMapping/>
   </p:clrMapOvr>
-  <p:timing>
-    <p:tnLst>
-      <p:par>
-        <p:cTn id="1" dur="indefinite" restart="never" nodeType="tmRoot"/>
-      </p:par>
-    </p:tnLst>
-  </p:timing>
 </p:sld>
 </file>
 
@@ -6015,19 +5848,17 @@
               <a:rPr lang="en-US" altLang="zh-TW" dirty="0"/>
               <a:t>Templates are only compiled when they are instantiated. </a:t>
             </a:r>
-            <a:endParaRPr lang="en-US" altLang="zh-TW" dirty="0" smtClean="0"/>
           </a:p>
           <a:p>
             <a:pPr lvl="1"/>
             <a:r>
-              <a:rPr lang="en-US" altLang="zh-TW" dirty="0" smtClean="0"/>
+              <a:rPr lang="en-US" altLang="zh-TW" dirty="0"/>
               <a:t>Compiler will generate codes for the specific data types.</a:t>
             </a:r>
-            <a:endParaRPr lang="en-US" altLang="zh-TW" dirty="0"/>
-          </a:p>
-          <a:p>
-            <a:r>
-              <a:rPr lang="en-US" altLang="zh-TW" dirty="0" smtClean="0"/>
+          </a:p>
+          <a:p>
+            <a:r>
+              <a:rPr lang="en-US" altLang="zh-TW" dirty="0"/>
               <a:t>So write your code in .h file or include the implementation in the end of .h file</a:t>
             </a:r>
             <a:endParaRPr lang="zh-TW" altLang="en-US" dirty="0"/>
@@ -6050,7 +5881,7 @@
           <a:lstStyle/>
           <a:p>
             <a:r>
-              <a:rPr lang="en-US" altLang="zh-TW" dirty="0" smtClean="0"/>
+              <a:rPr lang="en-US" altLang="zh-TW" dirty="0"/>
               <a:t>Where is the implementation?</a:t>
             </a:r>
             <a:endParaRPr lang="zh-TW" altLang="en-US" dirty="0"/>
@@ -6067,13 +5898,6 @@
   <p:clrMapOvr>
     <a:masterClrMapping/>
   </p:clrMapOvr>
-  <p:timing>
-    <p:tnLst>
-      <p:par>
-        <p:cTn id="1" dur="indefinite" restart="never" nodeType="tmRoot"/>
-      </p:par>
-    </p:tnLst>
-  </p:timing>
 </p:sld>
 </file>
 
@@ -6110,12 +5934,12 @@
           <a:lstStyle/>
           <a:p>
             <a:r>
-              <a:rPr lang="en-US" altLang="zh-TW" dirty="0" smtClean="0"/>
+              <a:rPr lang="en-US" altLang="zh-TW" dirty="0"/>
               <a:t>You can define template class with parameters.</a:t>
             </a:r>
           </a:p>
           <a:p>
-            <a:endParaRPr lang="en-US" altLang="zh-TW" dirty="0" smtClean="0"/>
+            <a:endParaRPr lang="en-US" altLang="zh-TW" dirty="0"/>
           </a:p>
           <a:p>
             <a:endParaRPr lang="zh-TW" altLang="en-US" dirty="0"/>
@@ -6139,11 +5963,7 @@
           <a:p>
             <a:r>
               <a:rPr lang="en-US" altLang="zh-TW" dirty="0"/>
-              <a:t>Class </a:t>
-            </a:r>
-            <a:r>
-              <a:rPr lang="en-US" altLang="zh-TW" dirty="0" smtClean="0"/>
-              <a:t>Template with parameters</a:t>
+              <a:t>Class Template with parameters</a:t>
             </a:r>
             <a:endParaRPr lang="zh-TW" altLang="en-US" dirty="0"/>
           </a:p>
@@ -6178,174 +5998,147 @@
                 <a:latin typeface="Courier New" panose="02070309020205020404" pitchFamily="49" charset="0"/>
                 <a:cs typeface="Courier New" panose="02070309020205020404" pitchFamily="49" charset="0"/>
               </a:rPr>
-              <a:t>template &lt;class </a:t>
-            </a:r>
-            <a:r>
-              <a:rPr lang="zh-TW" altLang="en-US" sz="2400" b="1" dirty="0" smtClean="0">
+              <a:t>template &lt;class C</a:t>
+            </a:r>
+            <a:r>
+              <a:rPr lang="en-US" altLang="zh-TW" sz="2400" b="1" dirty="0">
                 <a:solidFill>
                   <a:srgbClr val="FF0000"/>
                 </a:solidFill>
                 <a:latin typeface="Courier New" panose="02070309020205020404" pitchFamily="49" charset="0"/>
                 <a:cs typeface="Courier New" panose="02070309020205020404" pitchFamily="49" charset="0"/>
               </a:rPr>
-              <a:t>C</a:t>
-            </a:r>
-            <a:r>
-              <a:rPr lang="en-US" altLang="zh-TW" sz="2400" b="1" dirty="0" smtClean="0">
+              <a:t>t</a:t>
+            </a:r>
+            <a:r>
+              <a:rPr lang="zh-TW" altLang="en-US" sz="2400" b="1" dirty="0">
                 <a:solidFill>
                   <a:srgbClr val="FF0000"/>
                 </a:solidFill>
                 <a:latin typeface="Courier New" panose="02070309020205020404" pitchFamily="49" charset="0"/>
                 <a:cs typeface="Courier New" panose="02070309020205020404" pitchFamily="49" charset="0"/>
               </a:rPr>
-              <a:t>t</a:t>
-            </a:r>
-            <a:r>
-              <a:rPr lang="zh-TW" altLang="en-US" sz="2400" b="1" dirty="0" smtClean="0">
+              <a:t>ype</a:t>
+            </a:r>
+            <a:r>
+              <a:rPr lang="en-US" altLang="zh-TW" sz="2400" b="1" dirty="0">
                 <a:solidFill>
                   <a:srgbClr val="FF0000"/>
                 </a:solidFill>
                 <a:latin typeface="Courier New" panose="02070309020205020404" pitchFamily="49" charset="0"/>
                 <a:cs typeface="Courier New" panose="02070309020205020404" pitchFamily="49" charset="0"/>
               </a:rPr>
-              <a:t>ype</a:t>
-            </a:r>
-            <a:r>
-              <a:rPr lang="en-US" altLang="zh-TW" sz="2400" b="1" dirty="0" smtClean="0">
+              <a:t>, </a:t>
+            </a:r>
+            <a:r>
+              <a:rPr lang="en-US" altLang="zh-TW" sz="2400" b="1" dirty="0" err="1">
                 <a:solidFill>
                   <a:srgbClr val="FF0000"/>
                 </a:solidFill>
                 <a:latin typeface="Courier New" panose="02070309020205020404" pitchFamily="49" charset="0"/>
                 <a:cs typeface="Courier New" panose="02070309020205020404" pitchFamily="49" charset="0"/>
               </a:rPr>
-              <a:t>, </a:t>
-            </a:r>
-            <a:r>
-              <a:rPr lang="en-US" altLang="zh-TW" sz="2400" b="1" dirty="0" err="1" smtClean="0">
+              <a:t>int</a:t>
+            </a:r>
+            <a:r>
+              <a:rPr lang="en-US" altLang="zh-TW" sz="2400" b="1" dirty="0">
                 <a:solidFill>
                   <a:srgbClr val="FF0000"/>
                 </a:solidFill>
                 <a:latin typeface="Courier New" panose="02070309020205020404" pitchFamily="49" charset="0"/>
                 <a:cs typeface="Courier New" panose="02070309020205020404" pitchFamily="49" charset="0"/>
               </a:rPr>
+              <a:t> n</a:t>
+            </a:r>
+            <a:r>
+              <a:rPr lang="zh-TW" altLang="en-US" sz="2400" b="1" dirty="0">
+                <a:solidFill>
+                  <a:srgbClr val="FF0000"/>
+                </a:solidFill>
+                <a:latin typeface="Courier New" panose="02070309020205020404" pitchFamily="49" charset="0"/>
+                <a:cs typeface="Courier New" panose="02070309020205020404" pitchFamily="49" charset="0"/>
+              </a:rPr>
+              <a:t>&gt; </a:t>
+            </a:r>
+            <a:br>
+              <a:rPr lang="en-US" altLang="zh-TW" sz="2400" b="1" dirty="0">
+                <a:solidFill>
+                  <a:srgbClr val="FF0000"/>
+                </a:solidFill>
+                <a:latin typeface="Courier New" panose="02070309020205020404" pitchFamily="49" charset="0"/>
+                <a:cs typeface="Courier New" panose="02070309020205020404" pitchFamily="49" charset="0"/>
+              </a:rPr>
+            </a:br>
+            <a:r>
+              <a:rPr lang="zh-TW" altLang="en-US" sz="2400" dirty="0">
+                <a:latin typeface="Courier New" panose="02070309020205020404" pitchFamily="49" charset="0"/>
+                <a:cs typeface="Courier New" panose="02070309020205020404" pitchFamily="49" charset="0"/>
+              </a:rPr>
+              <a:t>class Array { </a:t>
+            </a:r>
+          </a:p>
+          <a:p>
+            <a:r>
+              <a:rPr lang="en-US" altLang="zh-TW" sz="2400" dirty="0">
+                <a:latin typeface="Courier New" panose="02070309020205020404" pitchFamily="49" charset="0"/>
+                <a:cs typeface="Courier New" panose="02070309020205020404" pitchFamily="49" charset="0"/>
+              </a:rPr>
+              <a:t>    </a:t>
+            </a:r>
+            <a:r>
+              <a:rPr lang="en-US" altLang="zh-TW" sz="2400" dirty="0" err="1">
+                <a:latin typeface="Courier New" panose="02070309020205020404" pitchFamily="49" charset="0"/>
+                <a:cs typeface="Courier New" panose="02070309020205020404" pitchFamily="49" charset="0"/>
+              </a:rPr>
               <a:t>int</a:t>
             </a:r>
             <a:r>
-              <a:rPr lang="en-US" altLang="zh-TW" sz="2400" b="1" dirty="0" smtClean="0">
+              <a:rPr lang="en-US" altLang="zh-TW" sz="2400" dirty="0">
+                <a:latin typeface="Courier New" panose="02070309020205020404" pitchFamily="49" charset="0"/>
+                <a:cs typeface="Courier New" panose="02070309020205020404" pitchFamily="49" charset="0"/>
+              </a:rPr>
+              <a:t> size; </a:t>
+            </a:r>
+            <a:br>
+              <a:rPr lang="en-US" altLang="zh-TW" sz="2400" dirty="0">
+                <a:latin typeface="Courier New" panose="02070309020205020404" pitchFamily="49" charset="0"/>
+                <a:cs typeface="Courier New" panose="02070309020205020404" pitchFamily="49" charset="0"/>
+              </a:rPr>
+            </a:br>
+            <a:r>
+              <a:rPr lang="en-US" altLang="zh-TW" sz="2400" dirty="0">
+                <a:latin typeface="Courier New" panose="02070309020205020404" pitchFamily="49" charset="0"/>
+                <a:cs typeface="Courier New" panose="02070309020205020404" pitchFamily="49" charset="0"/>
+              </a:rPr>
+              <a:t>    </a:t>
+            </a:r>
+            <a:r>
+              <a:rPr lang="en-US" altLang="zh-TW" sz="2400" b="1" dirty="0" err="1">
                 <a:solidFill>
                   <a:srgbClr val="FF0000"/>
                 </a:solidFill>
                 <a:latin typeface="Courier New" panose="02070309020205020404" pitchFamily="49" charset="0"/>
                 <a:cs typeface="Courier New" panose="02070309020205020404" pitchFamily="49" charset="0"/>
               </a:rPr>
-              <a:t> n</a:t>
-            </a:r>
-            <a:r>
-              <a:rPr lang="zh-TW" altLang="en-US" sz="2400" b="1" dirty="0" smtClean="0">
-                <a:solidFill>
-                  <a:srgbClr val="FF0000"/>
-                </a:solidFill>
-                <a:latin typeface="Courier New" panose="02070309020205020404" pitchFamily="49" charset="0"/>
-                <a:cs typeface="Courier New" panose="02070309020205020404" pitchFamily="49" charset="0"/>
-              </a:rPr>
-              <a:t>&gt; </a:t>
-            </a:r>
-            <a:r>
-              <a:rPr lang="en-US" altLang="zh-TW" sz="2400" b="1" dirty="0" smtClean="0">
-                <a:solidFill>
-                  <a:srgbClr val="FF0000"/>
-                </a:solidFill>
-                <a:latin typeface="Courier New" panose="02070309020205020404" pitchFamily="49" charset="0"/>
-                <a:cs typeface="Courier New" panose="02070309020205020404" pitchFamily="49" charset="0"/>
-              </a:rPr>
-              <a:t/>
-            </a:r>
-            <a:br>
-              <a:rPr lang="en-US" altLang="zh-TW" sz="2400" b="1" dirty="0" smtClean="0">
-                <a:solidFill>
-                  <a:srgbClr val="FF0000"/>
-                </a:solidFill>
-                <a:latin typeface="Courier New" panose="02070309020205020404" pitchFamily="49" charset="0"/>
-                <a:cs typeface="Courier New" panose="02070309020205020404" pitchFamily="49" charset="0"/>
-              </a:rPr>
-            </a:br>
-            <a:r>
-              <a:rPr lang="zh-TW" altLang="en-US" sz="2400" dirty="0" smtClean="0">
-                <a:latin typeface="Courier New" panose="02070309020205020404" pitchFamily="49" charset="0"/>
-                <a:cs typeface="Courier New" panose="02070309020205020404" pitchFamily="49" charset="0"/>
-              </a:rPr>
-              <a:t>class Array </a:t>
-            </a:r>
+              <a:t>CType</a:t>
+            </a:r>
+            <a:r>
+              <a:rPr lang="en-US" altLang="zh-TW" sz="2400" dirty="0">
+                <a:latin typeface="Courier New" panose="02070309020205020404" pitchFamily="49" charset="0"/>
+                <a:cs typeface="Courier New" panose="02070309020205020404" pitchFamily="49" charset="0"/>
+              </a:rPr>
+              <a:t> *data;	</a:t>
+            </a:r>
+          </a:p>
+          <a:p>
             <a:r>
               <a:rPr lang="zh-TW" altLang="en-US" sz="2400" dirty="0">
                 <a:latin typeface="Courier New" panose="02070309020205020404" pitchFamily="49" charset="0"/>
                 <a:cs typeface="Courier New" panose="02070309020205020404" pitchFamily="49" charset="0"/>
               </a:rPr>
-              <a:t>{ </a:t>
-            </a:r>
-          </a:p>
-          <a:p>
-            <a:r>
-              <a:rPr lang="en-US" altLang="zh-TW" sz="2400" dirty="0" smtClean="0">
-                <a:latin typeface="Courier New" panose="02070309020205020404" pitchFamily="49" charset="0"/>
-                <a:cs typeface="Courier New" panose="02070309020205020404" pitchFamily="49" charset="0"/>
-              </a:rPr>
-              <a:t>    </a:t>
-            </a:r>
-            <a:r>
-              <a:rPr lang="en-US" altLang="zh-TW" sz="2400" dirty="0" err="1" smtClean="0">
-                <a:latin typeface="Courier New" panose="02070309020205020404" pitchFamily="49" charset="0"/>
-                <a:cs typeface="Courier New" panose="02070309020205020404" pitchFamily="49" charset="0"/>
-              </a:rPr>
-              <a:t>int</a:t>
-            </a:r>
-            <a:r>
-              <a:rPr lang="en-US" altLang="zh-TW" sz="2400" dirty="0" smtClean="0">
-                <a:latin typeface="Courier New" panose="02070309020205020404" pitchFamily="49" charset="0"/>
-                <a:cs typeface="Courier New" panose="02070309020205020404" pitchFamily="49" charset="0"/>
-              </a:rPr>
-              <a:t> size; </a:t>
-            </a:r>
-            <a:br>
-              <a:rPr lang="en-US" altLang="zh-TW" sz="2400" dirty="0" smtClean="0">
-                <a:latin typeface="Courier New" panose="02070309020205020404" pitchFamily="49" charset="0"/>
-                <a:cs typeface="Courier New" panose="02070309020205020404" pitchFamily="49" charset="0"/>
-              </a:rPr>
-            </a:br>
-            <a:r>
-              <a:rPr lang="en-US" altLang="zh-TW" sz="2400" dirty="0" smtClean="0">
-                <a:latin typeface="Courier New" panose="02070309020205020404" pitchFamily="49" charset="0"/>
-                <a:cs typeface="Courier New" panose="02070309020205020404" pitchFamily="49" charset="0"/>
-              </a:rPr>
-              <a:t>    </a:t>
-            </a:r>
-            <a:r>
-              <a:rPr lang="en-US" altLang="zh-TW" sz="2400" b="1" dirty="0" err="1" smtClean="0">
-                <a:solidFill>
-                  <a:srgbClr val="FF0000"/>
-                </a:solidFill>
-                <a:latin typeface="Courier New" panose="02070309020205020404" pitchFamily="49" charset="0"/>
-                <a:cs typeface="Courier New" panose="02070309020205020404" pitchFamily="49" charset="0"/>
-              </a:rPr>
-              <a:t>CType</a:t>
-            </a:r>
-            <a:r>
-              <a:rPr lang="en-US" altLang="zh-TW" sz="2400" dirty="0" smtClean="0">
-                <a:latin typeface="Courier New" panose="02070309020205020404" pitchFamily="49" charset="0"/>
-                <a:cs typeface="Courier New" panose="02070309020205020404" pitchFamily="49" charset="0"/>
-              </a:rPr>
-              <a:t> *data;	</a:t>
-            </a:r>
-          </a:p>
-          <a:p>
-            <a:r>
-              <a:rPr lang="zh-TW" altLang="en-US" sz="2400" dirty="0" smtClean="0">
-                <a:latin typeface="Courier New" panose="02070309020205020404" pitchFamily="49" charset="0"/>
-                <a:cs typeface="Courier New" panose="02070309020205020404" pitchFamily="49" charset="0"/>
-              </a:rPr>
               <a:t>public:</a:t>
             </a:r>
-            <a:endParaRPr lang="en-US" altLang="zh-TW" sz="2400" dirty="0" smtClean="0">
+            <a:endParaRPr lang="en-US" altLang="zh-TW" sz="2400" dirty="0">
               <a:latin typeface="Courier New" panose="02070309020205020404" pitchFamily="49" charset="0"/>
               <a:cs typeface="Courier New" panose="02070309020205020404" pitchFamily="49" charset="0"/>
             </a:endParaRPr>
@@ -6356,19 +6149,12 @@
                 <a:latin typeface="Courier New" panose="02070309020205020404" pitchFamily="49" charset="0"/>
                 <a:cs typeface="Courier New" panose="02070309020205020404" pitchFamily="49" charset="0"/>
               </a:rPr>
-              <a:t> </a:t>
-            </a:r>
-            <a:r>
-              <a:rPr lang="en-US" altLang="zh-TW" sz="2400" dirty="0" smtClean="0">
-                <a:latin typeface="Courier New" panose="02070309020205020404" pitchFamily="49" charset="0"/>
-                <a:cs typeface="Courier New" panose="02070309020205020404" pitchFamily="49" charset="0"/>
-              </a:rPr>
-              <a:t>   ...</a:t>
-            </a:r>
-          </a:p>
-          <a:p>
-            <a:r>
-              <a:rPr lang="zh-TW" altLang="en-US" sz="2400" b="1" dirty="0" smtClean="0">
+              <a:t>    ...</a:t>
+            </a:r>
+          </a:p>
+          <a:p>
+            <a:r>
+              <a:rPr lang="zh-TW" altLang="en-US" sz="2400" b="1" dirty="0">
                 <a:solidFill>
                   <a:srgbClr val="FF0000"/>
                 </a:solidFill>
@@ -6378,32 +6164,25 @@
               <a:t>    CType</a:t>
             </a:r>
             <a:r>
-              <a:rPr lang="zh-TW" altLang="en-US" sz="2400" dirty="0" smtClean="0">
+              <a:rPr lang="zh-TW" altLang="en-US" sz="2400" dirty="0">
                 <a:latin typeface="Courier New" panose="02070309020205020404" pitchFamily="49" charset="0"/>
                 <a:cs typeface="Courier New" panose="02070309020205020404" pitchFamily="49" charset="0"/>
               </a:rPr>
               <a:t> get</a:t>
             </a:r>
             <a:r>
-              <a:rPr lang="en-US" altLang="zh-TW" sz="2400" dirty="0" err="1" smtClean="0">
+              <a:rPr lang="en-US" altLang="zh-TW" sz="2400" dirty="0" err="1">
                 <a:latin typeface="Courier New" panose="02070309020205020404" pitchFamily="49" charset="0"/>
                 <a:cs typeface="Courier New" panose="02070309020205020404" pitchFamily="49" charset="0"/>
               </a:rPr>
               <a:t>ElementAt</a:t>
             </a:r>
             <a:r>
-              <a:rPr lang="zh-TW" altLang="en-US" sz="2400" dirty="0" smtClean="0">
-                <a:latin typeface="Courier New" panose="02070309020205020404" pitchFamily="49" charset="0"/>
-                <a:cs typeface="Courier New" panose="02070309020205020404" pitchFamily="49" charset="0"/>
-              </a:rPr>
-              <a:t>(int</a:t>
-            </a:r>
-            <a:r>
               <a:rPr lang="zh-TW" altLang="en-US" sz="2400" dirty="0">
                 <a:latin typeface="Courier New" panose="02070309020205020404" pitchFamily="49" charset="0"/>
                 <a:cs typeface="Courier New" panose="02070309020205020404" pitchFamily="49" charset="0"/>
               </a:rPr>
-              <a:t>); </a:t>
+              <a:t>(int); </a:t>
             </a:r>
           </a:p>
           <a:p>
@@ -6412,31 +6191,24 @@
                 <a:latin typeface="Courier New" panose="02070309020205020404" pitchFamily="49" charset="0"/>
                 <a:cs typeface="Courier New" panose="02070309020205020404" pitchFamily="49" charset="0"/>
               </a:rPr>
-              <a:t>    void </a:t>
-            </a:r>
-            <a:r>
-              <a:rPr lang="zh-TW" altLang="en-US" sz="2400" dirty="0" smtClean="0">
-                <a:latin typeface="Courier New" panose="02070309020205020404" pitchFamily="49" charset="0"/>
-                <a:cs typeface="Courier New" panose="02070309020205020404" pitchFamily="49" charset="0"/>
-              </a:rPr>
-              <a:t>set</a:t>
-            </a:r>
-            <a:r>
-              <a:rPr lang="en-US" altLang="zh-TW" sz="2400" dirty="0" err="1" smtClean="0">
+              <a:t>    void set</a:t>
+            </a:r>
+            <a:r>
+              <a:rPr lang="en-US" altLang="zh-TW" sz="2400" dirty="0" err="1">
                 <a:latin typeface="Courier New" panose="02070309020205020404" pitchFamily="49" charset="0"/>
                 <a:cs typeface="Courier New" panose="02070309020205020404" pitchFamily="49" charset="0"/>
               </a:rPr>
               <a:t>ElementAt</a:t>
             </a:r>
             <a:r>
-              <a:rPr lang="zh-TW" altLang="en-US" sz="2400" dirty="0" smtClean="0">
+              <a:rPr lang="zh-TW" altLang="en-US" sz="2400" dirty="0">
                 <a:latin typeface="Courier New" panose="02070309020205020404" pitchFamily="49" charset="0"/>
                 <a:cs typeface="Courier New" panose="02070309020205020404" pitchFamily="49" charset="0"/>
               </a:rPr>
               <a:t>(</a:t>
             </a:r>
             <a:r>
-              <a:rPr lang="zh-TW" altLang="en-US" sz="2400" b="1" dirty="0" smtClean="0">
+              <a:rPr lang="zh-TW" altLang="en-US" sz="2400" b="1" dirty="0">
                 <a:solidFill>
                   <a:srgbClr val="FF0000"/>
                 </a:solidFill>
@@ -6446,7 +6218,7 @@
               <a:t>C</a:t>
             </a:r>
             <a:r>
-              <a:rPr lang="en-US" altLang="zh-TW" sz="2400" b="1" dirty="0" smtClean="0">
+              <a:rPr lang="en-US" altLang="zh-TW" sz="2400" b="1" dirty="0">
                 <a:solidFill>
                   <a:srgbClr val="FF0000"/>
                 </a:solidFill>
@@ -6456,7 +6228,7 @@
               <a:t>T</a:t>
             </a:r>
             <a:r>
-              <a:rPr lang="zh-TW" altLang="en-US" sz="2400" b="1" dirty="0" smtClean="0">
+              <a:rPr lang="zh-TW" altLang="en-US" sz="2400" b="1" dirty="0">
                 <a:solidFill>
                   <a:srgbClr val="FF0000"/>
                 </a:solidFill>
@@ -6466,7 +6238,7 @@
               <a:t>ype</a:t>
             </a:r>
             <a:r>
-              <a:rPr lang="en-US" altLang="zh-TW" sz="2400" b="1" dirty="0" smtClean="0">
+              <a:rPr lang="en-US" altLang="zh-TW" sz="2400" b="1" dirty="0">
                 <a:solidFill>
                   <a:srgbClr val="FF0000"/>
                 </a:solidFill>
@@ -6476,13 +6248,13 @@
               <a:t>, </a:t>
             </a:r>
             <a:r>
-              <a:rPr lang="zh-TW" altLang="en-US" sz="2400" dirty="0" smtClean="0">
+              <a:rPr lang="zh-TW" altLang="en-US" sz="2400" dirty="0">
                 <a:latin typeface="Courier New" panose="02070309020205020404" pitchFamily="49" charset="0"/>
                 <a:cs typeface="Courier New" panose="02070309020205020404" pitchFamily="49" charset="0"/>
               </a:rPr>
               <a:t>int);</a:t>
             </a:r>
-            <a:endParaRPr lang="en-US" altLang="zh-TW" sz="2400" dirty="0" smtClean="0">
+            <a:endParaRPr lang="en-US" altLang="zh-TW" sz="2400" dirty="0">
               <a:latin typeface="Courier New" panose="02070309020205020404" pitchFamily="49" charset="0"/>
               <a:cs typeface="Courier New" panose="02070309020205020404" pitchFamily="49" charset="0"/>
             </a:endParaRPr>
@@ -6512,13 +6284,6 @@
   <p:clrMapOvr>
     <a:masterClrMapping/>
   </p:clrMapOvr>
-  <p:timing>
-    <p:tnLst>
-      <p:par>
-        <p:cTn id="1" dur="indefinite" restart="never" nodeType="tmRoot"/>
-      </p:par>
-    </p:tnLst>
-  </p:timing>
 </p:sld>
 </file>
 
@@ -6555,7 +6320,7 @@
           <a:lstStyle/>
           <a:p>
             <a:r>
-              <a:rPr lang="en-US" altLang="zh-TW" dirty="0" smtClean="0"/>
+              <a:rPr lang="en-US" altLang="zh-TW" dirty="0"/>
               <a:t>sort</a:t>
             </a:r>
             <a:endParaRPr lang="zh-TW" altLang="en-US" dirty="0"/>
@@ -6591,13 +6356,6 @@
   <p:clrMapOvr>
     <a:masterClrMapping/>
   </p:clrMapOvr>
-  <p:timing>
-    <p:tnLst>
-      <p:par>
-        <p:cTn id="1" dur="indefinite" restart="never" nodeType="tmRoot"/>
-      </p:par>
-    </p:tnLst>
-  </p:timing>
 </p:sld>
 </file>
 
@@ -6636,18 +6394,18 @@
           <a:lstStyle/>
           <a:p>
             <a:r>
-              <a:rPr lang="en-US" altLang="zh-TW" dirty="0" smtClean="0"/>
+              <a:rPr lang="en-US" altLang="zh-TW" dirty="0"/>
               <a:t>Recall </a:t>
             </a:r>
             <a:r>
-              <a:rPr lang="en-US" altLang="zh-TW" dirty="0" err="1" smtClean="0">
+              <a:rPr lang="en-US" altLang="zh-TW" dirty="0" err="1">
                 <a:latin typeface="Courier New" panose="02070309020205020404" pitchFamily="49" charset="0"/>
                 <a:cs typeface="Courier New" panose="02070309020205020404" pitchFamily="49" charset="0"/>
               </a:rPr>
               <a:t>qsort</a:t>
             </a:r>
             <a:r>
-              <a:rPr lang="en-US" altLang="zh-TW" dirty="0" smtClean="0"/>
+              <a:rPr lang="en-US" altLang="zh-TW" dirty="0"/>
               <a:t> in </a:t>
             </a:r>
             <a:r>
@@ -6680,18 +6438,18 @@
           <a:lstStyle/>
           <a:p>
             <a:r>
-              <a:rPr lang="en-US" altLang="zh-TW" dirty="0" smtClean="0"/>
+              <a:rPr lang="en-US" altLang="zh-TW" dirty="0"/>
               <a:t>In C, there is a </a:t>
             </a:r>
             <a:r>
-              <a:rPr lang="en-US" altLang="zh-TW" dirty="0" err="1" smtClean="0">
+              <a:rPr lang="en-US" altLang="zh-TW" dirty="0" err="1">
                 <a:latin typeface="Courier New" panose="02070309020205020404" pitchFamily="49" charset="0"/>
                 <a:cs typeface="Courier New" panose="02070309020205020404" pitchFamily="49" charset="0"/>
               </a:rPr>
               <a:t>qsort</a:t>
             </a:r>
             <a:r>
-              <a:rPr lang="en-US" altLang="zh-TW" dirty="0" smtClean="0"/>
+              <a:rPr lang="en-US" altLang="zh-TW" dirty="0"/>
               <a:t> function.</a:t>
             </a:r>
           </a:p>
@@ -6699,12 +6457,12 @@
             <a:endParaRPr lang="en-US" altLang="zh-TW" dirty="0"/>
           </a:p>
           <a:p>
-            <a:endParaRPr lang="en-US" altLang="zh-TW" dirty="0" smtClean="0"/>
+            <a:endParaRPr lang="en-US" altLang="zh-TW" dirty="0"/>
           </a:p>
           <a:p>
             <a:pPr lvl="1"/>
             <a:r>
-              <a:rPr lang="en-US" altLang="zh-TW" dirty="0" smtClean="0"/>
+              <a:rPr lang="en-US" altLang="zh-TW" dirty="0"/>
               <a:t>array: the input array of elements to sort</a:t>
             </a:r>
           </a:p>
@@ -6712,52 +6470,37 @@
             <a:pPr lvl="1"/>
             <a:r>
               <a:rPr lang="en-US" altLang="zh-TW" dirty="0"/>
-              <a:t>c</a:t>
-            </a:r>
-            <a:r>
-              <a:rPr lang="en-US" altLang="zh-TW" dirty="0" smtClean="0"/>
-              <a:t>ount: the size of array</a:t>
-            </a:r>
+              <a:t>count: the count of </a:t>
+            </a:r>
+            <a:r>
+              <a:rPr lang="en-US" altLang="zh-TW"/>
+              <a:t>array elements</a:t>
+            </a:r>
+            <a:endParaRPr lang="en-US" altLang="zh-TW" dirty="0"/>
           </a:p>
           <a:p>
             <a:pPr lvl="1"/>
             <a:r>
               <a:rPr lang="en-US" altLang="zh-TW" dirty="0"/>
-              <a:t>s</a:t>
-            </a:r>
-            <a:r>
-              <a:rPr lang="en-US" altLang="zh-TW" dirty="0" smtClean="0"/>
-              <a:t>ize: the size </a:t>
-            </a:r>
+              <a:t>size: the size (in byte) of each element</a:t>
+            </a:r>
+          </a:p>
+          <a:p>
+            <a:pPr lvl="1"/>
             <a:r>
               <a:rPr lang="en-US" altLang="zh-TW" dirty="0"/>
-              <a:t>(in byte) </a:t>
-            </a:r>
-            <a:r>
-              <a:rPr lang="en-US" altLang="zh-TW" dirty="0" smtClean="0"/>
-              <a:t>of each element</a:t>
-            </a:r>
-          </a:p>
-          <a:p>
-            <a:pPr lvl="1"/>
+              <a:t>compare: </a:t>
+            </a:r>
+            <a:r>
+              <a:rPr lang="en-US" altLang="zh-TW" dirty="0">
+                <a:solidFill>
+                  <a:srgbClr val="FF0000"/>
+                </a:solidFill>
+              </a:rPr>
+              <a:t>function pointers </a:t>
+            </a:r>
             <a:r>
               <a:rPr lang="en-US" altLang="zh-TW" dirty="0"/>
-              <a:t>c</a:t>
-            </a:r>
-            <a:r>
-              <a:rPr lang="en-US" altLang="zh-TW" dirty="0" smtClean="0"/>
-              <a:t>ompare: </a:t>
-            </a:r>
-            <a:r>
-              <a:rPr lang="en-US" altLang="zh-TW" dirty="0" smtClean="0">
-                <a:solidFill>
-                  <a:srgbClr val="FF0000"/>
-                </a:solidFill>
-              </a:rPr>
-              <a:t>function pointers </a:t>
-            </a:r>
-            <a:r>
-              <a:rPr lang="en-US" altLang="zh-TW" dirty="0" smtClean="0"/>
               <a:t>of comparison</a:t>
             </a:r>
             <a:endParaRPr lang="zh-TW" altLang="en-US" dirty="0"/>
@@ -6806,7 +6549,7 @@
               <a:t> </a:t>
             </a:r>
             <a:r>
-              <a:rPr lang="en-US" altLang="zh-TW" sz="2800" b="1" dirty="0" err="1" smtClean="0">
+              <a:rPr lang="en-US" altLang="zh-TW" sz="2800" b="1" dirty="0" err="1">
                 <a:solidFill>
                   <a:srgbClr val="FF0000"/>
                 </a:solidFill>
@@ -6816,7 +6559,7 @@
               <a:t>qsort</a:t>
             </a:r>
             <a:r>
-              <a:rPr lang="en-US" altLang="zh-TW" sz="2800" dirty="0" smtClean="0">
+              <a:rPr lang="en-US" altLang="zh-TW" sz="2800" dirty="0">
                 <a:solidFill>
                   <a:srgbClr val="FF0000"/>
                 </a:solidFill>
@@ -6826,14 +6569,24 @@
               <a:t>(</a:t>
             </a:r>
             <a:r>
-              <a:rPr lang="en-US" altLang="zh-TW" sz="2800" i="1" dirty="0" smtClean="0">
+              <a:rPr lang="en-US" altLang="zh-TW" sz="2800" i="1" dirty="0">
                 <a:solidFill>
                   <a:srgbClr val="FF0000"/>
                 </a:solidFill>
                 <a:latin typeface="Courier New" panose="02070309020205020404" pitchFamily="49" charset="0"/>
                 <a:cs typeface="Courier New" panose="02070309020205020404" pitchFamily="49" charset="0"/>
               </a:rPr>
-              <a:t>void </a:t>
+              <a:t>void *array, </a:t>
+            </a:r>
+            <a:r>
+              <a:rPr lang="en-US" altLang="zh-TW" sz="2800" i="1" dirty="0" err="1">
+                <a:solidFill>
+                  <a:srgbClr val="FF0000"/>
+                </a:solidFill>
+                <a:latin typeface="Courier New" panose="02070309020205020404" pitchFamily="49" charset="0"/>
+                <a:cs typeface="Courier New" panose="02070309020205020404" pitchFamily="49" charset="0"/>
+              </a:rPr>
+              <a:t>size_t</a:t>
             </a:r>
             <a:r>
               <a:rPr lang="en-US" altLang="zh-TW" sz="2800" i="1" dirty="0">
@@ -6843,59 +6596,22 @@
                 <a:latin typeface="Courier New" panose="02070309020205020404" pitchFamily="49" charset="0"/>
                 <a:cs typeface="Courier New" panose="02070309020205020404" pitchFamily="49" charset="0"/>
               </a:rPr>
-              <a:t>*array, </a:t>
+              <a:t> count, </a:t>
+            </a:r>
+          </a:p>
+          <a:p>
+            <a:r>
+              <a:rPr lang="en-US" altLang="zh-TW" sz="2800" i="1" dirty="0">
+                <a:solidFill>
+                  <a:srgbClr val="FF0000"/>
+                </a:solidFill>
+                <a:latin typeface="Courier New" panose="02070309020205020404" pitchFamily="49" charset="0"/>
+                <a:cs typeface="Courier New" panose="02070309020205020404" pitchFamily="49" charset="0"/>
+              </a:rPr>
+              <a:t>  </a:t>
             </a:r>
             <a:r>
               <a:rPr lang="en-US" altLang="zh-TW" sz="2800" i="1" dirty="0" err="1">
-                <a:solidFill>
-                  <a:srgbClr val="FF0000"/>
-                </a:solidFill>
-                <a:latin typeface="Courier New" panose="02070309020205020404" pitchFamily="49" charset="0"/>
-                <a:cs typeface="Courier New" panose="02070309020205020404" pitchFamily="49" charset="0"/>
-              </a:rPr>
-              <a:t>size_t</a:t>
-            </a:r>
-            <a:r>
-              <a:rPr lang="en-US" altLang="zh-TW" sz="2800" i="1" dirty="0">
-                <a:solidFill>
-                  <a:srgbClr val="FF0000"/>
-                </a:solidFill>
-                <a:latin typeface="Courier New" panose="02070309020205020404" pitchFamily="49" charset="0"/>
-                <a:cs typeface="Courier New" panose="02070309020205020404" pitchFamily="49" charset="0"/>
-              </a:rPr>
-              <a:t> count, </a:t>
-            </a:r>
-            <a:endParaRPr lang="en-US" altLang="zh-TW" sz="2800" i="1" dirty="0" smtClean="0">
-              <a:solidFill>
-                <a:srgbClr val="FF0000"/>
-              </a:solidFill>
-              <a:latin typeface="Courier New" panose="02070309020205020404" pitchFamily="49" charset="0"/>
-              <a:cs typeface="Courier New" panose="02070309020205020404" pitchFamily="49" charset="0"/>
-            </a:endParaRPr>
-          </a:p>
-          <a:p>
-            <a:r>
-              <a:rPr lang="en-US" altLang="zh-TW" sz="2800" i="1" dirty="0">
-                <a:solidFill>
-                  <a:srgbClr val="FF0000"/>
-                </a:solidFill>
-                <a:latin typeface="Courier New" panose="02070309020205020404" pitchFamily="49" charset="0"/>
-                <a:cs typeface="Courier New" panose="02070309020205020404" pitchFamily="49" charset="0"/>
-              </a:rPr>
-              <a:t> </a:t>
-            </a:r>
-            <a:r>
-              <a:rPr lang="en-US" altLang="zh-TW" sz="2800" i="1" dirty="0" smtClean="0">
-                <a:solidFill>
-                  <a:srgbClr val="FF0000"/>
-                </a:solidFill>
-                <a:latin typeface="Courier New" panose="02070309020205020404" pitchFamily="49" charset="0"/>
-                <a:cs typeface="Courier New" panose="02070309020205020404" pitchFamily="49" charset="0"/>
-              </a:rPr>
-              <a:t> </a:t>
-            </a:r>
-            <a:r>
-              <a:rPr lang="en-US" altLang="zh-TW" sz="2800" i="1" dirty="0" err="1" smtClean="0">
                 <a:solidFill>
                   <a:srgbClr val="FF0000"/>
                 </a:solidFill>
@@ -6964,13 +6680,6 @@
   <p:clrMapOvr>
     <a:masterClrMapping/>
   </p:clrMapOvr>
-  <p:timing>
-    <p:tnLst>
-      <p:par>
-        <p:cTn id="1" dur="indefinite" restart="never" nodeType="tmRoot"/>
-      </p:par>
-    </p:tnLst>
-  </p:timing>
 </p:sld>
 </file>
 
@@ -7007,7 +6716,7 @@
           <a:lstStyle/>
           <a:p>
             <a:r>
-              <a:rPr lang="en-US" altLang="zh-TW" dirty="0" smtClean="0"/>
+              <a:rPr lang="en-US" altLang="zh-TW" dirty="0"/>
               <a:t>How to use it? (1/2)</a:t>
             </a:r>
             <a:endParaRPr lang="zh-TW" altLang="en-US" dirty="0"/>
@@ -7034,14 +6743,14 @@
               <a:buAutoNum type="arabicPeriod"/>
             </a:pPr>
             <a:r>
-              <a:rPr lang="en-US" altLang="zh-TW" dirty="0" smtClean="0"/>
+              <a:rPr lang="en-US" altLang="zh-TW" dirty="0"/>
               <a:t>Implement a compare function</a:t>
             </a:r>
           </a:p>
           <a:p>
             <a:pPr marL="914400" lvl="1" indent="-514350"/>
             <a:r>
-              <a:rPr lang="en-US" altLang="zh-TW" dirty="0" smtClean="0"/>
+              <a:rPr lang="en-US" altLang="zh-TW" dirty="0"/>
               <a:t>It return a positive number if a&gt;b, zero if a==b, and a negative number if a&lt;b.</a:t>
             </a:r>
             <a:endParaRPr lang="zh-TW" altLang="en-US" dirty="0"/>
@@ -7233,7 +6942,7 @@
               <a:tabLst/>
             </a:pPr>
             <a:r>
-              <a:rPr kumimoji="0" lang="zh-TW" altLang="zh-TW" sz="2400" b="0" i="0" u="none" strike="noStrike" cap="none" normalizeH="0" baseline="0" dirty="0" smtClean="0">
+              <a:rPr kumimoji="0" lang="zh-TW" altLang="zh-TW" sz="2400" b="0" i="0" u="none" strike="noStrike" cap="none" normalizeH="0" baseline="0" dirty="0">
                 <a:ln>
                   <a:noFill/>
                 </a:ln>
@@ -7247,7 +6956,7 @@
               </a:rPr>
               <a:t>int compare_int (const void *a, const void *b){</a:t>
             </a:r>
-            <a:endParaRPr kumimoji="0" lang="zh-TW" altLang="zh-TW" b="0" i="0" u="none" strike="noStrike" cap="none" normalizeH="0" baseline="0" dirty="0" smtClean="0">
+            <a:endParaRPr kumimoji="0" lang="zh-TW" altLang="zh-TW" b="0" i="0" u="none" strike="noStrike" cap="none" normalizeH="0" baseline="0" dirty="0">
               <a:ln>
                 <a:noFill/>
               </a:ln>
@@ -7277,7 +6986,7 @@
               <a:tabLst/>
             </a:pPr>
             <a:r>
-              <a:rPr kumimoji="0" lang="zh-TW" altLang="zh-TW" sz="2400" b="0" i="0" u="none" strike="noStrike" cap="none" normalizeH="0" baseline="0" dirty="0" smtClean="0">
+              <a:rPr kumimoji="0" lang="zh-TW" altLang="zh-TW" sz="2400" b="0" i="0" u="none" strike="noStrike" cap="none" normalizeH="0" baseline="0" dirty="0">
                 <a:ln>
                   <a:noFill/>
                 </a:ln>
@@ -7291,7 +7000,7 @@
               </a:rPr>
               <a:t>    const int *va = (const int *) a;</a:t>
             </a:r>
-            <a:endParaRPr kumimoji="0" lang="zh-TW" altLang="zh-TW" b="0" i="0" u="none" strike="noStrike" cap="none" normalizeH="0" baseline="0" dirty="0" smtClean="0">
+            <a:endParaRPr kumimoji="0" lang="zh-TW" altLang="zh-TW" b="0" i="0" u="none" strike="noStrike" cap="none" normalizeH="0" baseline="0" dirty="0">
               <a:ln>
                 <a:noFill/>
               </a:ln>
@@ -7321,7 +7030,7 @@
               <a:tabLst/>
             </a:pPr>
             <a:r>
-              <a:rPr kumimoji="0" lang="zh-TW" altLang="zh-TW" sz="2400" b="0" i="0" u="none" strike="noStrike" cap="none" normalizeH="0" baseline="0" dirty="0" smtClean="0">
+              <a:rPr kumimoji="0" lang="zh-TW" altLang="zh-TW" sz="2400" b="0" i="0" u="none" strike="noStrike" cap="none" normalizeH="0" baseline="0" dirty="0">
                 <a:ln>
                   <a:noFill/>
                 </a:ln>
@@ -7335,7 +7044,7 @@
               </a:rPr>
               <a:t>    const int *vb = (const int *) b;</a:t>
             </a:r>
-            <a:endParaRPr kumimoji="0" lang="zh-TW" altLang="zh-TW" b="0" i="0" u="none" strike="noStrike" cap="none" normalizeH="0" baseline="0" dirty="0" smtClean="0">
+            <a:endParaRPr kumimoji="0" lang="zh-TW" altLang="zh-TW" b="0" i="0" u="none" strike="noStrike" cap="none" normalizeH="0" baseline="0" dirty="0">
               <a:ln>
                 <a:noFill/>
               </a:ln>
@@ -7365,7 +7074,7 @@
               <a:tabLst/>
             </a:pPr>
             <a:r>
-              <a:rPr kumimoji="0" lang="zh-TW" altLang="zh-TW" sz="2400" b="0" i="0" u="none" strike="noStrike" cap="none" normalizeH="0" baseline="0" dirty="0" smtClean="0">
+              <a:rPr kumimoji="0" lang="zh-TW" altLang="zh-TW" sz="2400" b="0" i="0" u="none" strike="noStrike" cap="none" normalizeH="0" baseline="0" dirty="0">
                 <a:ln>
                   <a:noFill/>
                 </a:ln>
@@ -7379,7 +7088,7 @@
               </a:rPr>
               <a:t>    return *va-*vb;</a:t>
             </a:r>
-            <a:endParaRPr kumimoji="0" lang="zh-TW" altLang="zh-TW" b="0" i="0" u="none" strike="noStrike" cap="none" normalizeH="0" baseline="0" dirty="0" smtClean="0">
+            <a:endParaRPr kumimoji="0" lang="zh-TW" altLang="zh-TW" b="0" i="0" u="none" strike="noStrike" cap="none" normalizeH="0" baseline="0" dirty="0">
               <a:ln>
                 <a:noFill/>
               </a:ln>
@@ -7409,7 +7118,7 @@
               <a:tabLst/>
             </a:pPr>
             <a:r>
-              <a:rPr kumimoji="0" lang="zh-TW" altLang="zh-TW" sz="2400" b="0" i="0" u="none" strike="noStrike" cap="none" normalizeH="0" baseline="0" dirty="0" smtClean="0">
+              <a:rPr kumimoji="0" lang="zh-TW" altLang="zh-TW" sz="2400" b="0" i="0" u="none" strike="noStrike" cap="none" normalizeH="0" baseline="0" dirty="0">
                 <a:ln>
                   <a:noFill/>
                 </a:ln>
@@ -7423,7 +7132,7 @@
               </a:rPr>
               <a:t>}</a:t>
             </a:r>
-            <a:endParaRPr kumimoji="0" lang="zh-TW" altLang="zh-TW" sz="4800" b="0" i="0" u="none" strike="noStrike" cap="none" normalizeH="0" baseline="0" dirty="0" smtClean="0">
+            <a:endParaRPr kumimoji="0" lang="zh-TW" altLang="zh-TW" sz="4800" b="0" i="0" u="none" strike="noStrike" cap="none" normalizeH="0" baseline="0" dirty="0">
               <a:ln>
                 <a:noFill/>
               </a:ln>
@@ -7622,7 +7331,7 @@
               <a:tabLst/>
             </a:pPr>
             <a:r>
-              <a:rPr kumimoji="0" lang="zh-TW" altLang="zh-TW" sz="2400" b="0" i="0" u="none" strike="noStrike" cap="none" normalizeH="0" baseline="0" dirty="0" smtClean="0">
+              <a:rPr kumimoji="0" lang="zh-TW" altLang="zh-TW" sz="2400" b="0" i="0" u="none" strike="noStrike" cap="none" normalizeH="0" baseline="0" dirty="0">
                 <a:ln>
                   <a:noFill/>
                 </a:ln>
@@ -7636,7 +7345,7 @@
               </a:rPr>
               <a:t>int compare_double(const void *a, const void *b){</a:t>
             </a:r>
-            <a:endParaRPr kumimoji="0" lang="zh-TW" altLang="zh-TW" b="0" i="0" u="none" strike="noStrike" cap="none" normalizeH="0" baseline="0" dirty="0" smtClean="0">
+            <a:endParaRPr kumimoji="0" lang="zh-TW" altLang="zh-TW" b="0" i="0" u="none" strike="noStrike" cap="none" normalizeH="0" baseline="0" dirty="0">
               <a:ln>
                 <a:noFill/>
               </a:ln>
@@ -7666,7 +7375,7 @@
               <a:tabLst/>
             </a:pPr>
             <a:r>
-              <a:rPr kumimoji="0" lang="zh-TW" altLang="zh-TW" sz="2400" b="0" i="0" u="none" strike="noStrike" cap="none" normalizeH="0" baseline="0" dirty="0" smtClean="0">
+              <a:rPr kumimoji="0" lang="zh-TW" altLang="zh-TW" sz="2400" b="0" i="0" u="none" strike="noStrike" cap="none" normalizeH="0" baseline="0" dirty="0">
                 <a:ln>
                   <a:noFill/>
                 </a:ln>
@@ -7680,7 +7389,7 @@
               </a:rPr>
               <a:t>    const double *da = (const double *) a;</a:t>
             </a:r>
-            <a:endParaRPr kumimoji="0" lang="zh-TW" altLang="zh-TW" b="0" i="0" u="none" strike="noStrike" cap="none" normalizeH="0" baseline="0" dirty="0" smtClean="0">
+            <a:endParaRPr kumimoji="0" lang="zh-TW" altLang="zh-TW" b="0" i="0" u="none" strike="noStrike" cap="none" normalizeH="0" baseline="0" dirty="0">
               <a:ln>
                 <a:noFill/>
               </a:ln>
@@ -7710,7 +7419,7 @@
               <a:tabLst/>
             </a:pPr>
             <a:r>
-              <a:rPr kumimoji="0" lang="zh-TW" altLang="zh-TW" sz="2400" b="0" i="0" u="none" strike="noStrike" cap="none" normalizeH="0" baseline="0" dirty="0" smtClean="0">
+              <a:rPr kumimoji="0" lang="zh-TW" altLang="zh-TW" sz="2400" b="0" i="0" u="none" strike="noStrike" cap="none" normalizeH="0" baseline="0" dirty="0">
                 <a:ln>
                   <a:noFill/>
                 </a:ln>
@@ -7724,7 +7433,7 @@
               </a:rPr>
               <a:t>    const double *db = (const double *) b;</a:t>
             </a:r>
-            <a:endParaRPr kumimoji="0" lang="zh-TW" altLang="zh-TW" b="0" i="0" u="none" strike="noStrike" cap="none" normalizeH="0" baseline="0" dirty="0" smtClean="0">
+            <a:endParaRPr kumimoji="0" lang="zh-TW" altLang="zh-TW" b="0" i="0" u="none" strike="noStrike" cap="none" normalizeH="0" baseline="0" dirty="0">
               <a:ln>
                 <a:noFill/>
               </a:ln>
@@ -7754,7 +7463,7 @@
               <a:tabLst/>
             </a:pPr>
             <a:r>
-              <a:rPr kumimoji="0" lang="zh-TW" altLang="zh-TW" sz="2400" b="0" i="0" u="none" strike="noStrike" cap="none" normalizeH="0" baseline="0" dirty="0" smtClean="0">
+              <a:rPr kumimoji="0" lang="zh-TW" altLang="zh-TW" sz="2400" b="0" i="0" u="none" strike="noStrike" cap="none" normalizeH="0" baseline="0" dirty="0">
                 <a:ln>
                   <a:noFill/>
                 </a:ln>
@@ -7768,7 +7477,7 @@
               </a:rPr>
               <a:t>    return (*da &gt; *db) - (*da &lt; *db);</a:t>
             </a:r>
-            <a:endParaRPr kumimoji="0" lang="zh-TW" altLang="zh-TW" b="0" i="0" u="none" strike="noStrike" cap="none" normalizeH="0" baseline="0" dirty="0" smtClean="0">
+            <a:endParaRPr kumimoji="0" lang="zh-TW" altLang="zh-TW" b="0" i="0" u="none" strike="noStrike" cap="none" normalizeH="0" baseline="0" dirty="0">
               <a:ln>
                 <a:noFill/>
               </a:ln>
@@ -7798,7 +7507,7 @@
               <a:tabLst/>
             </a:pPr>
             <a:r>
-              <a:rPr kumimoji="0" lang="zh-TW" altLang="zh-TW" sz="2400" b="0" i="0" u="none" strike="noStrike" cap="none" normalizeH="0" baseline="0" dirty="0" smtClean="0">
+              <a:rPr kumimoji="0" lang="zh-TW" altLang="zh-TW" sz="2400" b="0" i="0" u="none" strike="noStrike" cap="none" normalizeH="0" baseline="0" dirty="0">
                 <a:ln>
                   <a:noFill/>
                 </a:ln>
@@ -7812,7 +7521,7 @@
               </a:rPr>
               <a:t>}</a:t>
             </a:r>
-            <a:endParaRPr kumimoji="0" lang="zh-TW" altLang="zh-TW" b="0" i="0" u="none" strike="noStrike" cap="none" normalizeH="0" baseline="0" dirty="0" smtClean="0">
+            <a:endParaRPr kumimoji="0" lang="zh-TW" altLang="zh-TW" b="0" i="0" u="none" strike="noStrike" cap="none" normalizeH="0" baseline="0" dirty="0">
               <a:ln>
                 <a:noFill/>
               </a:ln>
@@ -7836,13 +7545,6 @@
   <p:clrMapOvr>
     <a:masterClrMapping/>
   </p:clrMapOvr>
-  <p:timing>
-    <p:tnLst>
-      <p:par>
-        <p:cTn id="1" dur="indefinite" restart="never" nodeType="tmRoot"/>
-      </p:par>
-    </p:tnLst>
-  </p:timing>
 </p:sld>
 </file>
 
@@ -7879,7 +7581,7 @@
           <a:lstStyle/>
           <a:p>
             <a:r>
-              <a:rPr lang="en-US" altLang="zh-TW" dirty="0" smtClean="0"/>
+              <a:rPr lang="en-US" altLang="zh-TW" dirty="0"/>
               <a:t>How to use it? (2/2)</a:t>
             </a:r>
             <a:endParaRPr lang="zh-TW" altLang="en-US" dirty="0"/>
@@ -7906,15 +7608,15 @@
               <a:buAutoNum type="arabicPeriod" startAt="2"/>
             </a:pPr>
             <a:r>
-              <a:rPr lang="en-US" altLang="zh-TW" dirty="0" smtClean="0"/>
+              <a:rPr lang="en-US" altLang="zh-TW" dirty="0"/>
               <a:t>Call the </a:t>
             </a:r>
             <a:r>
-              <a:rPr lang="en-US" altLang="zh-TW" dirty="0" err="1" smtClean="0"/>
+              <a:rPr lang="en-US" altLang="zh-TW" dirty="0" err="1"/>
               <a:t>qsort</a:t>
             </a:r>
             <a:r>
-              <a:rPr lang="en-US" altLang="zh-TW" dirty="0" smtClean="0"/>
+              <a:rPr lang="en-US" altLang="zh-TW" dirty="0"/>
               <a:t>, and pass the name of compare function as an argument</a:t>
             </a:r>
           </a:p>
@@ -8075,39 +7777,21 @@
                 </a:solidFill>
                 <a:latin typeface="Courier New" panose="02070309020205020404" pitchFamily="49" charset="0"/>
               </a:rPr>
-              <a:t>(double</a:t>
-            </a:r>
-            <a:r>
-              <a:rPr lang="en-US" altLang="zh-TW" sz="2400" dirty="0" smtClean="0">
+              <a:t>(double),</a:t>
+            </a:r>
+          </a:p>
+          <a:p>
+            <a:r>
+              <a:rPr lang="en-US" altLang="zh-TW" sz="2400" dirty="0">
                 <a:solidFill>
                   <a:srgbClr val="009933"/>
                 </a:solidFill>
                 <a:latin typeface="Courier New" panose="02070309020205020404" pitchFamily="49" charset="0"/>
               </a:rPr>
-              <a:t>),</a:t>
-            </a:r>
-          </a:p>
-          <a:p>
-            <a:r>
-              <a:rPr lang="en-US" altLang="zh-TW" sz="2400" dirty="0">
-                <a:solidFill>
-                  <a:srgbClr val="009933"/>
-                </a:solidFill>
-                <a:latin typeface="Courier New" panose="02070309020205020404" pitchFamily="49" charset="0"/>
-              </a:rPr>
-              <a:t> </a:t>
-            </a:r>
-            <a:r>
-              <a:rPr lang="en-US" altLang="zh-TW" sz="2400" dirty="0" smtClean="0">
-                <a:solidFill>
-                  <a:srgbClr val="009933"/>
-                </a:solidFill>
-                <a:latin typeface="Courier New" panose="02070309020205020404" pitchFamily="49" charset="0"/>
-              </a:rPr>
-              <a:t>     </a:t>
-            </a:r>
-            <a:r>
-              <a:rPr lang="en-US" altLang="zh-TW" sz="2400" dirty="0" err="1" smtClean="0">
+              <a:t>      </a:t>
+            </a:r>
+            <a:r>
+              <a:rPr lang="en-US" altLang="zh-TW" sz="2400" dirty="0" err="1">
                 <a:solidFill>
                   <a:srgbClr val="FF0000"/>
                 </a:solidFill>
@@ -8138,13 +7822,6 @@
   <p:clrMapOvr>
     <a:masterClrMapping/>
   </p:clrMapOvr>
-  <p:timing>
-    <p:tnLst>
-      <p:par>
-        <p:cTn id="1" dur="indefinite" restart="never" nodeType="tmRoot"/>
-      </p:par>
-    </p:tnLst>
-  </p:timing>
 </p:sld>
 </file>
 
@@ -8183,30 +7860,30 @@
           <a:lstStyle/>
           <a:p>
             <a:r>
-              <a:rPr lang="en-US" altLang="zh-TW" dirty="0" smtClean="0"/>
+              <a:rPr lang="en-US" altLang="zh-TW" dirty="0"/>
               <a:t>In </a:t>
             </a:r>
             <a:r>
-              <a:rPr lang="en-US" altLang="zh-TW" smtClean="0"/>
+              <a:rPr lang="en-US" altLang="zh-TW"/>
               <a:t>C++, the </a:t>
             </a:r>
             <a:r>
-              <a:rPr lang="en-US" altLang="zh-TW" dirty="0" err="1" smtClean="0"/>
+              <a:rPr lang="en-US" altLang="zh-TW" dirty="0" err="1"/>
               <a:t>std</a:t>
             </a:r>
             <a:r>
-              <a:rPr lang="en-US" altLang="zh-TW" dirty="0" smtClean="0"/>
+              <a:rPr lang="en-US" altLang="zh-TW" dirty="0"/>
               <a:t> library has defined two sorting algorithms using template</a:t>
             </a:r>
           </a:p>
           <a:p>
             <a:pPr lvl="1"/>
             <a:r>
-              <a:rPr lang="en-US" altLang="zh-TW" dirty="0" smtClean="0"/>
+              <a:rPr lang="en-US" altLang="zh-TW" dirty="0"/>
               <a:t>Must </a:t>
             </a:r>
             <a:r>
-              <a:rPr lang="en-US" altLang="zh-TW" dirty="0" smtClean="0">
+              <a:rPr lang="en-US" altLang="zh-TW" dirty="0">
                 <a:solidFill>
                   <a:srgbClr val="FF0000"/>
                 </a:solidFill>
@@ -8218,35 +7895,35 @@
           </a:p>
           <a:p>
             <a:r>
-              <a:rPr lang="en-US" altLang="zh-TW" dirty="0" smtClean="0"/>
+              <a:rPr lang="en-US" altLang="zh-TW" dirty="0"/>
               <a:t>One of them is</a:t>
             </a:r>
           </a:p>
           <a:p>
-            <a:endParaRPr lang="en-US" altLang="zh-TW" dirty="0" smtClean="0"/>
-          </a:p>
-          <a:p>
             <a:endParaRPr lang="en-US" altLang="zh-TW" dirty="0"/>
           </a:p>
           <a:p>
+            <a:endParaRPr lang="en-US" altLang="zh-TW" dirty="0"/>
+          </a:p>
+          <a:p>
             <a:pPr lvl="1"/>
             <a:r>
-              <a:rPr lang="en-US" altLang="zh-TW" dirty="0" smtClean="0"/>
+              <a:rPr lang="en-US" altLang="zh-TW" dirty="0"/>
               <a:t>How about the comparison function?</a:t>
             </a:r>
           </a:p>
           <a:p>
             <a:pPr lvl="1"/>
             <a:r>
-              <a:rPr lang="en-US" altLang="zh-TW" dirty="0" smtClean="0"/>
+              <a:rPr lang="en-US" altLang="zh-TW" dirty="0"/>
               <a:t>It uses operator &lt; inside the code.  So if </a:t>
             </a:r>
             <a:r>
-              <a:rPr lang="en-US" altLang="zh-TW" dirty="0" err="1" smtClean="0"/>
+              <a:rPr lang="en-US" altLang="zh-TW" dirty="0" err="1"/>
               <a:t>RandomIt</a:t>
             </a:r>
             <a:r>
-              <a:rPr lang="en-US" altLang="zh-TW" dirty="0" smtClean="0"/>
+              <a:rPr lang="en-US" altLang="zh-TW" dirty="0"/>
               <a:t> is an object, it must overload operator&lt;.</a:t>
             </a:r>
           </a:p>
@@ -8269,14 +7946,10 @@
           <a:p>
             <a:r>
               <a:rPr lang="en-US" altLang="zh-TW" dirty="0" err="1"/>
-              <a:t>s</a:t>
-            </a:r>
-            <a:r>
-              <a:rPr lang="en-US" altLang="zh-TW" dirty="0" err="1" smtClean="0"/>
-              <a:t>td</a:t>
-            </a:r>
-            <a:r>
-              <a:rPr lang="en-US" altLang="zh-TW" dirty="0" smtClean="0"/>
+              <a:t>std</a:t>
+            </a:r>
+            <a:r>
+              <a:rPr lang="en-US" altLang="zh-TW" dirty="0"/>
               <a:t>::sort</a:t>
             </a:r>
             <a:endParaRPr lang="zh-TW" altLang="en-US" dirty="0"/>
@@ -8312,19 +7985,9 @@
                 <a:latin typeface="Courier New" panose="02070309020205020404" pitchFamily="49" charset="0"/>
                 <a:cs typeface="Courier New" panose="02070309020205020404" pitchFamily="49" charset="0"/>
               </a:rPr>
-              <a:t>template&lt; class RandomIt </a:t>
-            </a:r>
-            <a:r>
-              <a:rPr lang="zh-TW" altLang="en-US" sz="2400" dirty="0" smtClean="0">
-                <a:solidFill>
-                  <a:srgbClr val="FF0000"/>
-                </a:solidFill>
-                <a:latin typeface="Courier New" panose="02070309020205020404" pitchFamily="49" charset="0"/>
-                <a:cs typeface="Courier New" panose="02070309020205020404" pitchFamily="49" charset="0"/>
-              </a:rPr>
-              <a:t>&gt; </a:t>
-            </a:r>
-            <a:endParaRPr lang="en-US" altLang="zh-TW" sz="2400" dirty="0" smtClean="0">
+              <a:t>template&lt; class RandomIt &gt; </a:t>
+            </a:r>
+            <a:endParaRPr lang="en-US" altLang="zh-TW" sz="2400" dirty="0">
               <a:solidFill>
                 <a:srgbClr val="FF0000"/>
               </a:solidFill>
@@ -8334,30 +7997,12 @@
           </a:p>
           <a:p>
             <a:r>
-              <a:rPr lang="zh-TW" altLang="en-US" sz="2400" dirty="0" smtClean="0">
-                <a:latin typeface="Courier New" panose="02070309020205020404" pitchFamily="49" charset="0"/>
-                <a:cs typeface="Courier New" panose="02070309020205020404" pitchFamily="49" charset="0"/>
-              </a:rPr>
-              <a:t>void </a:t>
-            </a:r>
-            <a:r>
               <a:rPr lang="zh-TW" altLang="en-US" sz="2400" dirty="0">
                 <a:latin typeface="Courier New" panose="02070309020205020404" pitchFamily="49" charset="0"/>
                 <a:cs typeface="Courier New" panose="02070309020205020404" pitchFamily="49" charset="0"/>
               </a:rPr>
-              <a:t>sort( RandomIt first, RandomIt last )</a:t>
-            </a:r>
-            <a:r>
-              <a:rPr lang="zh-TW" altLang="en-US" sz="2400" dirty="0" smtClean="0">
-                <a:latin typeface="Courier New" panose="02070309020205020404" pitchFamily="49" charset="0"/>
-                <a:cs typeface="Courier New" panose="02070309020205020404" pitchFamily="49" charset="0"/>
-              </a:rPr>
-              <a:t>;</a:t>
-            </a:r>
-            <a:endParaRPr lang="zh-TW" altLang="en-US" sz="2400" dirty="0">
-              <a:latin typeface="Courier New" panose="02070309020205020404" pitchFamily="49" charset="0"/>
-              <a:cs typeface="Courier New" panose="02070309020205020404" pitchFamily="49" charset="0"/>
-            </a:endParaRPr>
+              <a:t>void sort( RandomIt first, RandomIt last );</a:t>
+            </a:r>
           </a:p>
         </p:txBody>
       </p:sp>
@@ -8371,13 +8016,6 @@
   <p:clrMapOvr>
     <a:masterClrMapping/>
   </p:clrMapOvr>
-  <p:timing>
-    <p:tnLst>
-      <p:par>
-        <p:cTn id="1" dur="indefinite" restart="never" nodeType="tmRoot"/>
-      </p:par>
-    </p:tnLst>
-  </p:timing>
 </p:sld>
 </file>
 
@@ -8414,15 +8052,15 @@
           <a:lstStyle/>
           <a:p>
             <a:r>
-              <a:rPr lang="en-US" altLang="zh-TW" dirty="0" smtClean="0"/>
+              <a:rPr lang="en-US" altLang="zh-TW" dirty="0"/>
               <a:t>Example: </a:t>
             </a:r>
             <a:r>
-              <a:rPr lang="en-US" altLang="zh-TW" dirty="0" err="1" smtClean="0"/>
+              <a:rPr lang="en-US" altLang="zh-TW" dirty="0" err="1"/>
               <a:t>std</a:t>
             </a:r>
             <a:r>
-              <a:rPr lang="en-US" altLang="zh-TW" dirty="0" smtClean="0"/>
+              <a:rPr lang="en-US" altLang="zh-TW" dirty="0"/>
               <a:t>::sort</a:t>
             </a:r>
             <a:endParaRPr lang="zh-TW" altLang="en-US" dirty="0"/>
@@ -8455,92 +8093,53 @@
                 <a:latin typeface="Courier New" panose="02070309020205020404" pitchFamily="49" charset="0"/>
                 <a:cs typeface="Courier New" panose="02070309020205020404" pitchFamily="49" charset="0"/>
               </a:rPr>
-              <a:t>int main(</a:t>
-            </a:r>
-            <a:r>
-              <a:rPr lang="zh-TW" altLang="en-US" sz="2800" dirty="0" smtClean="0">
-                <a:latin typeface="Courier New" panose="02070309020205020404" pitchFamily="49" charset="0"/>
-                <a:cs typeface="Courier New" panose="02070309020205020404" pitchFamily="49" charset="0"/>
-              </a:rPr>
-              <a:t>){</a:t>
-            </a:r>
-            <a:endParaRPr lang="zh-TW" altLang="en-US" sz="2800" dirty="0">
+              <a:t>int main(){</a:t>
+            </a:r>
+          </a:p>
+          <a:p>
+            <a:r>
+              <a:rPr lang="zh-TW" altLang="en-US" sz="2800" dirty="0">
+                <a:latin typeface="Courier New" panose="02070309020205020404" pitchFamily="49" charset="0"/>
+                <a:cs typeface="Courier New" panose="02070309020205020404" pitchFamily="49" charset="0"/>
+              </a:rPr>
+              <a:t>    </a:t>
+            </a:r>
+            <a:r>
+              <a:rPr lang="zh-TW" altLang="en-US" sz="2800" b="1" dirty="0">
+                <a:solidFill>
+                  <a:srgbClr val="FF0000"/>
+                </a:solidFill>
+                <a:latin typeface="Courier New" panose="02070309020205020404" pitchFamily="49" charset="0"/>
+                <a:cs typeface="Courier New" panose="02070309020205020404" pitchFamily="49" charset="0"/>
+              </a:rPr>
+              <a:t>std::array&lt;int, 10&gt;</a:t>
+            </a:r>
+            <a:r>
+              <a:rPr lang="zh-TW" altLang="en-US" sz="2800" dirty="0">
+                <a:latin typeface="Courier New" panose="02070309020205020404" pitchFamily="49" charset="0"/>
+                <a:cs typeface="Courier New" panose="02070309020205020404" pitchFamily="49" charset="0"/>
+              </a:rPr>
+              <a:t> s={5, 7, 4, </a:t>
+            </a:r>
+            <a:endParaRPr lang="en-US" altLang="zh-TW" sz="2800" dirty="0">
               <a:latin typeface="Courier New" panose="02070309020205020404" pitchFamily="49" charset="0"/>
               <a:cs typeface="Courier New" panose="02070309020205020404" pitchFamily="49" charset="0"/>
             </a:endParaRPr>
           </a:p>
           <a:p>
             <a:r>
+              <a:rPr lang="en-US" altLang="zh-TW" sz="2800" dirty="0">
+                <a:latin typeface="Courier New" panose="02070309020205020404" pitchFamily="49" charset="0"/>
+                <a:cs typeface="Courier New" panose="02070309020205020404" pitchFamily="49" charset="0"/>
+              </a:rPr>
+              <a:t>      </a:t>
+            </a:r>
+            <a:r>
               <a:rPr lang="zh-TW" altLang="en-US" sz="2800" dirty="0">
                 <a:latin typeface="Courier New" panose="02070309020205020404" pitchFamily="49" charset="0"/>
                 <a:cs typeface="Courier New" panose="02070309020205020404" pitchFamily="49" charset="0"/>
               </a:rPr>
-              <a:t>    </a:t>
-            </a:r>
-            <a:r>
-              <a:rPr lang="zh-TW" altLang="en-US" sz="2800" b="1" dirty="0">
-                <a:solidFill>
-                  <a:srgbClr val="FF0000"/>
-                </a:solidFill>
-                <a:latin typeface="Courier New" panose="02070309020205020404" pitchFamily="49" charset="0"/>
-                <a:cs typeface="Courier New" panose="02070309020205020404" pitchFamily="49" charset="0"/>
-              </a:rPr>
-              <a:t>std::array&lt;int, 10&gt;</a:t>
-            </a:r>
-            <a:r>
-              <a:rPr lang="zh-TW" altLang="en-US" sz="2800" dirty="0">
-                <a:latin typeface="Courier New" panose="02070309020205020404" pitchFamily="49" charset="0"/>
-                <a:cs typeface="Courier New" panose="02070309020205020404" pitchFamily="49" charset="0"/>
-              </a:rPr>
-              <a:t> </a:t>
-            </a:r>
-            <a:r>
-              <a:rPr lang="zh-TW" altLang="en-US" sz="2800" dirty="0" smtClean="0">
-                <a:latin typeface="Courier New" panose="02070309020205020404" pitchFamily="49" charset="0"/>
-                <a:cs typeface="Courier New" panose="02070309020205020404" pitchFamily="49" charset="0"/>
-              </a:rPr>
-              <a:t>s={</a:t>
-            </a:r>
-            <a:r>
-              <a:rPr lang="zh-TW" altLang="en-US" sz="2800" dirty="0">
-                <a:latin typeface="Courier New" panose="02070309020205020404" pitchFamily="49" charset="0"/>
-                <a:cs typeface="Courier New" panose="02070309020205020404" pitchFamily="49" charset="0"/>
-              </a:rPr>
-              <a:t>5, 7, 4, </a:t>
-            </a:r>
-            <a:endParaRPr lang="en-US" altLang="zh-TW" sz="2800" dirty="0" smtClean="0">
-              <a:latin typeface="Courier New" panose="02070309020205020404" pitchFamily="49" charset="0"/>
-              <a:cs typeface="Courier New" panose="02070309020205020404" pitchFamily="49" charset="0"/>
-            </a:endParaRPr>
-          </a:p>
-          <a:p>
-            <a:r>
-              <a:rPr lang="en-US" altLang="zh-TW" sz="2800" dirty="0">
-                <a:latin typeface="Courier New" panose="02070309020205020404" pitchFamily="49" charset="0"/>
-                <a:cs typeface="Courier New" panose="02070309020205020404" pitchFamily="49" charset="0"/>
-              </a:rPr>
-              <a:t> </a:t>
-            </a:r>
-            <a:r>
-              <a:rPr lang="en-US" altLang="zh-TW" sz="2800" dirty="0" smtClean="0">
-                <a:latin typeface="Courier New" panose="02070309020205020404" pitchFamily="49" charset="0"/>
-                <a:cs typeface="Courier New" panose="02070309020205020404" pitchFamily="49" charset="0"/>
-              </a:rPr>
-              <a:t>     </a:t>
-            </a:r>
-            <a:r>
-              <a:rPr lang="zh-TW" altLang="en-US" sz="2800" dirty="0" smtClean="0">
-                <a:latin typeface="Courier New" panose="02070309020205020404" pitchFamily="49" charset="0"/>
-                <a:cs typeface="Courier New" panose="02070309020205020404" pitchFamily="49" charset="0"/>
-              </a:rPr>
-              <a:t>2</a:t>
-            </a:r>
-            <a:r>
-              <a:rPr lang="zh-TW" altLang="en-US" sz="2800" dirty="0">
-                <a:latin typeface="Courier New" panose="02070309020205020404" pitchFamily="49" charset="0"/>
-                <a:cs typeface="Courier New" panose="02070309020205020404" pitchFamily="49" charset="0"/>
-              </a:rPr>
-              <a:t>, 8, 6, 1, 9, 0, 3}; </a:t>
+              <a:t>2, 8, 6, 1, 9, 0, 3}; </a:t>
             </a:r>
           </a:p>
           <a:p>
@@ -8648,13 +8247,6 @@
   <p:clrMapOvr>
     <a:masterClrMapping/>
   </p:clrMapOvr>
-  <p:timing>
-    <p:tnLst>
-      <p:par>
-        <p:cTn id="1" dur="indefinite" restart="never" nodeType="tmRoot"/>
-      </p:par>
-    </p:tnLst>
-  </p:timing>
 </p:sld>
 </file>
 
@@ -8691,7 +8283,7 @@
           <a:lstStyle/>
           <a:p>
             <a:r>
-              <a:rPr lang="en-US" altLang="zh-TW" dirty="0" smtClean="0"/>
+              <a:rPr lang="en-US" altLang="zh-TW" dirty="0"/>
               <a:t>The second sort function allows you to define your own comparison function</a:t>
             </a:r>
           </a:p>
@@ -8699,11 +8291,11 @@
             <a:endParaRPr lang="en-US" altLang="zh-TW" dirty="0"/>
           </a:p>
           <a:p>
-            <a:endParaRPr lang="en-US" altLang="zh-TW" dirty="0" smtClean="0"/>
-          </a:p>
-          <a:p>
-            <a:r>
-              <a:rPr lang="en-US" altLang="zh-TW" dirty="0" smtClean="0"/>
+            <a:endParaRPr lang="en-US" altLang="zh-TW" dirty="0"/>
+          </a:p>
+          <a:p>
+            <a:r>
+              <a:rPr lang="en-US" altLang="zh-TW" dirty="0"/>
               <a:t>The last parameter is a function name, whose interface is </a:t>
             </a:r>
             <a:endParaRPr lang="zh-TW" altLang="en-US" dirty="0"/>
@@ -8728,7 +8320,7 @@
           <a:lstStyle/>
           <a:p>
             <a:r>
-              <a:rPr lang="en-US" altLang="zh-TW" dirty="0" smtClean="0"/>
+              <a:rPr lang="en-US" altLang="zh-TW" dirty="0"/>
               <a:t>Define comparison function</a:t>
             </a:r>
             <a:endParaRPr lang="zh-TW" altLang="en-US" dirty="0"/>
@@ -8856,13 +8448,6 @@
               </a:rPr>
               <a:t>&gt;</a:t>
             </a:r>
-            <a:r>
-              <a:rPr lang="en-US" altLang="zh-TW" sz="2400" dirty="0">
-                <a:latin typeface="Courier New" panose="02070309020205020404" pitchFamily="49" charset="0"/>
-                <a:cs typeface="Courier New" panose="02070309020205020404" pitchFamily="49" charset="0"/>
-              </a:rPr>
-              <a:t/>
-            </a:r>
             <a:br>
               <a:rPr lang="en-US" altLang="zh-TW" sz="2400" dirty="0">
                 <a:latin typeface="Courier New" panose="02070309020205020404" pitchFamily="49" charset="0"/>
@@ -8950,7 +8535,7 @@
               <a:t> last, Compare </a:t>
             </a:r>
             <a:r>
-              <a:rPr lang="en-US" altLang="zh-TW" sz="2400" dirty="0" err="1" smtClean="0">
+              <a:rPr lang="en-US" altLang="zh-TW" sz="2400" dirty="0" err="1">
                 <a:solidFill>
                   <a:srgbClr val="000000"/>
                 </a:solidFill>
@@ -9174,13 +8759,6 @@
   <p:clrMapOvr>
     <a:masterClrMapping/>
   </p:clrMapOvr>
-  <p:timing>
-    <p:tnLst>
-      <p:par>
-        <p:cTn id="1" dur="indefinite" restart="never" nodeType="tmRoot"/>
-      </p:par>
-    </p:tnLst>
-  </p:timing>
 </p:sld>
 </file>
 
@@ -9219,33 +8797,33 @@
           <a:lstStyle/>
           <a:p>
             <a:r>
-              <a:rPr lang="en-US" altLang="zh-TW" dirty="0" smtClean="0"/>
+              <a:rPr lang="en-US" altLang="zh-TW" dirty="0"/>
               <a:t>Programming is hard, but algorithm is harder.</a:t>
             </a:r>
           </a:p>
           <a:p>
             <a:r>
-              <a:rPr lang="en-US" altLang="zh-TW" dirty="0" smtClean="0"/>
+              <a:rPr lang="en-US" altLang="zh-TW" dirty="0"/>
               <a:t>In programming, data of different types are treated differently.</a:t>
             </a:r>
           </a:p>
           <a:p>
             <a:pPr lvl="1"/>
             <a:r>
-              <a:rPr lang="en-US" altLang="zh-TW" dirty="0" smtClean="0"/>
+              <a:rPr lang="en-US" altLang="zh-TW" dirty="0"/>
               <a:t>But the algorithm/data structure are the same.</a:t>
             </a:r>
           </a:p>
           <a:p>
             <a:pPr lvl="1"/>
             <a:r>
-              <a:rPr lang="en-US" altLang="zh-TW" dirty="0" smtClean="0"/>
+              <a:rPr lang="en-US" altLang="zh-TW" dirty="0"/>
               <a:t>So in general, you need to write a program/function for each data type, even the same function procedure.</a:t>
             </a:r>
           </a:p>
           <a:p>
             <a:r>
-              <a:rPr lang="en-US" altLang="zh-TW" dirty="0" smtClean="0"/>
+              <a:rPr lang="en-US" altLang="zh-TW" dirty="0"/>
               <a:t>Generic programming is to write one program for all different data types.</a:t>
             </a:r>
             <a:endParaRPr lang="zh-TW" altLang="en-US" dirty="0"/>
@@ -9269,11 +8847,7 @@
           <a:p>
             <a:r>
               <a:rPr lang="en-US" altLang="zh-TW" dirty="0"/>
-              <a:t>G</a:t>
-            </a:r>
-            <a:r>
-              <a:rPr lang="en-US" altLang="zh-TW" dirty="0" smtClean="0"/>
-              <a:t>eneric programming</a:t>
+              <a:t>Generic programming</a:t>
             </a:r>
             <a:endParaRPr lang="zh-TW" altLang="en-US" dirty="0"/>
           </a:p>
@@ -9289,13 +8863,6 @@
   <p:clrMapOvr>
     <a:masterClrMapping/>
   </p:clrMapOvr>
-  <p:timing>
-    <p:tnLst>
-      <p:par>
-        <p:cTn id="1" dur="indefinite" restart="never" nodeType="tmRoot"/>
-      </p:par>
-    </p:tnLst>
-  </p:timing>
 </p:sld>
 </file>
 
@@ -9529,7 +9096,7 @@
               <a:t>    </a:t>
             </a:r>
             <a:r>
-              <a:rPr lang="zh-TW" altLang="zh-TW" sz="2800" dirty="0" smtClean="0">
+              <a:rPr lang="zh-TW" altLang="zh-TW" sz="2800" dirty="0">
                 <a:solidFill>
                   <a:srgbClr val="00B050"/>
                 </a:solidFill>
@@ -9549,47 +9116,27 @@
               <a:t>*</a:t>
             </a:r>
             <a:r>
-              <a:rPr lang="zh-TW" altLang="zh-TW" sz="2800" dirty="0" smtClean="0">
+              <a:rPr lang="zh-TW" altLang="zh-TW" sz="2800" dirty="0">
                 <a:solidFill>
                   <a:srgbClr val="00B050"/>
                 </a:solidFill>
                 <a:latin typeface="Courier New" panose="02070309020205020404" pitchFamily="49" charset="0"/>
                 <a:cs typeface="Courier New" panose="02070309020205020404" pitchFamily="49" charset="0"/>
               </a:rPr>
-              <a:t> </a:t>
-            </a:r>
-            <a:r>
-              <a:rPr lang="zh-TW" altLang="zh-TW" sz="2800" dirty="0">
+              <a:t> sort using a standard library compare function object</a:t>
+            </a:r>
+            <a:r>
+              <a:rPr lang="en-US" altLang="zh-TW" sz="2800">
                 <a:solidFill>
                   <a:srgbClr val="00B050"/>
                 </a:solidFill>
                 <a:latin typeface="Courier New" panose="02070309020205020404" pitchFamily="49" charset="0"/>
                 <a:cs typeface="Courier New" panose="02070309020205020404" pitchFamily="49" charset="0"/>
               </a:rPr>
-              <a:t>sort using a standard library compare function </a:t>
-            </a:r>
-            <a:r>
-              <a:rPr lang="zh-TW" altLang="zh-TW" sz="2800" dirty="0" smtClean="0">
-                <a:solidFill>
-                  <a:srgbClr val="00B050"/>
-                </a:solidFill>
-                <a:latin typeface="Courier New" panose="02070309020205020404" pitchFamily="49" charset="0"/>
-                <a:cs typeface="Courier New" panose="02070309020205020404" pitchFamily="49" charset="0"/>
-              </a:rPr>
-              <a:t>object</a:t>
-            </a:r>
-            <a:r>
-              <a:rPr lang="en-US" altLang="zh-TW" sz="2800" smtClean="0">
-                <a:solidFill>
-                  <a:srgbClr val="00B050"/>
-                </a:solidFill>
-                <a:latin typeface="Courier New" panose="02070309020205020404" pitchFamily="49" charset="0"/>
-                <a:cs typeface="Courier New" panose="02070309020205020404" pitchFamily="49" charset="0"/>
-              </a:rPr>
               <a:t>*/</a:t>
             </a:r>
             <a:r>
-              <a:rPr lang="zh-TW" altLang="zh-TW" sz="2800" smtClean="0">
+              <a:rPr lang="zh-TW" altLang="zh-TW" sz="2800">
                 <a:solidFill>
                   <a:srgbClr val="00B050"/>
                 </a:solidFill>
@@ -9866,13 +9413,6 @@
   <p:clrMapOvr>
     <a:masterClrMapping/>
   </p:clrMapOvr>
-  <p:timing>
-    <p:tnLst>
-      <p:par>
-        <p:cTn id="1" dur="indefinite" restart="never" nodeType="tmRoot"/>
-      </p:par>
-    </p:tnLst>
-  </p:timing>
 </p:sld>
 </file>
 
@@ -9911,7 +9451,7 @@
           <a:lstStyle/>
           <a:p>
             <a:r>
-              <a:rPr lang="en-US" altLang="zh-TW" dirty="0" smtClean="0"/>
+              <a:rPr lang="en-US" altLang="zh-TW" dirty="0"/>
               <a:t>Compare two values, v1 and v2.  If v1&gt;v2, return 1; v1==v2, return 0; v1&lt;v2, return -1.</a:t>
             </a:r>
           </a:p>
@@ -9919,32 +9459,31 @@
             <a:endParaRPr lang="en-US" altLang="zh-TW" dirty="0"/>
           </a:p>
           <a:p>
-            <a:endParaRPr lang="en-US" altLang="zh-TW" dirty="0" smtClean="0"/>
-          </a:p>
-          <a:p>
             <a:endParaRPr lang="en-US" altLang="zh-TW" dirty="0"/>
           </a:p>
           <a:p>
-            <a:endParaRPr lang="en-US" altLang="zh-TW" dirty="0" smtClean="0"/>
-          </a:p>
-          <a:p>
-            <a:endParaRPr lang="en-US" altLang="zh-TW" dirty="0" smtClean="0"/>
-          </a:p>
-          <a:p>
-            <a:r>
-              <a:rPr lang="en-US" altLang="zh-TW" dirty="0" smtClean="0"/>
+            <a:endParaRPr lang="en-US" altLang="zh-TW" dirty="0"/>
+          </a:p>
+          <a:p>
+            <a:endParaRPr lang="en-US" altLang="zh-TW" dirty="0"/>
+          </a:p>
+          <a:p>
+            <a:endParaRPr lang="en-US" altLang="zh-TW" dirty="0"/>
+          </a:p>
+          <a:p>
+            <a:r>
+              <a:rPr lang="en-US" altLang="zh-TW" dirty="0"/>
               <a:t>Same code, different types</a:t>
             </a:r>
+          </a:p>
+          <a:p>
             <a:endParaRPr lang="en-US" altLang="zh-TW" dirty="0"/>
-          </a:p>
-          <a:p>
-            <a:endParaRPr lang="en-US" altLang="zh-TW" dirty="0" smtClean="0"/>
           </a:p>
           <a:p>
             <a:pPr marL="0" indent="0">
               <a:buNone/>
             </a:pPr>
-            <a:endParaRPr lang="en-US" altLang="zh-TW" dirty="0" smtClean="0"/>
+            <a:endParaRPr lang="en-US" altLang="zh-TW" dirty="0"/>
           </a:p>
           <a:p>
             <a:pPr marL="0" indent="0">
@@ -9971,11 +9510,7 @@
           <a:p>
             <a:r>
               <a:rPr lang="en-US" altLang="zh-TW" dirty="0"/>
-              <a:t>Example: </a:t>
-            </a:r>
-            <a:r>
-              <a:rPr lang="en-US" altLang="zh-TW" dirty="0" smtClean="0"/>
-              <a:t>compare function</a:t>
+              <a:t>Example: compare function</a:t>
             </a:r>
             <a:endParaRPr lang="zh-TW" altLang="en-US" dirty="0"/>
           </a:p>
@@ -10096,7 +9631,7 @@
           </a:p>
           <a:p>
             <a:r>
-              <a:rPr lang="en-US" altLang="zh-TW" dirty="0" smtClean="0">
+              <a:rPr lang="en-US" altLang="zh-TW" dirty="0">
                 <a:solidFill>
                   <a:srgbClr val="0000FF"/>
                 </a:solidFill>
@@ -10105,7 +9640,7 @@
               <a:t>	if</a:t>
             </a:r>
             <a:r>
-              <a:rPr lang="en-US" altLang="zh-TW" dirty="0" smtClean="0">
+              <a:rPr lang="en-US" altLang="zh-TW" dirty="0">
                 <a:solidFill>
                   <a:srgbClr val="000000"/>
                 </a:solidFill>
@@ -10114,7 +9649,7 @@
               <a:t>(</a:t>
             </a:r>
             <a:r>
-              <a:rPr lang="en-US" altLang="zh-TW" dirty="0" smtClean="0">
+              <a:rPr lang="en-US" altLang="zh-TW" dirty="0">
                 <a:solidFill>
                   <a:srgbClr val="808080"/>
                 </a:solidFill>
@@ -10123,7 +9658,7 @@
               <a:t>v1</a:t>
             </a:r>
             <a:r>
-              <a:rPr lang="en-US" altLang="zh-TW" dirty="0" smtClean="0">
+              <a:rPr lang="en-US" altLang="zh-TW" dirty="0">
                 <a:solidFill>
                   <a:srgbClr val="000000"/>
                 </a:solidFill>
@@ -10132,7 +9667,7 @@
               <a:t>&lt;</a:t>
             </a:r>
             <a:r>
-              <a:rPr lang="en-US" altLang="zh-TW" dirty="0" smtClean="0">
+              <a:rPr lang="en-US" altLang="zh-TW" dirty="0">
                 <a:solidFill>
                   <a:srgbClr val="808080"/>
                 </a:solidFill>
@@ -10141,7 +9676,7 @@
               <a:t>v2</a:t>
             </a:r>
             <a:r>
-              <a:rPr lang="en-US" altLang="zh-TW" dirty="0" smtClean="0">
+              <a:rPr lang="en-US" altLang="zh-TW" dirty="0">
                 <a:solidFill>
                   <a:srgbClr val="000000"/>
                 </a:solidFill>
@@ -10150,7 +9685,7 @@
               <a:t>)	</a:t>
             </a:r>
             <a:r>
-              <a:rPr lang="en-US" altLang="zh-TW" dirty="0" smtClean="0">
+              <a:rPr lang="en-US" altLang="zh-TW" dirty="0">
                 <a:solidFill>
                   <a:srgbClr val="0000FF"/>
                 </a:solidFill>
@@ -10159,28 +9694,19 @@
               <a:t>return</a:t>
             </a:r>
             <a:r>
-              <a:rPr lang="en-US" altLang="zh-TW" dirty="0" smtClean="0">
+              <a:rPr lang="en-US" altLang="zh-TW" dirty="0">
                 <a:solidFill>
                   <a:srgbClr val="000000"/>
                 </a:solidFill>
                 <a:latin typeface="Consolas" panose="020B0609020204030204" pitchFamily="49" charset="0"/>
               </a:rPr>
-              <a:t> </a:t>
-            </a:r>
+              <a:t> -1;</a:t>
+            </a:r>
+          </a:p>
+          <a:p>
             <a:r>
               <a:rPr lang="en-US" altLang="zh-TW" dirty="0">
                 <a:solidFill>
-                  <a:srgbClr val="000000"/>
-                </a:solidFill>
-                <a:latin typeface="Consolas" panose="020B0609020204030204" pitchFamily="49" charset="0"/>
-              </a:rPr>
-              <a:t>-1;</a:t>
-            </a:r>
-          </a:p>
-          <a:p>
-            <a:r>
-              <a:rPr lang="en-US" altLang="zh-TW" dirty="0" smtClean="0">
-                <a:solidFill>
                   <a:srgbClr val="0000FF"/>
                 </a:solidFill>
                 <a:latin typeface="Consolas" panose="020B0609020204030204" pitchFamily="49" charset="0"/>
@@ -10188,7 +9714,7 @@
               <a:t>	return</a:t>
             </a:r>
             <a:r>
-              <a:rPr lang="en-US" altLang="zh-TW" dirty="0" smtClean="0">
+              <a:rPr lang="en-US" altLang="zh-TW" dirty="0">
                 <a:solidFill>
                   <a:srgbClr val="000000"/>
                 </a:solidFill>
@@ -10285,19 +9811,46 @@
                 </a:solidFill>
                 <a:latin typeface="Consolas" panose="020B0609020204030204" pitchFamily="49" charset="0"/>
               </a:rPr>
+              <a:t> compare(</a:t>
+            </a:r>
+            <a:r>
+              <a:rPr lang="en-US" altLang="zh-TW" dirty="0">
+                <a:solidFill>
+                  <a:srgbClr val="0000FF"/>
+                </a:solidFill>
+                <a:latin typeface="Consolas" panose="020B0609020204030204" pitchFamily="49" charset="0"/>
+              </a:rPr>
+              <a:t>char</a:t>
+            </a:r>
+            <a:r>
+              <a:rPr lang="en-US" altLang="zh-TW" dirty="0">
+                <a:solidFill>
+                  <a:srgbClr val="000000"/>
+                </a:solidFill>
+                <a:latin typeface="Consolas" panose="020B0609020204030204" pitchFamily="49" charset="0"/>
+              </a:rPr>
               <a:t> </a:t>
             </a:r>
             <a:r>
-              <a:rPr lang="en-US" altLang="zh-TW" dirty="0" smtClean="0">
+              <a:rPr lang="en-US" altLang="zh-TW" dirty="0">
+                <a:solidFill>
+                  <a:srgbClr val="808080"/>
+                </a:solidFill>
+                <a:latin typeface="Consolas" panose="020B0609020204030204" pitchFamily="49" charset="0"/>
+              </a:rPr>
+              <a:t>v1</a:t>
+            </a:r>
+            <a:r>
+              <a:rPr lang="en-US" altLang="zh-TW" dirty="0">
                 <a:solidFill>
                   <a:srgbClr val="000000"/>
                 </a:solidFill>
                 <a:latin typeface="Consolas" panose="020B0609020204030204" pitchFamily="49" charset="0"/>
               </a:rPr>
-              <a:t>compare(</a:t>
-            </a:r>
-            <a:r>
-              <a:rPr lang="en-US" altLang="zh-TW" dirty="0" smtClean="0">
+              <a:t>,</a:t>
+            </a:r>
+            <a:r>
+              <a:rPr lang="en-US" altLang="zh-TW" dirty="0">
                 <a:solidFill>
                   <a:srgbClr val="0000FF"/>
                 </a:solidFill>
@@ -10306,7 +9859,7 @@
               <a:t>char</a:t>
             </a:r>
             <a:r>
-              <a:rPr lang="en-US" altLang="zh-TW" dirty="0" smtClean="0">
+              <a:rPr lang="en-US" altLang="zh-TW" dirty="0">
                 <a:solidFill>
                   <a:srgbClr val="000000"/>
                 </a:solidFill>
@@ -10315,155 +9868,110 @@
               <a:t> </a:t>
             </a:r>
             <a:r>
-              <a:rPr lang="en-US" altLang="zh-TW" dirty="0" smtClean="0">
+              <a:rPr lang="en-US" altLang="zh-TW" dirty="0">
                 <a:solidFill>
                   <a:srgbClr val="808080"/>
                 </a:solidFill>
                 <a:latin typeface="Consolas" panose="020B0609020204030204" pitchFamily="49" charset="0"/>
               </a:rPr>
+              <a:t>v2</a:t>
+            </a:r>
+            <a:r>
+              <a:rPr lang="en-US" altLang="zh-TW" dirty="0">
+                <a:solidFill>
+                  <a:srgbClr val="000000"/>
+                </a:solidFill>
+                <a:latin typeface="Consolas" panose="020B0609020204030204" pitchFamily="49" charset="0"/>
+              </a:rPr>
+              <a:t>){</a:t>
+            </a:r>
+          </a:p>
+          <a:p>
+            <a:r>
+              <a:rPr lang="en-US" altLang="zh-TW" dirty="0">
+                <a:solidFill>
+                  <a:srgbClr val="0000FF"/>
+                </a:solidFill>
+                <a:latin typeface="Consolas" panose="020B0609020204030204" pitchFamily="49" charset="0"/>
+              </a:rPr>
+              <a:t>	if</a:t>
+            </a:r>
+            <a:r>
+              <a:rPr lang="en-US" altLang="zh-TW" dirty="0">
+                <a:solidFill>
+                  <a:srgbClr val="000000"/>
+                </a:solidFill>
+                <a:latin typeface="Consolas" panose="020B0609020204030204" pitchFamily="49" charset="0"/>
+              </a:rPr>
+              <a:t>(</a:t>
+            </a:r>
+            <a:r>
+              <a:rPr lang="en-US" altLang="zh-TW" dirty="0">
+                <a:solidFill>
+                  <a:srgbClr val="808080"/>
+                </a:solidFill>
+                <a:latin typeface="Consolas" panose="020B0609020204030204" pitchFamily="49" charset="0"/>
+              </a:rPr>
               <a:t>v1</a:t>
             </a:r>
             <a:r>
-              <a:rPr lang="en-US" altLang="zh-TW" dirty="0" smtClean="0">
+              <a:rPr lang="en-US" altLang="zh-TW" dirty="0">
                 <a:solidFill>
                   <a:srgbClr val="000000"/>
                 </a:solidFill>
                 <a:latin typeface="Consolas" panose="020B0609020204030204" pitchFamily="49" charset="0"/>
               </a:rPr>
-              <a:t>,</a:t>
-            </a:r>
-            <a:r>
-              <a:rPr lang="en-US" altLang="zh-TW" dirty="0" smtClean="0">
+              <a:t>&lt;</a:t>
+            </a:r>
+            <a:r>
+              <a:rPr lang="en-US" altLang="zh-TW" dirty="0">
+                <a:solidFill>
+                  <a:srgbClr val="808080"/>
+                </a:solidFill>
+                <a:latin typeface="Consolas" panose="020B0609020204030204" pitchFamily="49" charset="0"/>
+              </a:rPr>
+              <a:t>v2</a:t>
+            </a:r>
+            <a:r>
+              <a:rPr lang="en-US" altLang="zh-TW" dirty="0">
+                <a:solidFill>
+                  <a:srgbClr val="000000"/>
+                </a:solidFill>
+                <a:latin typeface="Consolas" panose="020B0609020204030204" pitchFamily="49" charset="0"/>
+              </a:rPr>
+              <a:t>)	</a:t>
+            </a:r>
+            <a:r>
+              <a:rPr lang="en-US" altLang="zh-TW" dirty="0">
                 <a:solidFill>
                   <a:srgbClr val="0000FF"/>
                 </a:solidFill>
                 <a:latin typeface="Consolas" panose="020B0609020204030204" pitchFamily="49" charset="0"/>
               </a:rPr>
-              <a:t>char</a:t>
-            </a:r>
-            <a:r>
-              <a:rPr lang="en-US" altLang="zh-TW" dirty="0" smtClean="0">
+              <a:t>return</a:t>
+            </a:r>
+            <a:r>
+              <a:rPr lang="en-US" altLang="zh-TW" dirty="0">
                 <a:solidFill>
                   <a:srgbClr val="000000"/>
                 </a:solidFill>
                 <a:latin typeface="Consolas" panose="020B0609020204030204" pitchFamily="49" charset="0"/>
               </a:rPr>
-              <a:t> </a:t>
-            </a:r>
+              <a:t> -1;</a:t>
+            </a:r>
+          </a:p>
+          <a:p>
             <a:r>
               <a:rPr lang="en-US" altLang="zh-TW" dirty="0">
                 <a:solidFill>
-                  <a:srgbClr val="808080"/>
-                </a:solidFill>
-                <a:latin typeface="Consolas" panose="020B0609020204030204" pitchFamily="49" charset="0"/>
-              </a:rPr>
-              <a:t>v2</a:t>
+                  <a:srgbClr val="0000FF"/>
+                </a:solidFill>
+                <a:latin typeface="Consolas" panose="020B0609020204030204" pitchFamily="49" charset="0"/>
+              </a:rPr>
+              <a:t>	return</a:t>
             </a:r>
             <a:r>
               <a:rPr lang="en-US" altLang="zh-TW" dirty="0">
-                <a:solidFill>
-                  <a:srgbClr val="000000"/>
-                </a:solidFill>
-                <a:latin typeface="Consolas" panose="020B0609020204030204" pitchFamily="49" charset="0"/>
-              </a:rPr>
-              <a:t>){</a:t>
-            </a:r>
-          </a:p>
-          <a:p>
-            <a:r>
-              <a:rPr lang="en-US" altLang="zh-TW" dirty="0" smtClean="0">
-                <a:solidFill>
-                  <a:srgbClr val="0000FF"/>
-                </a:solidFill>
-                <a:latin typeface="Consolas" panose="020B0609020204030204" pitchFamily="49" charset="0"/>
-              </a:rPr>
-              <a:t>	if</a:t>
-            </a:r>
-            <a:r>
-              <a:rPr lang="en-US" altLang="zh-TW" dirty="0" smtClean="0">
-                <a:solidFill>
-                  <a:srgbClr val="000000"/>
-                </a:solidFill>
-                <a:latin typeface="Consolas" panose="020B0609020204030204" pitchFamily="49" charset="0"/>
-              </a:rPr>
-              <a:t>(</a:t>
-            </a:r>
-            <a:r>
-              <a:rPr lang="en-US" altLang="zh-TW" dirty="0" smtClean="0">
-                <a:solidFill>
-                  <a:srgbClr val="808080"/>
-                </a:solidFill>
-                <a:latin typeface="Consolas" panose="020B0609020204030204" pitchFamily="49" charset="0"/>
-              </a:rPr>
-              <a:t>v1</a:t>
-            </a:r>
-            <a:r>
-              <a:rPr lang="en-US" altLang="zh-TW" dirty="0" smtClean="0">
-                <a:solidFill>
-                  <a:srgbClr val="000000"/>
-                </a:solidFill>
-                <a:latin typeface="Consolas" panose="020B0609020204030204" pitchFamily="49" charset="0"/>
-              </a:rPr>
-              <a:t>&lt;</a:t>
-            </a:r>
-            <a:r>
-              <a:rPr lang="en-US" altLang="zh-TW" dirty="0" smtClean="0">
-                <a:solidFill>
-                  <a:srgbClr val="808080"/>
-                </a:solidFill>
-                <a:latin typeface="Consolas" panose="020B0609020204030204" pitchFamily="49" charset="0"/>
-              </a:rPr>
-              <a:t>v2</a:t>
-            </a:r>
-            <a:r>
-              <a:rPr lang="en-US" altLang="zh-TW" dirty="0" smtClean="0">
-                <a:solidFill>
-                  <a:srgbClr val="000000"/>
-                </a:solidFill>
-                <a:latin typeface="Consolas" panose="020B0609020204030204" pitchFamily="49" charset="0"/>
-              </a:rPr>
-              <a:t>)	</a:t>
-            </a:r>
-            <a:r>
-              <a:rPr lang="en-US" altLang="zh-TW" dirty="0" smtClean="0">
-                <a:solidFill>
-                  <a:srgbClr val="0000FF"/>
-                </a:solidFill>
-                <a:latin typeface="Consolas" panose="020B0609020204030204" pitchFamily="49" charset="0"/>
-              </a:rPr>
-              <a:t>return</a:t>
-            </a:r>
-            <a:r>
-              <a:rPr lang="en-US" altLang="zh-TW" dirty="0" smtClean="0">
-                <a:solidFill>
-                  <a:srgbClr val="000000"/>
-                </a:solidFill>
-                <a:latin typeface="Consolas" panose="020B0609020204030204" pitchFamily="49" charset="0"/>
-              </a:rPr>
-              <a:t> </a:t>
-            </a:r>
-            <a:r>
-              <a:rPr lang="en-US" altLang="zh-TW" dirty="0">
-                <a:solidFill>
-                  <a:srgbClr val="000000"/>
-                </a:solidFill>
-                <a:latin typeface="Consolas" panose="020B0609020204030204" pitchFamily="49" charset="0"/>
-              </a:rPr>
-              <a:t>-1;</a:t>
-            </a:r>
-          </a:p>
-          <a:p>
-            <a:r>
-              <a:rPr lang="en-US" altLang="zh-TW" dirty="0" smtClean="0">
-                <a:solidFill>
-                  <a:srgbClr val="0000FF"/>
-                </a:solidFill>
-                <a:latin typeface="Consolas" panose="020B0609020204030204" pitchFamily="49" charset="0"/>
-              </a:rPr>
-              <a:t>	return</a:t>
-            </a:r>
-            <a:r>
-              <a:rPr lang="en-US" altLang="zh-TW" dirty="0" smtClean="0">
                 <a:solidFill>
                   <a:srgbClr val="000000"/>
                 </a:solidFill>
@@ -10560,19 +10068,46 @@
                 </a:solidFill>
                 <a:latin typeface="Consolas" panose="020B0609020204030204" pitchFamily="49" charset="0"/>
               </a:rPr>
+              <a:t> compare(</a:t>
+            </a:r>
+            <a:r>
+              <a:rPr lang="en-US" altLang="zh-TW" dirty="0">
+                <a:solidFill>
+                  <a:srgbClr val="0000FF"/>
+                </a:solidFill>
+                <a:latin typeface="Consolas" panose="020B0609020204030204" pitchFamily="49" charset="0"/>
+              </a:rPr>
+              <a:t>long</a:t>
+            </a:r>
+            <a:r>
+              <a:rPr lang="en-US" altLang="zh-TW" dirty="0">
+                <a:solidFill>
+                  <a:srgbClr val="000000"/>
+                </a:solidFill>
+                <a:latin typeface="Consolas" panose="020B0609020204030204" pitchFamily="49" charset="0"/>
+              </a:rPr>
               <a:t> </a:t>
             </a:r>
             <a:r>
-              <a:rPr lang="en-US" altLang="zh-TW" dirty="0" smtClean="0">
+              <a:rPr lang="en-US" altLang="zh-TW" dirty="0">
+                <a:solidFill>
+                  <a:srgbClr val="808080"/>
+                </a:solidFill>
+                <a:latin typeface="Consolas" panose="020B0609020204030204" pitchFamily="49" charset="0"/>
+              </a:rPr>
+              <a:t>v1</a:t>
+            </a:r>
+            <a:r>
+              <a:rPr lang="en-US" altLang="zh-TW" dirty="0">
                 <a:solidFill>
                   <a:srgbClr val="000000"/>
                 </a:solidFill>
                 <a:latin typeface="Consolas" panose="020B0609020204030204" pitchFamily="49" charset="0"/>
               </a:rPr>
-              <a:t>compare(</a:t>
-            </a:r>
-            <a:r>
-              <a:rPr lang="en-US" altLang="zh-TW" dirty="0" smtClean="0">
+              <a:t>,</a:t>
+            </a:r>
+            <a:r>
+              <a:rPr lang="en-US" altLang="zh-TW" dirty="0">
                 <a:solidFill>
                   <a:srgbClr val="0000FF"/>
                 </a:solidFill>
@@ -10581,7 +10116,7 @@
               <a:t>long</a:t>
             </a:r>
             <a:r>
-              <a:rPr lang="en-US" altLang="zh-TW" dirty="0" smtClean="0">
+              <a:rPr lang="en-US" altLang="zh-TW" dirty="0">
                 <a:solidFill>
                   <a:srgbClr val="000000"/>
                 </a:solidFill>
@@ -10590,155 +10125,110 @@
               <a:t> </a:t>
             </a:r>
             <a:r>
-              <a:rPr lang="en-US" altLang="zh-TW" dirty="0" smtClean="0">
+              <a:rPr lang="en-US" altLang="zh-TW" dirty="0">
                 <a:solidFill>
                   <a:srgbClr val="808080"/>
                 </a:solidFill>
                 <a:latin typeface="Consolas" panose="020B0609020204030204" pitchFamily="49" charset="0"/>
               </a:rPr>
+              <a:t>v2</a:t>
+            </a:r>
+            <a:r>
+              <a:rPr lang="en-US" altLang="zh-TW" dirty="0">
+                <a:solidFill>
+                  <a:srgbClr val="000000"/>
+                </a:solidFill>
+                <a:latin typeface="Consolas" panose="020B0609020204030204" pitchFamily="49" charset="0"/>
+              </a:rPr>
+              <a:t>){</a:t>
+            </a:r>
+          </a:p>
+          <a:p>
+            <a:r>
+              <a:rPr lang="en-US" altLang="zh-TW" dirty="0">
+                <a:solidFill>
+                  <a:srgbClr val="0000FF"/>
+                </a:solidFill>
+                <a:latin typeface="Consolas" panose="020B0609020204030204" pitchFamily="49" charset="0"/>
+              </a:rPr>
+              <a:t>	if</a:t>
+            </a:r>
+            <a:r>
+              <a:rPr lang="en-US" altLang="zh-TW" dirty="0">
+                <a:solidFill>
+                  <a:srgbClr val="000000"/>
+                </a:solidFill>
+                <a:latin typeface="Consolas" panose="020B0609020204030204" pitchFamily="49" charset="0"/>
+              </a:rPr>
+              <a:t>(</a:t>
+            </a:r>
+            <a:r>
+              <a:rPr lang="en-US" altLang="zh-TW" dirty="0">
+                <a:solidFill>
+                  <a:srgbClr val="808080"/>
+                </a:solidFill>
+                <a:latin typeface="Consolas" panose="020B0609020204030204" pitchFamily="49" charset="0"/>
+              </a:rPr>
               <a:t>v1</a:t>
             </a:r>
             <a:r>
-              <a:rPr lang="en-US" altLang="zh-TW" dirty="0" smtClean="0">
+              <a:rPr lang="en-US" altLang="zh-TW" dirty="0">
                 <a:solidFill>
                   <a:srgbClr val="000000"/>
                 </a:solidFill>
                 <a:latin typeface="Consolas" panose="020B0609020204030204" pitchFamily="49" charset="0"/>
               </a:rPr>
-              <a:t>,</a:t>
-            </a:r>
-            <a:r>
-              <a:rPr lang="en-US" altLang="zh-TW" dirty="0" smtClean="0">
+              <a:t>&lt;</a:t>
+            </a:r>
+            <a:r>
+              <a:rPr lang="en-US" altLang="zh-TW" dirty="0">
+                <a:solidFill>
+                  <a:srgbClr val="808080"/>
+                </a:solidFill>
+                <a:latin typeface="Consolas" panose="020B0609020204030204" pitchFamily="49" charset="0"/>
+              </a:rPr>
+              <a:t>v2</a:t>
+            </a:r>
+            <a:r>
+              <a:rPr lang="en-US" altLang="zh-TW" dirty="0">
+                <a:solidFill>
+                  <a:srgbClr val="000000"/>
+                </a:solidFill>
+                <a:latin typeface="Consolas" panose="020B0609020204030204" pitchFamily="49" charset="0"/>
+              </a:rPr>
+              <a:t>)	</a:t>
+            </a:r>
+            <a:r>
+              <a:rPr lang="en-US" altLang="zh-TW" dirty="0">
                 <a:solidFill>
                   <a:srgbClr val="0000FF"/>
                 </a:solidFill>
                 <a:latin typeface="Consolas" panose="020B0609020204030204" pitchFamily="49" charset="0"/>
               </a:rPr>
-              <a:t>long</a:t>
-            </a:r>
-            <a:r>
-              <a:rPr lang="en-US" altLang="zh-TW" dirty="0" smtClean="0">
+              <a:t>return</a:t>
+            </a:r>
+            <a:r>
+              <a:rPr lang="en-US" altLang="zh-TW" dirty="0">
                 <a:solidFill>
                   <a:srgbClr val="000000"/>
                 </a:solidFill>
                 <a:latin typeface="Consolas" panose="020B0609020204030204" pitchFamily="49" charset="0"/>
               </a:rPr>
-              <a:t> </a:t>
-            </a:r>
+              <a:t> -1;</a:t>
+            </a:r>
+          </a:p>
+          <a:p>
             <a:r>
               <a:rPr lang="en-US" altLang="zh-TW" dirty="0">
                 <a:solidFill>
-                  <a:srgbClr val="808080"/>
-                </a:solidFill>
-                <a:latin typeface="Consolas" panose="020B0609020204030204" pitchFamily="49" charset="0"/>
-              </a:rPr>
-              <a:t>v2</a:t>
+                  <a:srgbClr val="0000FF"/>
+                </a:solidFill>
+                <a:latin typeface="Consolas" panose="020B0609020204030204" pitchFamily="49" charset="0"/>
+              </a:rPr>
+              <a:t>	return</a:t>
             </a:r>
             <a:r>
               <a:rPr lang="en-US" altLang="zh-TW" dirty="0">
-                <a:solidFill>
-                  <a:srgbClr val="000000"/>
-                </a:solidFill>
-                <a:latin typeface="Consolas" panose="020B0609020204030204" pitchFamily="49" charset="0"/>
-              </a:rPr>
-              <a:t>){</a:t>
-            </a:r>
-          </a:p>
-          <a:p>
-            <a:r>
-              <a:rPr lang="en-US" altLang="zh-TW" dirty="0" smtClean="0">
-                <a:solidFill>
-                  <a:srgbClr val="0000FF"/>
-                </a:solidFill>
-                <a:latin typeface="Consolas" panose="020B0609020204030204" pitchFamily="49" charset="0"/>
-              </a:rPr>
-              <a:t>	if</a:t>
-            </a:r>
-            <a:r>
-              <a:rPr lang="en-US" altLang="zh-TW" dirty="0" smtClean="0">
-                <a:solidFill>
-                  <a:srgbClr val="000000"/>
-                </a:solidFill>
-                <a:latin typeface="Consolas" panose="020B0609020204030204" pitchFamily="49" charset="0"/>
-              </a:rPr>
-              <a:t>(</a:t>
-            </a:r>
-            <a:r>
-              <a:rPr lang="en-US" altLang="zh-TW" dirty="0" smtClean="0">
-                <a:solidFill>
-                  <a:srgbClr val="808080"/>
-                </a:solidFill>
-                <a:latin typeface="Consolas" panose="020B0609020204030204" pitchFamily="49" charset="0"/>
-              </a:rPr>
-              <a:t>v1</a:t>
-            </a:r>
-            <a:r>
-              <a:rPr lang="en-US" altLang="zh-TW" dirty="0" smtClean="0">
-                <a:solidFill>
-                  <a:srgbClr val="000000"/>
-                </a:solidFill>
-                <a:latin typeface="Consolas" panose="020B0609020204030204" pitchFamily="49" charset="0"/>
-              </a:rPr>
-              <a:t>&lt;</a:t>
-            </a:r>
-            <a:r>
-              <a:rPr lang="en-US" altLang="zh-TW" dirty="0" smtClean="0">
-                <a:solidFill>
-                  <a:srgbClr val="808080"/>
-                </a:solidFill>
-                <a:latin typeface="Consolas" panose="020B0609020204030204" pitchFamily="49" charset="0"/>
-              </a:rPr>
-              <a:t>v2</a:t>
-            </a:r>
-            <a:r>
-              <a:rPr lang="en-US" altLang="zh-TW" dirty="0" smtClean="0">
-                <a:solidFill>
-                  <a:srgbClr val="000000"/>
-                </a:solidFill>
-                <a:latin typeface="Consolas" panose="020B0609020204030204" pitchFamily="49" charset="0"/>
-              </a:rPr>
-              <a:t>)	</a:t>
-            </a:r>
-            <a:r>
-              <a:rPr lang="en-US" altLang="zh-TW" dirty="0" smtClean="0">
-                <a:solidFill>
-                  <a:srgbClr val="0000FF"/>
-                </a:solidFill>
-                <a:latin typeface="Consolas" panose="020B0609020204030204" pitchFamily="49" charset="0"/>
-              </a:rPr>
-              <a:t>return</a:t>
-            </a:r>
-            <a:r>
-              <a:rPr lang="en-US" altLang="zh-TW" dirty="0" smtClean="0">
-                <a:solidFill>
-                  <a:srgbClr val="000000"/>
-                </a:solidFill>
-                <a:latin typeface="Consolas" panose="020B0609020204030204" pitchFamily="49" charset="0"/>
-              </a:rPr>
-              <a:t> </a:t>
-            </a:r>
-            <a:r>
-              <a:rPr lang="en-US" altLang="zh-TW" dirty="0">
-                <a:solidFill>
-                  <a:srgbClr val="000000"/>
-                </a:solidFill>
-                <a:latin typeface="Consolas" panose="020B0609020204030204" pitchFamily="49" charset="0"/>
-              </a:rPr>
-              <a:t>-1;</a:t>
-            </a:r>
-          </a:p>
-          <a:p>
-            <a:r>
-              <a:rPr lang="en-US" altLang="zh-TW" dirty="0" smtClean="0">
-                <a:solidFill>
-                  <a:srgbClr val="0000FF"/>
-                </a:solidFill>
-                <a:latin typeface="Consolas" panose="020B0609020204030204" pitchFamily="49" charset="0"/>
-              </a:rPr>
-              <a:t>	return</a:t>
-            </a:r>
-            <a:r>
-              <a:rPr lang="en-US" altLang="zh-TW" dirty="0" smtClean="0">
                 <a:solidFill>
                   <a:srgbClr val="000000"/>
                 </a:solidFill>
@@ -10835,19 +10325,46 @@
                 </a:solidFill>
                 <a:latin typeface="Consolas" panose="020B0609020204030204" pitchFamily="49" charset="0"/>
               </a:rPr>
+              <a:t> compare(</a:t>
+            </a:r>
+            <a:r>
+              <a:rPr lang="en-US" altLang="zh-TW" dirty="0">
+                <a:solidFill>
+                  <a:srgbClr val="0000FF"/>
+                </a:solidFill>
+                <a:latin typeface="Consolas" panose="020B0609020204030204" pitchFamily="49" charset="0"/>
+              </a:rPr>
+              <a:t>signed</a:t>
+            </a:r>
+            <a:r>
+              <a:rPr lang="en-US" altLang="zh-TW" dirty="0">
+                <a:solidFill>
+                  <a:srgbClr val="000000"/>
+                </a:solidFill>
+                <a:latin typeface="Consolas" panose="020B0609020204030204" pitchFamily="49" charset="0"/>
+              </a:rPr>
               <a:t> </a:t>
             </a:r>
             <a:r>
-              <a:rPr lang="en-US" altLang="zh-TW" dirty="0" smtClean="0">
+              <a:rPr lang="en-US" altLang="zh-TW" dirty="0">
+                <a:solidFill>
+                  <a:srgbClr val="808080"/>
+                </a:solidFill>
+                <a:latin typeface="Consolas" panose="020B0609020204030204" pitchFamily="49" charset="0"/>
+              </a:rPr>
+              <a:t>v1</a:t>
+            </a:r>
+            <a:r>
+              <a:rPr lang="en-US" altLang="zh-TW" dirty="0">
                 <a:solidFill>
                   <a:srgbClr val="000000"/>
                 </a:solidFill>
                 <a:latin typeface="Consolas" panose="020B0609020204030204" pitchFamily="49" charset="0"/>
               </a:rPr>
-              <a:t>compare(</a:t>
-            </a:r>
-            <a:r>
-              <a:rPr lang="en-US" altLang="zh-TW" dirty="0" smtClean="0">
+              <a:t>,</a:t>
+            </a:r>
+            <a:r>
+              <a:rPr lang="en-US" altLang="zh-TW" dirty="0">
                 <a:solidFill>
                   <a:srgbClr val="0000FF"/>
                 </a:solidFill>
@@ -10856,7 +10373,7 @@
               <a:t>signed</a:t>
             </a:r>
             <a:r>
-              <a:rPr lang="en-US" altLang="zh-TW" dirty="0" smtClean="0">
+              <a:rPr lang="en-US" altLang="zh-TW" dirty="0">
                 <a:solidFill>
                   <a:srgbClr val="000000"/>
                 </a:solidFill>
@@ -10865,155 +10382,110 @@
               <a:t> </a:t>
             </a:r>
             <a:r>
-              <a:rPr lang="en-US" altLang="zh-TW" dirty="0" smtClean="0">
+              <a:rPr lang="en-US" altLang="zh-TW" dirty="0">
                 <a:solidFill>
                   <a:srgbClr val="808080"/>
                 </a:solidFill>
                 <a:latin typeface="Consolas" panose="020B0609020204030204" pitchFamily="49" charset="0"/>
               </a:rPr>
+              <a:t>v2</a:t>
+            </a:r>
+            <a:r>
+              <a:rPr lang="en-US" altLang="zh-TW" dirty="0">
+                <a:solidFill>
+                  <a:srgbClr val="000000"/>
+                </a:solidFill>
+                <a:latin typeface="Consolas" panose="020B0609020204030204" pitchFamily="49" charset="0"/>
+              </a:rPr>
+              <a:t>){</a:t>
+            </a:r>
+          </a:p>
+          <a:p>
+            <a:r>
+              <a:rPr lang="en-US" altLang="zh-TW" dirty="0">
+                <a:solidFill>
+                  <a:srgbClr val="0000FF"/>
+                </a:solidFill>
+                <a:latin typeface="Consolas" panose="020B0609020204030204" pitchFamily="49" charset="0"/>
+              </a:rPr>
+              <a:t>	if</a:t>
+            </a:r>
+            <a:r>
+              <a:rPr lang="en-US" altLang="zh-TW" dirty="0">
+                <a:solidFill>
+                  <a:srgbClr val="000000"/>
+                </a:solidFill>
+                <a:latin typeface="Consolas" panose="020B0609020204030204" pitchFamily="49" charset="0"/>
+              </a:rPr>
+              <a:t>(</a:t>
+            </a:r>
+            <a:r>
+              <a:rPr lang="en-US" altLang="zh-TW" dirty="0">
+                <a:solidFill>
+                  <a:srgbClr val="808080"/>
+                </a:solidFill>
+                <a:latin typeface="Consolas" panose="020B0609020204030204" pitchFamily="49" charset="0"/>
+              </a:rPr>
               <a:t>v1</a:t>
             </a:r>
             <a:r>
-              <a:rPr lang="en-US" altLang="zh-TW" dirty="0" smtClean="0">
+              <a:rPr lang="en-US" altLang="zh-TW" dirty="0">
                 <a:solidFill>
                   <a:srgbClr val="000000"/>
                 </a:solidFill>
                 <a:latin typeface="Consolas" panose="020B0609020204030204" pitchFamily="49" charset="0"/>
               </a:rPr>
-              <a:t>,</a:t>
-            </a:r>
-            <a:r>
-              <a:rPr lang="en-US" altLang="zh-TW" dirty="0" smtClean="0">
+              <a:t>&lt;</a:t>
+            </a:r>
+            <a:r>
+              <a:rPr lang="en-US" altLang="zh-TW" dirty="0">
+                <a:solidFill>
+                  <a:srgbClr val="808080"/>
+                </a:solidFill>
+                <a:latin typeface="Consolas" panose="020B0609020204030204" pitchFamily="49" charset="0"/>
+              </a:rPr>
+              <a:t>v2</a:t>
+            </a:r>
+            <a:r>
+              <a:rPr lang="en-US" altLang="zh-TW" dirty="0">
+                <a:solidFill>
+                  <a:srgbClr val="000000"/>
+                </a:solidFill>
+                <a:latin typeface="Consolas" panose="020B0609020204030204" pitchFamily="49" charset="0"/>
+              </a:rPr>
+              <a:t>)	</a:t>
+            </a:r>
+            <a:r>
+              <a:rPr lang="en-US" altLang="zh-TW" dirty="0">
                 <a:solidFill>
                   <a:srgbClr val="0000FF"/>
                 </a:solidFill>
                 <a:latin typeface="Consolas" panose="020B0609020204030204" pitchFamily="49" charset="0"/>
               </a:rPr>
-              <a:t>signed</a:t>
-            </a:r>
-            <a:r>
-              <a:rPr lang="en-US" altLang="zh-TW" dirty="0" smtClean="0">
+              <a:t>return</a:t>
+            </a:r>
+            <a:r>
+              <a:rPr lang="en-US" altLang="zh-TW" dirty="0">
                 <a:solidFill>
                   <a:srgbClr val="000000"/>
                 </a:solidFill>
                 <a:latin typeface="Consolas" panose="020B0609020204030204" pitchFamily="49" charset="0"/>
               </a:rPr>
-              <a:t> </a:t>
-            </a:r>
+              <a:t> -1;</a:t>
+            </a:r>
+          </a:p>
+          <a:p>
             <a:r>
               <a:rPr lang="en-US" altLang="zh-TW" dirty="0">
                 <a:solidFill>
-                  <a:srgbClr val="808080"/>
-                </a:solidFill>
-                <a:latin typeface="Consolas" panose="020B0609020204030204" pitchFamily="49" charset="0"/>
-              </a:rPr>
-              <a:t>v2</a:t>
+                  <a:srgbClr val="0000FF"/>
+                </a:solidFill>
+                <a:latin typeface="Consolas" panose="020B0609020204030204" pitchFamily="49" charset="0"/>
+              </a:rPr>
+              <a:t>	return</a:t>
             </a:r>
             <a:r>
               <a:rPr lang="en-US" altLang="zh-TW" dirty="0">
-                <a:solidFill>
-                  <a:srgbClr val="000000"/>
-                </a:solidFill>
-                <a:latin typeface="Consolas" panose="020B0609020204030204" pitchFamily="49" charset="0"/>
-              </a:rPr>
-              <a:t>){</a:t>
-            </a:r>
-          </a:p>
-          <a:p>
-            <a:r>
-              <a:rPr lang="en-US" altLang="zh-TW" dirty="0" smtClean="0">
-                <a:solidFill>
-                  <a:srgbClr val="0000FF"/>
-                </a:solidFill>
-                <a:latin typeface="Consolas" panose="020B0609020204030204" pitchFamily="49" charset="0"/>
-              </a:rPr>
-              <a:t>	if</a:t>
-            </a:r>
-            <a:r>
-              <a:rPr lang="en-US" altLang="zh-TW" dirty="0" smtClean="0">
-                <a:solidFill>
-                  <a:srgbClr val="000000"/>
-                </a:solidFill>
-                <a:latin typeface="Consolas" panose="020B0609020204030204" pitchFamily="49" charset="0"/>
-              </a:rPr>
-              <a:t>(</a:t>
-            </a:r>
-            <a:r>
-              <a:rPr lang="en-US" altLang="zh-TW" dirty="0" smtClean="0">
-                <a:solidFill>
-                  <a:srgbClr val="808080"/>
-                </a:solidFill>
-                <a:latin typeface="Consolas" panose="020B0609020204030204" pitchFamily="49" charset="0"/>
-              </a:rPr>
-              <a:t>v1</a:t>
-            </a:r>
-            <a:r>
-              <a:rPr lang="en-US" altLang="zh-TW" dirty="0" smtClean="0">
-                <a:solidFill>
-                  <a:srgbClr val="000000"/>
-                </a:solidFill>
-                <a:latin typeface="Consolas" panose="020B0609020204030204" pitchFamily="49" charset="0"/>
-              </a:rPr>
-              <a:t>&lt;</a:t>
-            </a:r>
-            <a:r>
-              <a:rPr lang="en-US" altLang="zh-TW" dirty="0" smtClean="0">
-                <a:solidFill>
-                  <a:srgbClr val="808080"/>
-                </a:solidFill>
-                <a:latin typeface="Consolas" panose="020B0609020204030204" pitchFamily="49" charset="0"/>
-              </a:rPr>
-              <a:t>v2</a:t>
-            </a:r>
-            <a:r>
-              <a:rPr lang="en-US" altLang="zh-TW" dirty="0" smtClean="0">
-                <a:solidFill>
-                  <a:srgbClr val="000000"/>
-                </a:solidFill>
-                <a:latin typeface="Consolas" panose="020B0609020204030204" pitchFamily="49" charset="0"/>
-              </a:rPr>
-              <a:t>)	</a:t>
-            </a:r>
-            <a:r>
-              <a:rPr lang="en-US" altLang="zh-TW" dirty="0" smtClean="0">
-                <a:solidFill>
-                  <a:srgbClr val="0000FF"/>
-                </a:solidFill>
-                <a:latin typeface="Consolas" panose="020B0609020204030204" pitchFamily="49" charset="0"/>
-              </a:rPr>
-              <a:t>return</a:t>
-            </a:r>
-            <a:r>
-              <a:rPr lang="en-US" altLang="zh-TW" dirty="0" smtClean="0">
-                <a:solidFill>
-                  <a:srgbClr val="000000"/>
-                </a:solidFill>
-                <a:latin typeface="Consolas" panose="020B0609020204030204" pitchFamily="49" charset="0"/>
-              </a:rPr>
-              <a:t> </a:t>
-            </a:r>
-            <a:r>
-              <a:rPr lang="en-US" altLang="zh-TW" dirty="0">
-                <a:solidFill>
-                  <a:srgbClr val="000000"/>
-                </a:solidFill>
-                <a:latin typeface="Consolas" panose="020B0609020204030204" pitchFamily="49" charset="0"/>
-              </a:rPr>
-              <a:t>-1;</a:t>
-            </a:r>
-          </a:p>
-          <a:p>
-            <a:r>
-              <a:rPr lang="en-US" altLang="zh-TW" dirty="0" smtClean="0">
-                <a:solidFill>
-                  <a:srgbClr val="0000FF"/>
-                </a:solidFill>
-                <a:latin typeface="Consolas" panose="020B0609020204030204" pitchFamily="49" charset="0"/>
-              </a:rPr>
-              <a:t>	return</a:t>
-            </a:r>
-            <a:r>
-              <a:rPr lang="en-US" altLang="zh-TW" dirty="0" smtClean="0">
                 <a:solidFill>
                   <a:srgbClr val="000000"/>
                 </a:solidFill>
@@ -11082,13 +10554,6 @@
   <p:clrMapOvr>
     <a:masterClrMapping/>
   </p:clrMapOvr>
-  <p:timing>
-    <p:tnLst>
-      <p:par>
-        <p:cTn id="1" dur="indefinite" restart="never" nodeType="tmRoot"/>
-      </p:par>
-    </p:tnLst>
-  </p:timing>
 </p:sld>
 </file>
 
@@ -11128,29 +10593,29 @@
           <a:p>
             <a:pPr algn="just"/>
             <a:r>
-              <a:rPr lang="en-US" altLang="zh-TW" dirty="0" smtClean="0"/>
+              <a:rPr lang="en-US" altLang="zh-TW" dirty="0"/>
               <a:t>C++ template could help programmers write code</a:t>
             </a:r>
             <a:r>
-              <a:rPr lang="zh-TW" altLang="en-US" dirty="0" smtClean="0"/>
+              <a:rPr lang="zh-TW" altLang="en-US" dirty="0"/>
               <a:t> </a:t>
             </a:r>
             <a:r>
-              <a:rPr lang="en-US" altLang="zh-TW" dirty="0" smtClean="0"/>
+              <a:rPr lang="en-US" altLang="zh-TW" dirty="0"/>
               <a:t>once for different types</a:t>
             </a:r>
           </a:p>
           <a:p>
             <a:pPr lvl="1" algn="just"/>
             <a:r>
-              <a:rPr lang="en-US" altLang="zh-TW" dirty="0" smtClean="0"/>
+              <a:rPr lang="en-US" altLang="zh-TW" dirty="0"/>
               <a:t>You don’t have to rewrite the code just because types are different</a:t>
             </a:r>
           </a:p>
           <a:p>
             <a:pPr algn="just"/>
             <a:r>
-              <a:rPr lang="en-US" altLang="zh-TW" dirty="0" smtClean="0"/>
+              <a:rPr lang="en-US" altLang="zh-TW" dirty="0"/>
               <a:t>Three syntaxes to learn</a:t>
             </a:r>
           </a:p>
@@ -11160,7 +10625,7 @@
               <a:buAutoNum type="arabicPeriod"/>
             </a:pPr>
             <a:r>
-              <a:rPr lang="en-US" altLang="zh-TW" dirty="0" smtClean="0"/>
+              <a:rPr lang="en-US" altLang="zh-TW" dirty="0"/>
               <a:t>Template function</a:t>
             </a:r>
           </a:p>
@@ -11170,7 +10635,7 @@
               <a:buAutoNum type="arabicPeriod"/>
             </a:pPr>
             <a:r>
-              <a:rPr lang="en-US" altLang="zh-TW" dirty="0" smtClean="0"/>
+              <a:rPr lang="en-US" altLang="zh-TW" dirty="0"/>
               <a:t>Template function with parameters</a:t>
             </a:r>
           </a:p>
@@ -11180,7 +10645,7 @@
               <a:buAutoNum type="arabicPeriod"/>
             </a:pPr>
             <a:r>
-              <a:rPr lang="en-US" altLang="zh-TW" dirty="0" smtClean="0"/>
+              <a:rPr lang="en-US" altLang="zh-TW" dirty="0"/>
               <a:t>Template class</a:t>
             </a:r>
           </a:p>
@@ -11203,11 +10668,7 @@
           <a:p>
             <a:r>
               <a:rPr lang="en-US" altLang="zh-TW" dirty="0"/>
-              <a:t>T</a:t>
-            </a:r>
-            <a:r>
-              <a:rPr lang="en-US" altLang="zh-TW" dirty="0" smtClean="0"/>
-              <a:t>emplate</a:t>
+              <a:t>Template</a:t>
             </a:r>
             <a:endParaRPr lang="zh-TW" altLang="en-US" dirty="0"/>
           </a:p>
@@ -11223,13 +10684,6 @@
   <p:clrMapOvr>
     <a:masterClrMapping/>
   </p:clrMapOvr>
-  <p:timing>
-    <p:tnLst>
-      <p:par>
-        <p:cTn id="1" dur="indefinite" restart="never" nodeType="tmRoot"/>
-      </p:par>
-    </p:tnLst>
-  </p:timing>
 </p:sld>
 </file>
 
@@ -11268,7 +10722,7 @@
           <a:lstStyle/>
           <a:p>
             <a:r>
-              <a:rPr lang="en-US" altLang="zh-TW" dirty="0" smtClean="0"/>
+              <a:rPr lang="en-US" altLang="zh-TW" dirty="0"/>
               <a:t>You can define a function whose parameters are generic</a:t>
             </a:r>
           </a:p>
@@ -11277,122 +10731,57 @@
               <a:buNone/>
             </a:pPr>
             <a:r>
-              <a:rPr lang="en-US" altLang="zh-TW" dirty="0" smtClean="0"/>
+              <a:rPr lang="en-US" altLang="zh-TW" dirty="0"/>
               <a:t>	</a:t>
             </a:r>
             <a:r>
-              <a:rPr lang="en-US" altLang="zh-TW" sz="2800" dirty="0" smtClean="0">
+              <a:rPr lang="en-US" altLang="zh-TW" sz="2800" dirty="0">
                 <a:latin typeface="Courier New" panose="02070309020205020404" pitchFamily="49" charset="0"/>
                 <a:cs typeface="Courier New" panose="02070309020205020404" pitchFamily="49" charset="0"/>
               </a:rPr>
               <a:t>template &lt;class </a:t>
             </a:r>
             <a:r>
-              <a:rPr lang="en-US" altLang="zh-TW" sz="2800" dirty="0" err="1" smtClean="0">
+              <a:rPr lang="en-US" altLang="zh-TW" sz="2800" dirty="0" err="1">
                 <a:latin typeface="Courier New" panose="02070309020205020404" pitchFamily="49" charset="0"/>
                 <a:cs typeface="Courier New" panose="02070309020205020404" pitchFamily="49" charset="0"/>
               </a:rPr>
               <a:t>dt</a:t>
             </a:r>
             <a:r>
-              <a:rPr lang="en-US" altLang="zh-TW" sz="2800" dirty="0" smtClean="0">
+              <a:rPr lang="en-US" altLang="zh-TW" sz="2800" dirty="0">
                 <a:latin typeface="Courier New" panose="02070309020205020404" pitchFamily="49" charset="0"/>
                 <a:cs typeface="Courier New" panose="02070309020205020404" pitchFamily="49" charset="0"/>
               </a:rPr>
               <a:t>&gt; </a:t>
             </a:r>
             <a:r>
-              <a:rPr lang="en-US" altLang="zh-TW" sz="2800" dirty="0" err="1" smtClean="0">
+              <a:rPr lang="en-US" altLang="zh-TW" sz="2800" dirty="0" err="1">
                 <a:latin typeface="Courier New" panose="02070309020205020404" pitchFamily="49" charset="0"/>
                 <a:cs typeface="Courier New" panose="02070309020205020404" pitchFamily="49" charset="0"/>
               </a:rPr>
               <a:t>func</a:t>
             </a:r>
             <a:r>
-              <a:rPr lang="en-US" altLang="zh-TW" sz="2800" dirty="0" smtClean="0">
+              <a:rPr lang="en-US" altLang="zh-TW" sz="2800" dirty="0">
                 <a:latin typeface="Courier New" panose="02070309020205020404" pitchFamily="49" charset="0"/>
                 <a:cs typeface="Courier New" panose="02070309020205020404" pitchFamily="49" charset="0"/>
               </a:rPr>
               <a:t>(</a:t>
             </a:r>
             <a:r>
-              <a:rPr lang="en-US" altLang="zh-TW" sz="2800" dirty="0" err="1" smtClean="0">
+              <a:rPr lang="en-US" altLang="zh-TW" sz="2800" dirty="0" err="1">
                 <a:latin typeface="Courier New" panose="02070309020205020404" pitchFamily="49" charset="0"/>
                 <a:cs typeface="Courier New" panose="02070309020205020404" pitchFamily="49" charset="0"/>
               </a:rPr>
               <a:t>dt</a:t>
             </a:r>
             <a:r>
-              <a:rPr lang="en-US" altLang="zh-TW" sz="2800" dirty="0" smtClean="0">
+              <a:rPr lang="en-US" altLang="zh-TW" sz="2800" dirty="0">
                 <a:latin typeface="Courier New" panose="02070309020205020404" pitchFamily="49" charset="0"/>
                 <a:cs typeface="Courier New" panose="02070309020205020404" pitchFamily="49" charset="0"/>
               </a:rPr>
               <a:t> ...)</a:t>
-            </a:r>
-            <a:endParaRPr lang="en-US" altLang="zh-TW" dirty="0" smtClean="0">
-              <a:latin typeface="Courier New" panose="02070309020205020404" pitchFamily="49" charset="0"/>
-              <a:cs typeface="Courier New" panose="02070309020205020404" pitchFamily="49" charset="0"/>
-            </a:endParaRPr>
-          </a:p>
-          <a:p>
-            <a:pPr lvl="1"/>
-            <a:r>
-              <a:rPr lang="en-US" altLang="zh-TW" dirty="0" smtClean="0"/>
-              <a:t>Template </a:t>
-            </a:r>
-            <a:r>
-              <a:rPr lang="en-US" altLang="zh-TW" dirty="0"/>
-              <a:t>parameter list: class </a:t>
-            </a:r>
-            <a:r>
-              <a:rPr lang="en-US" altLang="zh-TW" dirty="0" smtClean="0"/>
-              <a:t>T cannot </a:t>
-            </a:r>
-            <a:r>
-              <a:rPr lang="en-US" altLang="zh-TW" dirty="0"/>
-              <a:t>be empty in </a:t>
-            </a:r>
-            <a:r>
-              <a:rPr lang="en-US" altLang="zh-TW" dirty="0" smtClean="0"/>
-              <a:t>definition</a:t>
-            </a:r>
-          </a:p>
-          <a:p>
-            <a:r>
-              <a:rPr lang="en-US" altLang="zh-TW" dirty="0" smtClean="0"/>
-              <a:t>To </a:t>
-            </a:r>
-            <a:r>
-              <a:rPr lang="en-US" altLang="zh-TW" dirty="0"/>
-              <a:t>use the function, you need to specify the data type in </a:t>
-            </a:r>
-            <a:r>
-              <a:rPr lang="en-US" altLang="zh-TW" sz="2800" dirty="0" err="1" smtClean="0">
-                <a:latin typeface="Courier New" panose="02070309020205020404" pitchFamily="49" charset="0"/>
-                <a:cs typeface="Courier New" panose="02070309020205020404" pitchFamily="49" charset="0"/>
-              </a:rPr>
-              <a:t>func</a:t>
-            </a:r>
-            <a:r>
-              <a:rPr lang="en-US" altLang="zh-TW" sz="2800" dirty="0" smtClean="0">
-                <a:latin typeface="Courier New" panose="02070309020205020404" pitchFamily="49" charset="0"/>
-                <a:cs typeface="Courier New" panose="02070309020205020404" pitchFamily="49" charset="0"/>
-              </a:rPr>
-              <a:t>&lt;</a:t>
-            </a:r>
-            <a:r>
-              <a:rPr lang="en-US" altLang="zh-TW" sz="2800" dirty="0" err="1" smtClean="0">
-                <a:latin typeface="Courier New" panose="02070309020205020404" pitchFamily="49" charset="0"/>
-                <a:cs typeface="Courier New" panose="02070309020205020404" pitchFamily="49" charset="0"/>
-              </a:rPr>
-              <a:t>specificDataType</a:t>
-            </a:r>
-            <a:r>
-              <a:rPr lang="en-US" altLang="zh-TW" sz="2800" dirty="0" smtClean="0">
-                <a:latin typeface="Courier New" panose="02070309020205020404" pitchFamily="49" charset="0"/>
-                <a:cs typeface="Courier New" panose="02070309020205020404" pitchFamily="49" charset="0"/>
-              </a:rPr>
-              <a:t>&gt;(…)</a:t>
             </a:r>
             <a:endParaRPr lang="en-US" altLang="zh-TW" dirty="0">
               <a:latin typeface="Courier New" panose="02070309020205020404" pitchFamily="49" charset="0"/>
@@ -11400,15 +10789,55 @@
             </a:endParaRPr>
           </a:p>
           <a:p>
-            <a:r>
-              <a:rPr lang="en-US" altLang="zh-TW" dirty="0" smtClean="0"/>
-              <a:t>Compiler will create different version of functions for each specified data type</a:t>
-            </a:r>
+            <a:pPr lvl="1"/>
             <a:r>
               <a:rPr lang="en-US" altLang="zh-TW" dirty="0"/>
-              <a:t>.</a:t>
-            </a:r>
-            <a:endParaRPr lang="en-US" altLang="zh-TW" dirty="0" smtClean="0"/>
+              <a:t>Template parameter list: class T cannot be empty in definition</a:t>
+            </a:r>
+          </a:p>
+          <a:p>
+            <a:r>
+              <a:rPr lang="en-US" altLang="zh-TW" dirty="0"/>
+              <a:t>To use the function, you need to specify the data type in </a:t>
+            </a:r>
+            <a:r>
+              <a:rPr lang="en-US" altLang="zh-TW" sz="2800" dirty="0" err="1">
+                <a:latin typeface="Courier New" panose="02070309020205020404" pitchFamily="49" charset="0"/>
+                <a:cs typeface="Courier New" panose="02070309020205020404" pitchFamily="49" charset="0"/>
+              </a:rPr>
+              <a:t>func</a:t>
+            </a:r>
+            <a:r>
+              <a:rPr lang="en-US" altLang="zh-TW" sz="2800" dirty="0">
+                <a:latin typeface="Courier New" panose="02070309020205020404" pitchFamily="49" charset="0"/>
+                <a:cs typeface="Courier New" panose="02070309020205020404" pitchFamily="49" charset="0"/>
+              </a:rPr>
+              <a:t>&lt;</a:t>
+            </a:r>
+            <a:r>
+              <a:rPr lang="en-US" altLang="zh-TW" sz="2800" dirty="0" err="1">
+                <a:latin typeface="Courier New" panose="02070309020205020404" pitchFamily="49" charset="0"/>
+                <a:cs typeface="Courier New" panose="02070309020205020404" pitchFamily="49" charset="0"/>
+              </a:rPr>
+              <a:t>specificDataType</a:t>
+            </a:r>
+            <a:r>
+              <a:rPr lang="en-US" altLang="zh-TW" sz="2800" dirty="0">
+                <a:latin typeface="Courier New" panose="02070309020205020404" pitchFamily="49" charset="0"/>
+                <a:cs typeface="Courier New" panose="02070309020205020404" pitchFamily="49" charset="0"/>
+              </a:rPr>
+              <a:t>&gt;(…)</a:t>
+            </a:r>
+            <a:endParaRPr lang="en-US" altLang="zh-TW" dirty="0">
+              <a:latin typeface="Courier New" panose="02070309020205020404" pitchFamily="49" charset="0"/>
+              <a:cs typeface="Courier New" panose="02070309020205020404" pitchFamily="49" charset="0"/>
+            </a:endParaRPr>
+          </a:p>
+          <a:p>
+            <a:r>
+              <a:rPr lang="en-US" altLang="zh-TW" dirty="0"/>
+              <a:t>Compiler will create different version of functions for each specified data type.</a:t>
+            </a:r>
           </a:p>
         </p:txBody>
       </p:sp>
@@ -11428,7 +10857,7 @@
           <a:lstStyle/>
           <a:p>
             <a:r>
-              <a:rPr lang="en-US" altLang="zh-TW" dirty="0" smtClean="0"/>
+              <a:rPr lang="en-US" altLang="zh-TW" dirty="0"/>
               <a:t>Template function</a:t>
             </a:r>
             <a:endParaRPr lang="zh-TW" altLang="en-US" dirty="0"/>
@@ -11445,13 +10874,6 @@
   <p:clrMapOvr>
     <a:masterClrMapping/>
   </p:clrMapOvr>
-  <p:timing>
-    <p:tnLst>
-      <p:par>
-        <p:cTn id="1" dur="indefinite" restart="never" nodeType="tmRoot"/>
-      </p:par>
-    </p:tnLst>
-  </p:timing>
 </p:sld>
 </file>
 
@@ -11488,7 +10910,7 @@
           <a:lstStyle/>
           <a:p>
             <a:r>
-              <a:rPr lang="en-US" altLang="zh-TW" dirty="0" smtClean="0"/>
+              <a:rPr lang="en-US" altLang="zh-TW" dirty="0"/>
               <a:t>Example: Compare</a:t>
             </a:r>
             <a:endParaRPr lang="zh-TW" altLang="en-US" dirty="0"/>
@@ -11590,12 +11012,62 @@
           </a:p>
           <a:p>
             <a:r>
-              <a:rPr lang="en-US" altLang="zh-TW" sz="2400" dirty="0" smtClean="0">
+              <a:rPr lang="en-US" altLang="zh-TW" sz="2400" dirty="0">
                 <a:latin typeface="Courier New" panose="02070309020205020404" pitchFamily="49" charset="0"/>
                 <a:cs typeface="Courier New" panose="02070309020205020404" pitchFamily="49" charset="0"/>
               </a:rPr>
               <a:t>}</a:t>
             </a:r>
+          </a:p>
+          <a:p>
+            <a:r>
+              <a:rPr lang="en-US" altLang="zh-TW" sz="2400" dirty="0" err="1">
+                <a:latin typeface="Courier New" panose="02070309020205020404" pitchFamily="49" charset="0"/>
+                <a:cs typeface="Courier New" panose="02070309020205020404" pitchFamily="49" charset="0"/>
+              </a:rPr>
+              <a:t>int</a:t>
+            </a:r>
+            <a:r>
+              <a:rPr lang="en-US" altLang="zh-TW" sz="2400" dirty="0">
+                <a:latin typeface="Courier New" panose="02070309020205020404" pitchFamily="49" charset="0"/>
+                <a:cs typeface="Courier New" panose="02070309020205020404" pitchFamily="49" charset="0"/>
+              </a:rPr>
+              <a:t> main(){</a:t>
+            </a:r>
+          </a:p>
+          <a:p>
+            <a:r>
+              <a:rPr lang="en-US" altLang="zh-TW" sz="2400" dirty="0">
+                <a:latin typeface="Courier New" panose="02070309020205020404" pitchFamily="49" charset="0"/>
+                <a:cs typeface="Courier New" panose="02070309020205020404" pitchFamily="49" charset="0"/>
+              </a:rPr>
+              <a:t>    </a:t>
+            </a:r>
+            <a:r>
+              <a:rPr lang="en-US" altLang="zh-TW" sz="2400" dirty="0" err="1">
+                <a:latin typeface="Courier New" panose="02070309020205020404" pitchFamily="49" charset="0"/>
+                <a:cs typeface="Courier New" panose="02070309020205020404" pitchFamily="49" charset="0"/>
+              </a:rPr>
+              <a:t>int</a:t>
+            </a:r>
+            <a:r>
+              <a:rPr lang="en-US" altLang="zh-TW" sz="2400" dirty="0">
+                <a:latin typeface="Courier New" panose="02070309020205020404" pitchFamily="49" charset="0"/>
+                <a:cs typeface="Courier New" panose="02070309020205020404" pitchFamily="49" charset="0"/>
+              </a:rPr>
+              <a:t> a = 2, b = 4;</a:t>
+            </a:r>
+          </a:p>
+          <a:p>
+            <a:r>
+              <a:rPr lang="en-US" altLang="zh-TW" sz="2400" dirty="0">
+                <a:latin typeface="Courier New" panose="02070309020205020404" pitchFamily="49" charset="0"/>
+                <a:cs typeface="Courier New" panose="02070309020205020404" pitchFamily="49" charset="0"/>
+              </a:rPr>
+              <a:t>    char c = 'a', d = 'Z';</a:t>
+            </a:r>
+          </a:p>
+          <a:p>
             <a:endParaRPr lang="en-US" altLang="zh-TW" sz="2400" dirty="0">
               <a:latin typeface="Courier New" panose="02070309020205020404" pitchFamily="49" charset="0"/>
               <a:cs typeface="Courier New" panose="02070309020205020404" pitchFamily="49" charset="0"/>
@@ -11603,18 +11075,76 @@
           </a:p>
           <a:p>
             <a:r>
+              <a:rPr lang="en-US" altLang="zh-TW" sz="2400" dirty="0">
+                <a:latin typeface="Courier New" panose="02070309020205020404" pitchFamily="49" charset="0"/>
+                <a:cs typeface="Courier New" panose="02070309020205020404" pitchFamily="49" charset="0"/>
+              </a:rPr>
+              <a:t>    </a:t>
+            </a:r>
+            <a:r>
               <a:rPr lang="en-US" altLang="zh-TW" sz="2400" dirty="0" err="1">
                 <a:latin typeface="Courier New" panose="02070309020205020404" pitchFamily="49" charset="0"/>
                 <a:cs typeface="Courier New" panose="02070309020205020404" pitchFamily="49" charset="0"/>
               </a:rPr>
+              <a:t>cout</a:t>
+            </a:r>
+            <a:r>
+              <a:rPr lang="en-US" altLang="zh-TW" sz="2400" dirty="0">
+                <a:latin typeface="Courier New" panose="02070309020205020404" pitchFamily="49" charset="0"/>
+                <a:cs typeface="Courier New" panose="02070309020205020404" pitchFamily="49" charset="0"/>
+              </a:rPr>
+              <a:t> &lt;&lt; </a:t>
+            </a:r>
+            <a:r>
+              <a:rPr lang="en-US" altLang="zh-TW" sz="2400" dirty="0">
+                <a:solidFill>
+                  <a:srgbClr val="FF0000"/>
+                </a:solidFill>
+                <a:latin typeface="Courier New" panose="02070309020205020404" pitchFamily="49" charset="0"/>
+                <a:cs typeface="Courier New" panose="02070309020205020404" pitchFamily="49" charset="0"/>
+              </a:rPr>
+              <a:t>compare&lt;</a:t>
+            </a:r>
+            <a:r>
+              <a:rPr lang="en-US" altLang="zh-TW" sz="2400" dirty="0" err="1">
+                <a:solidFill>
+                  <a:srgbClr val="FF0000"/>
+                </a:solidFill>
+                <a:latin typeface="Courier New" panose="02070309020205020404" pitchFamily="49" charset="0"/>
+                <a:cs typeface="Courier New" panose="02070309020205020404" pitchFamily="49" charset="0"/>
+              </a:rPr>
               <a:t>int</a:t>
             </a:r>
             <a:r>
               <a:rPr lang="en-US" altLang="zh-TW" sz="2400" dirty="0">
-                <a:latin typeface="Courier New" panose="02070309020205020404" pitchFamily="49" charset="0"/>
-                <a:cs typeface="Courier New" panose="02070309020205020404" pitchFamily="49" charset="0"/>
-              </a:rPr>
-              <a:t> main(){</a:t>
+                <a:solidFill>
+                  <a:srgbClr val="FF0000"/>
+                </a:solidFill>
+                <a:latin typeface="Courier New" panose="02070309020205020404" pitchFamily="49" charset="0"/>
+                <a:cs typeface="Courier New" panose="02070309020205020404" pitchFamily="49" charset="0"/>
+              </a:rPr>
+              <a:t>&gt;(a, b) </a:t>
+            </a:r>
+            <a:r>
+              <a:rPr lang="en-US" altLang="zh-TW" sz="2400" dirty="0">
+                <a:latin typeface="Courier New" panose="02070309020205020404" pitchFamily="49" charset="0"/>
+                <a:cs typeface="Courier New" panose="02070309020205020404" pitchFamily="49" charset="0"/>
+              </a:rPr>
+              <a:t>&lt;&lt; </a:t>
+            </a:r>
+            <a:r>
+              <a:rPr lang="en-US" altLang="zh-TW" sz="2400" dirty="0" err="1">
+                <a:latin typeface="Courier New" panose="02070309020205020404" pitchFamily="49" charset="0"/>
+                <a:cs typeface="Courier New" panose="02070309020205020404" pitchFamily="49" charset="0"/>
+              </a:rPr>
+              <a:t>endl</a:t>
+            </a:r>
+            <a:r>
+              <a:rPr lang="en-US" altLang="zh-TW" sz="2400" dirty="0">
+                <a:latin typeface="Courier New" panose="02070309020205020404" pitchFamily="49" charset="0"/>
+                <a:cs typeface="Courier New" panose="02070309020205020404" pitchFamily="49" charset="0"/>
+              </a:rPr>
+              <a:t>;</a:t>
             </a:r>
           </a:p>
           <a:p>
@@ -11630,95 +11160,37 @@
                 <a:latin typeface="Courier New" panose="02070309020205020404" pitchFamily="49" charset="0"/>
                 <a:cs typeface="Courier New" panose="02070309020205020404" pitchFamily="49" charset="0"/>
               </a:rPr>
-              <a:t>int</a:t>
-            </a:r>
-            <a:r>
-              <a:rPr lang="en-US" altLang="zh-TW" sz="2400" dirty="0">
-                <a:latin typeface="Courier New" panose="02070309020205020404" pitchFamily="49" charset="0"/>
-                <a:cs typeface="Courier New" panose="02070309020205020404" pitchFamily="49" charset="0"/>
-              </a:rPr>
-              <a:t> a = 2, b = 4;</a:t>
-            </a:r>
-          </a:p>
-          <a:p>
-            <a:r>
-              <a:rPr lang="en-US" altLang="zh-TW" sz="2400" dirty="0">
-                <a:latin typeface="Courier New" panose="02070309020205020404" pitchFamily="49" charset="0"/>
-                <a:cs typeface="Courier New" panose="02070309020205020404" pitchFamily="49" charset="0"/>
-              </a:rPr>
-              <a:t>    char c = 'a', d = 'Z';</a:t>
-            </a:r>
-          </a:p>
-          <a:p>
-            <a:endParaRPr lang="en-US" altLang="zh-TW" sz="2400" dirty="0">
-              <a:latin typeface="Courier New" panose="02070309020205020404" pitchFamily="49" charset="0"/>
-              <a:cs typeface="Courier New" panose="02070309020205020404" pitchFamily="49" charset="0"/>
-            </a:endParaRPr>
-          </a:p>
-          <a:p>
-            <a:r>
-              <a:rPr lang="en-US" altLang="zh-TW" sz="2400" dirty="0">
-                <a:latin typeface="Courier New" panose="02070309020205020404" pitchFamily="49" charset="0"/>
-                <a:cs typeface="Courier New" panose="02070309020205020404" pitchFamily="49" charset="0"/>
-              </a:rPr>
-              <a:t>    </a:t>
+              <a:t>cout</a:t>
+            </a:r>
+            <a:r>
+              <a:rPr lang="en-US" altLang="zh-TW" sz="2400" dirty="0">
+                <a:latin typeface="Courier New" panose="02070309020205020404" pitchFamily="49" charset="0"/>
+                <a:cs typeface="Courier New" panose="02070309020205020404" pitchFamily="49" charset="0"/>
+              </a:rPr>
+              <a:t> &lt;&lt; </a:t>
+            </a:r>
+            <a:r>
+              <a:rPr lang="en-US" altLang="zh-TW" sz="2400" dirty="0">
+                <a:solidFill>
+                  <a:srgbClr val="FF0000"/>
+                </a:solidFill>
+                <a:latin typeface="Courier New" panose="02070309020205020404" pitchFamily="49" charset="0"/>
+                <a:cs typeface="Courier New" panose="02070309020205020404" pitchFamily="49" charset="0"/>
+              </a:rPr>
+              <a:t>compare&lt;char&gt;(c, d) </a:t>
+            </a:r>
+            <a:r>
+              <a:rPr lang="en-US" altLang="zh-TW" sz="2400" dirty="0">
+                <a:latin typeface="Courier New" panose="02070309020205020404" pitchFamily="49" charset="0"/>
+                <a:cs typeface="Courier New" panose="02070309020205020404" pitchFamily="49" charset="0"/>
+              </a:rPr>
+              <a:t>&lt;&lt; </a:t>
             </a:r>
             <a:r>
               <a:rPr lang="en-US" altLang="zh-TW" sz="2400" dirty="0" err="1">
                 <a:latin typeface="Courier New" panose="02070309020205020404" pitchFamily="49" charset="0"/>
                 <a:cs typeface="Courier New" panose="02070309020205020404" pitchFamily="49" charset="0"/>
               </a:rPr>
-              <a:t>cout</a:t>
-            </a:r>
-            <a:r>
-              <a:rPr lang="en-US" altLang="zh-TW" sz="2400" dirty="0">
-                <a:latin typeface="Courier New" panose="02070309020205020404" pitchFamily="49" charset="0"/>
-                <a:cs typeface="Courier New" panose="02070309020205020404" pitchFamily="49" charset="0"/>
-              </a:rPr>
-              <a:t> &lt;&lt; </a:t>
-            </a:r>
-            <a:r>
-              <a:rPr lang="en-US" altLang="zh-TW" sz="2400" dirty="0">
-                <a:solidFill>
-                  <a:srgbClr val="FF0000"/>
-                </a:solidFill>
-                <a:latin typeface="Courier New" panose="02070309020205020404" pitchFamily="49" charset="0"/>
-                <a:cs typeface="Courier New" panose="02070309020205020404" pitchFamily="49" charset="0"/>
-              </a:rPr>
-              <a:t>compare&lt;</a:t>
-            </a:r>
-            <a:r>
-              <a:rPr lang="en-US" altLang="zh-TW" sz="2400" dirty="0" err="1">
-                <a:solidFill>
-                  <a:srgbClr val="FF0000"/>
-                </a:solidFill>
-                <a:latin typeface="Courier New" panose="02070309020205020404" pitchFamily="49" charset="0"/>
-                <a:cs typeface="Courier New" panose="02070309020205020404" pitchFamily="49" charset="0"/>
-              </a:rPr>
-              <a:t>int</a:t>
-            </a:r>
-            <a:r>
-              <a:rPr lang="en-US" altLang="zh-TW" sz="2400" dirty="0">
-                <a:solidFill>
-                  <a:srgbClr val="FF0000"/>
-                </a:solidFill>
-                <a:latin typeface="Courier New" panose="02070309020205020404" pitchFamily="49" charset="0"/>
-                <a:cs typeface="Courier New" panose="02070309020205020404" pitchFamily="49" charset="0"/>
-              </a:rPr>
-              <a:t>&gt;(a, b) </a:t>
-            </a:r>
-            <a:r>
-              <a:rPr lang="en-US" altLang="zh-TW" sz="2400" dirty="0">
-                <a:latin typeface="Courier New" panose="02070309020205020404" pitchFamily="49" charset="0"/>
-                <a:cs typeface="Courier New" panose="02070309020205020404" pitchFamily="49" charset="0"/>
-              </a:rPr>
-              <a:t>&lt;&lt; </a:t>
-            </a:r>
-            <a:r>
-              <a:rPr lang="en-US" altLang="zh-TW" sz="2400" dirty="0" err="1">
-                <a:latin typeface="Courier New" panose="02070309020205020404" pitchFamily="49" charset="0"/>
-                <a:cs typeface="Courier New" panose="02070309020205020404" pitchFamily="49" charset="0"/>
-              </a:rPr>
               <a:t>endl</a:t>
             </a:r>
             <a:r>
@@ -11728,64 +11200,6 @@
               </a:rPr>
               <a:t>;</a:t>
             </a:r>
-          </a:p>
-          <a:p>
-            <a:r>
-              <a:rPr lang="en-US" altLang="zh-TW" sz="2400" dirty="0">
-                <a:latin typeface="Courier New" panose="02070309020205020404" pitchFamily="49" charset="0"/>
-                <a:cs typeface="Courier New" panose="02070309020205020404" pitchFamily="49" charset="0"/>
-              </a:rPr>
-              <a:t>    </a:t>
-            </a:r>
-            <a:r>
-              <a:rPr lang="en-US" altLang="zh-TW" sz="2400" dirty="0" err="1">
-                <a:latin typeface="Courier New" panose="02070309020205020404" pitchFamily="49" charset="0"/>
-                <a:cs typeface="Courier New" panose="02070309020205020404" pitchFamily="49" charset="0"/>
-              </a:rPr>
-              <a:t>cout</a:t>
-            </a:r>
-            <a:r>
-              <a:rPr lang="en-US" altLang="zh-TW" sz="2400" dirty="0">
-                <a:latin typeface="Courier New" panose="02070309020205020404" pitchFamily="49" charset="0"/>
-                <a:cs typeface="Courier New" panose="02070309020205020404" pitchFamily="49" charset="0"/>
-              </a:rPr>
-              <a:t> &lt;&lt; </a:t>
-            </a:r>
-            <a:r>
-              <a:rPr lang="en-US" altLang="zh-TW" sz="2400" dirty="0">
-                <a:solidFill>
-                  <a:srgbClr val="FF0000"/>
-                </a:solidFill>
-                <a:latin typeface="Courier New" panose="02070309020205020404" pitchFamily="49" charset="0"/>
-                <a:cs typeface="Courier New" panose="02070309020205020404" pitchFamily="49" charset="0"/>
-              </a:rPr>
-              <a:t>compare&lt;char&gt;(c, d) </a:t>
-            </a:r>
-            <a:r>
-              <a:rPr lang="en-US" altLang="zh-TW" sz="2400" dirty="0">
-                <a:latin typeface="Courier New" panose="02070309020205020404" pitchFamily="49" charset="0"/>
-                <a:cs typeface="Courier New" panose="02070309020205020404" pitchFamily="49" charset="0"/>
-              </a:rPr>
-              <a:t>&lt;&lt; </a:t>
-            </a:r>
-            <a:r>
-              <a:rPr lang="en-US" altLang="zh-TW" sz="2400" dirty="0" err="1">
-                <a:latin typeface="Courier New" panose="02070309020205020404" pitchFamily="49" charset="0"/>
-                <a:cs typeface="Courier New" panose="02070309020205020404" pitchFamily="49" charset="0"/>
-              </a:rPr>
-              <a:t>endl</a:t>
-            </a:r>
-            <a:r>
-              <a:rPr lang="en-US" altLang="zh-TW" sz="2400" dirty="0" smtClean="0">
-                <a:latin typeface="Courier New" panose="02070309020205020404" pitchFamily="49" charset="0"/>
-                <a:cs typeface="Courier New" panose="02070309020205020404" pitchFamily="49" charset="0"/>
-              </a:rPr>
-              <a:t>;</a:t>
-            </a:r>
-            <a:endParaRPr lang="en-US" altLang="zh-TW" sz="2400" dirty="0">
-              <a:latin typeface="Courier New" panose="02070309020205020404" pitchFamily="49" charset="0"/>
-              <a:cs typeface="Courier New" panose="02070309020205020404" pitchFamily="49" charset="0"/>
-            </a:endParaRPr>
           </a:p>
           <a:p>
             <a:r>
@@ -11821,13 +11235,6 @@
   <p:clrMapOvr>
     <a:masterClrMapping/>
   </p:clrMapOvr>
-  <p:timing>
-    <p:tnLst>
-      <p:par>
-        <p:cTn id="1" dur="indefinite" restart="never" nodeType="tmRoot"/>
-      </p:par>
-    </p:tnLst>
-  </p:timing>
 </p:sld>
 </file>
 
@@ -11864,14 +11271,14 @@
           <a:lstStyle/>
           <a:p>
             <a:r>
-              <a:rPr lang="en-US" altLang="zh-TW" dirty="0" smtClean="0"/>
+              <a:rPr lang="en-US" altLang="zh-TW" dirty="0"/>
               <a:t>You can add parameters for the template definition.</a:t>
             </a:r>
           </a:p>
           <a:p>
             <a:pPr lvl="1"/>
             <a:r>
-              <a:rPr lang="en-US" altLang="zh-TW" dirty="0" smtClean="0"/>
+              <a:rPr lang="en-US" altLang="zh-TW" dirty="0"/>
               <a:t>Which are usually useful for array typed data </a:t>
             </a:r>
           </a:p>
@@ -11893,7 +11300,7 @@
           <a:lstStyle/>
           <a:p>
             <a:r>
-              <a:rPr lang="en-US" altLang="zh-TW" dirty="0" smtClean="0"/>
+              <a:rPr lang="en-US" altLang="zh-TW" dirty="0"/>
               <a:t>Template with parameter</a:t>
             </a:r>
             <a:endParaRPr lang="zh-TW" altLang="en-US" dirty="0"/>
@@ -11929,38 +11336,211 @@
                 <a:latin typeface="Courier New" panose="02070309020205020404" pitchFamily="49" charset="0"/>
                 <a:cs typeface="Courier New" panose="02070309020205020404" pitchFamily="49" charset="0"/>
               </a:rPr>
-              <a:t>template&lt;class T</a:t>
-            </a:r>
-            <a:r>
-              <a:rPr lang="en-US" altLang="zh-TW" sz="2400" b="1" dirty="0" smtClean="0">
+              <a:t>template&lt;class T, </a:t>
+            </a:r>
+            <a:r>
+              <a:rPr lang="en-US" altLang="zh-TW" sz="2400" b="1" dirty="0" err="1">
                 <a:solidFill>
                   <a:srgbClr val="FF0000"/>
                 </a:solidFill>
                 <a:latin typeface="Courier New" panose="02070309020205020404" pitchFamily="49" charset="0"/>
                 <a:cs typeface="Courier New" panose="02070309020205020404" pitchFamily="49" charset="0"/>
               </a:rPr>
-              <a:t>, </a:t>
-            </a:r>
-            <a:r>
-              <a:rPr lang="en-US" altLang="zh-TW" sz="2400" b="1" dirty="0" err="1" smtClean="0">
+              <a:t>int</a:t>
+            </a:r>
+            <a:r>
+              <a:rPr lang="en-US" altLang="zh-TW" sz="2400" b="1" dirty="0">
                 <a:solidFill>
                   <a:srgbClr val="FF0000"/>
                 </a:solidFill>
                 <a:latin typeface="Courier New" panose="02070309020205020404" pitchFamily="49" charset="0"/>
                 <a:cs typeface="Courier New" panose="02070309020205020404" pitchFamily="49" charset="0"/>
               </a:rPr>
+              <a:t> Size&gt; </a:t>
+            </a:r>
+            <a:br>
+              <a:rPr lang="en-US" altLang="zh-TW" sz="2400" b="1" dirty="0">
+                <a:solidFill>
+                  <a:srgbClr val="FF0000"/>
+                </a:solidFill>
+                <a:latin typeface="Courier New" panose="02070309020205020404" pitchFamily="49" charset="0"/>
+                <a:cs typeface="Courier New" panose="02070309020205020404" pitchFamily="49" charset="0"/>
+              </a:rPr>
+            </a:br>
+            <a:r>
+              <a:rPr lang="en-US" altLang="zh-TW" sz="2400" dirty="0">
+                <a:solidFill>
+                  <a:srgbClr val="000000"/>
+                </a:solidFill>
+                <a:latin typeface="Courier New" panose="02070309020205020404" pitchFamily="49" charset="0"/>
+                <a:cs typeface="Courier New" panose="02070309020205020404" pitchFamily="49" charset="0"/>
+              </a:rPr>
+              <a:t>void print(T t){</a:t>
+            </a:r>
+            <a:br>
+              <a:rPr lang="en-US" altLang="zh-TW" sz="2400" dirty="0">
+                <a:latin typeface="Courier New" panose="02070309020205020404" pitchFamily="49" charset="0"/>
+                <a:cs typeface="Courier New" panose="02070309020205020404" pitchFamily="49" charset="0"/>
+              </a:rPr>
+            </a:br>
+            <a:r>
+              <a:rPr lang="en-US" altLang="zh-TW" sz="2400" dirty="0">
+                <a:latin typeface="Courier New" panose="02070309020205020404" pitchFamily="49" charset="0"/>
+                <a:cs typeface="Courier New" panose="02070309020205020404" pitchFamily="49" charset="0"/>
+              </a:rPr>
+              <a:t>    </a:t>
+            </a:r>
+            <a:r>
+              <a:rPr lang="en-US" altLang="zh-TW" sz="2400" dirty="0" err="1">
+                <a:solidFill>
+                  <a:srgbClr val="000000"/>
+                </a:solidFill>
+                <a:latin typeface="Courier New" panose="02070309020205020404" pitchFamily="49" charset="0"/>
+                <a:cs typeface="Courier New" panose="02070309020205020404" pitchFamily="49" charset="0"/>
+              </a:rPr>
+              <a:t>cout</a:t>
+            </a:r>
+            <a:r>
+              <a:rPr lang="en-US" altLang="zh-TW" sz="2400" dirty="0">
+                <a:solidFill>
+                  <a:srgbClr val="000000"/>
+                </a:solidFill>
+                <a:latin typeface="Courier New" panose="02070309020205020404" pitchFamily="49" charset="0"/>
+                <a:cs typeface="Courier New" panose="02070309020205020404" pitchFamily="49" charset="0"/>
+              </a:rPr>
+              <a:t>&lt;&lt;t&lt;&lt;":"&lt;&lt;</a:t>
+            </a:r>
+            <a:r>
+              <a:rPr lang="en-US" altLang="zh-TW" sz="2400" b="1" dirty="0">
+                <a:solidFill>
+                  <a:srgbClr val="FF0000"/>
+                </a:solidFill>
+                <a:latin typeface="Courier New" panose="02070309020205020404" pitchFamily="49" charset="0"/>
+                <a:cs typeface="Courier New" panose="02070309020205020404" pitchFamily="49" charset="0"/>
+              </a:rPr>
+              <a:t>Size</a:t>
+            </a:r>
+            <a:r>
+              <a:rPr lang="en-US" altLang="zh-TW" sz="2400" dirty="0">
+                <a:solidFill>
+                  <a:srgbClr val="000000"/>
+                </a:solidFill>
+                <a:latin typeface="Courier New" panose="02070309020205020404" pitchFamily="49" charset="0"/>
+                <a:cs typeface="Courier New" panose="02070309020205020404" pitchFamily="49" charset="0"/>
+              </a:rPr>
+              <a:t>&lt;&lt;</a:t>
+            </a:r>
+            <a:r>
+              <a:rPr lang="en-US" altLang="zh-TW" sz="2400" dirty="0" err="1">
+                <a:solidFill>
+                  <a:srgbClr val="000000"/>
+                </a:solidFill>
+                <a:latin typeface="Courier New" panose="02070309020205020404" pitchFamily="49" charset="0"/>
+                <a:cs typeface="Courier New" panose="02070309020205020404" pitchFamily="49" charset="0"/>
+              </a:rPr>
+              <a:t>endl</a:t>
+            </a:r>
+            <a:r>
+              <a:rPr lang="en-US" altLang="zh-TW" sz="2400" dirty="0">
+                <a:solidFill>
+                  <a:srgbClr val="000000"/>
+                </a:solidFill>
+                <a:latin typeface="Courier New" panose="02070309020205020404" pitchFamily="49" charset="0"/>
+                <a:cs typeface="Courier New" panose="02070309020205020404" pitchFamily="49" charset="0"/>
+              </a:rPr>
+              <a:t>;</a:t>
+            </a:r>
+            <a:br>
+              <a:rPr lang="en-US" altLang="zh-TW" sz="2400" dirty="0">
+                <a:latin typeface="Courier New" panose="02070309020205020404" pitchFamily="49" charset="0"/>
+                <a:cs typeface="Courier New" panose="02070309020205020404" pitchFamily="49" charset="0"/>
+              </a:rPr>
+            </a:br>
+            <a:r>
+              <a:rPr lang="en-US" altLang="zh-TW" sz="2400" dirty="0">
+                <a:solidFill>
+                  <a:srgbClr val="000000"/>
+                </a:solidFill>
+                <a:latin typeface="Courier New" panose="02070309020205020404" pitchFamily="49" charset="0"/>
+                <a:cs typeface="Courier New" panose="02070309020205020404" pitchFamily="49" charset="0"/>
+              </a:rPr>
+              <a:t>}</a:t>
+            </a:r>
+          </a:p>
+          <a:p>
+            <a:r>
+              <a:rPr lang="en-US" altLang="zh-TW" sz="2400" dirty="0" err="1">
+                <a:latin typeface="Courier New" panose="02070309020205020404" pitchFamily="49" charset="0"/>
+                <a:cs typeface="Courier New" panose="02070309020205020404" pitchFamily="49" charset="0"/>
+              </a:rPr>
               <a:t>int</a:t>
             </a:r>
             <a:r>
-              <a:rPr lang="en-US" altLang="zh-TW" sz="2400" b="1" dirty="0" smtClean="0">
+              <a:rPr lang="en-US" altLang="zh-TW" sz="2400" dirty="0">
+                <a:latin typeface="Courier New" panose="02070309020205020404" pitchFamily="49" charset="0"/>
+                <a:cs typeface="Courier New" panose="02070309020205020404" pitchFamily="49" charset="0"/>
+              </a:rPr>
+              <a:t> main() {</a:t>
+            </a:r>
+            <a:br>
+              <a:rPr lang="en-US" altLang="zh-TW" sz="2400" dirty="0">
+                <a:latin typeface="Courier New" panose="02070309020205020404" pitchFamily="49" charset="0"/>
+                <a:cs typeface="Courier New" panose="02070309020205020404" pitchFamily="49" charset="0"/>
+              </a:rPr>
+            </a:br>
+            <a:r>
+              <a:rPr lang="en-US" altLang="zh-TW" sz="2400" dirty="0">
+                <a:latin typeface="Courier New" panose="02070309020205020404" pitchFamily="49" charset="0"/>
+                <a:cs typeface="Courier New" panose="02070309020205020404" pitchFamily="49" charset="0"/>
+              </a:rPr>
+              <a:t>    </a:t>
+            </a:r>
+            <a:r>
+              <a:rPr lang="en-US" altLang="zh-TW" sz="2400" dirty="0" err="1">
+                <a:latin typeface="Courier New" panose="02070309020205020404" pitchFamily="49" charset="0"/>
+                <a:cs typeface="Courier New" panose="02070309020205020404" pitchFamily="49" charset="0"/>
+              </a:rPr>
+              <a:t>int</a:t>
+            </a:r>
+            <a:r>
+              <a:rPr lang="en-US" altLang="zh-TW" sz="2400" dirty="0">
+                <a:latin typeface="Courier New" panose="02070309020205020404" pitchFamily="49" charset="0"/>
+                <a:cs typeface="Courier New" panose="02070309020205020404" pitchFamily="49" charset="0"/>
+              </a:rPr>
+              <a:t> data=100;</a:t>
+            </a:r>
+            <a:br>
+              <a:rPr lang="en-US" altLang="zh-TW" sz="2400" dirty="0">
+                <a:latin typeface="Courier New" panose="02070309020205020404" pitchFamily="49" charset="0"/>
+                <a:cs typeface="Courier New" panose="02070309020205020404" pitchFamily="49" charset="0"/>
+              </a:rPr>
+            </a:br>
+            <a:r>
+              <a:rPr lang="en-US" altLang="zh-TW" sz="2400" dirty="0">
+                <a:latin typeface="Courier New" panose="02070309020205020404" pitchFamily="49" charset="0"/>
+                <a:cs typeface="Courier New" panose="02070309020205020404" pitchFamily="49" charset="0"/>
+              </a:rPr>
+              <a:t>    </a:t>
+            </a:r>
+            <a:r>
+              <a:rPr lang="en-US" altLang="zh-TW" sz="2400" b="1" dirty="0">
                 <a:solidFill>
                   <a:srgbClr val="FF0000"/>
                 </a:solidFill>
                 <a:latin typeface="Courier New" panose="02070309020205020404" pitchFamily="49" charset="0"/>
                 <a:cs typeface="Courier New" panose="02070309020205020404" pitchFamily="49" charset="0"/>
               </a:rPr>
-              <a:t> </a:t>
-            </a:r>
+              <a:t>print&lt;int,32767&gt;</a:t>
+            </a:r>
+            <a:r>
+              <a:rPr lang="en-US" altLang="zh-TW" sz="2400" dirty="0">
+                <a:latin typeface="Courier New" panose="02070309020205020404" pitchFamily="49" charset="0"/>
+                <a:cs typeface="Courier New" panose="02070309020205020404" pitchFamily="49" charset="0"/>
+              </a:rPr>
+              <a:t>(data);</a:t>
+            </a:r>
+          </a:p>
+          <a:p>
             <a:r>
               <a:rPr lang="en-US" altLang="zh-TW" sz="2400" b="1" dirty="0">
                 <a:solidFill>
@@ -11969,305 +11549,23 @@
                 <a:latin typeface="Courier New" panose="02070309020205020404" pitchFamily="49" charset="0"/>
                 <a:cs typeface="Courier New" panose="02070309020205020404" pitchFamily="49" charset="0"/>
               </a:rPr>
-              <a:t>Size&gt; </a:t>
-            </a:r>
-            <a:r>
-              <a:rPr lang="en-US" altLang="zh-TW" sz="2400" b="1" dirty="0" smtClean="0">
-                <a:solidFill>
-                  <a:srgbClr val="FF0000"/>
-                </a:solidFill>
-                <a:latin typeface="Courier New" panose="02070309020205020404" pitchFamily="49" charset="0"/>
-                <a:cs typeface="Courier New" panose="02070309020205020404" pitchFamily="49" charset="0"/>
-              </a:rPr>
-              <a:t/>
+              <a:t>    print&lt;int,1&gt;</a:t>
+            </a:r>
+            <a:r>
+              <a:rPr lang="en-US" altLang="zh-TW" sz="2400" dirty="0">
+                <a:latin typeface="Courier New" panose="02070309020205020404" pitchFamily="49" charset="0"/>
+                <a:cs typeface="Courier New" panose="02070309020205020404" pitchFamily="49" charset="0"/>
+              </a:rPr>
+              <a:t>(data);</a:t>
             </a:r>
             <a:br>
-              <a:rPr lang="en-US" altLang="zh-TW" sz="2400" b="1" dirty="0" smtClean="0">
-                <a:solidFill>
-                  <a:srgbClr val="FF0000"/>
-                </a:solidFill>
+              <a:rPr lang="en-US" altLang="zh-TW" sz="2400" dirty="0">
                 <a:latin typeface="Courier New" panose="02070309020205020404" pitchFamily="49" charset="0"/>
                 <a:cs typeface="Courier New" panose="02070309020205020404" pitchFamily="49" charset="0"/>
               </a:rPr>
             </a:br>
             <a:r>
-              <a:rPr lang="en-US" altLang="zh-TW" sz="2400" dirty="0" smtClean="0">
-                <a:solidFill>
-                  <a:srgbClr val="000000"/>
-                </a:solidFill>
-                <a:latin typeface="Courier New" panose="02070309020205020404" pitchFamily="49" charset="0"/>
-                <a:cs typeface="Courier New" panose="02070309020205020404" pitchFamily="49" charset="0"/>
-              </a:rPr>
-              <a:t>void </a:t>
-            </a:r>
-            <a:r>
-              <a:rPr lang="en-US" altLang="zh-TW" sz="2400" dirty="0">
-                <a:solidFill>
-                  <a:srgbClr val="000000"/>
-                </a:solidFill>
-                <a:latin typeface="Courier New" panose="02070309020205020404" pitchFamily="49" charset="0"/>
-                <a:cs typeface="Courier New" panose="02070309020205020404" pitchFamily="49" charset="0"/>
-              </a:rPr>
-              <a:t>print(T t</a:t>
-            </a:r>
-            <a:r>
-              <a:rPr lang="en-US" altLang="zh-TW" sz="2400" dirty="0" smtClean="0">
-                <a:solidFill>
-                  <a:srgbClr val="000000"/>
-                </a:solidFill>
-                <a:latin typeface="Courier New" panose="02070309020205020404" pitchFamily="49" charset="0"/>
-                <a:cs typeface="Courier New" panose="02070309020205020404" pitchFamily="49" charset="0"/>
-              </a:rPr>
-              <a:t>){</a:t>
-            </a:r>
-            <a:r>
-              <a:rPr lang="en-US" altLang="zh-TW" sz="2400" dirty="0">
-                <a:latin typeface="Courier New" panose="02070309020205020404" pitchFamily="49" charset="0"/>
-                <a:cs typeface="Courier New" panose="02070309020205020404" pitchFamily="49" charset="0"/>
-              </a:rPr>
-              <a:t/>
-            </a:r>
-            <a:br>
-              <a:rPr lang="en-US" altLang="zh-TW" sz="2400" dirty="0">
-                <a:latin typeface="Courier New" panose="02070309020205020404" pitchFamily="49" charset="0"/>
-                <a:cs typeface="Courier New" panose="02070309020205020404" pitchFamily="49" charset="0"/>
-              </a:rPr>
-            </a:br>
-            <a:r>
-              <a:rPr lang="en-US" altLang="zh-TW" sz="2400" dirty="0" smtClean="0">
-                <a:latin typeface="Courier New" panose="02070309020205020404" pitchFamily="49" charset="0"/>
-                <a:cs typeface="Courier New" panose="02070309020205020404" pitchFamily="49" charset="0"/>
-              </a:rPr>
-              <a:t>    </a:t>
-            </a:r>
-            <a:r>
-              <a:rPr lang="en-US" altLang="zh-TW" sz="2400" dirty="0" err="1" smtClean="0">
-                <a:solidFill>
-                  <a:srgbClr val="000000"/>
-                </a:solidFill>
-                <a:latin typeface="Courier New" panose="02070309020205020404" pitchFamily="49" charset="0"/>
-                <a:cs typeface="Courier New" panose="02070309020205020404" pitchFamily="49" charset="0"/>
-              </a:rPr>
-              <a:t>cout</a:t>
-            </a:r>
-            <a:r>
-              <a:rPr lang="en-US" altLang="zh-TW" sz="2400" dirty="0">
-                <a:solidFill>
-                  <a:srgbClr val="000000"/>
-                </a:solidFill>
-                <a:latin typeface="Courier New" panose="02070309020205020404" pitchFamily="49" charset="0"/>
-                <a:cs typeface="Courier New" panose="02070309020205020404" pitchFamily="49" charset="0"/>
-              </a:rPr>
-              <a:t>&lt;&lt;t&lt;&lt;":"&lt;&lt;</a:t>
-            </a:r>
-            <a:r>
-              <a:rPr lang="en-US" altLang="zh-TW" sz="2400" b="1" dirty="0">
-                <a:solidFill>
-                  <a:srgbClr val="FF0000"/>
-                </a:solidFill>
-                <a:latin typeface="Courier New" panose="02070309020205020404" pitchFamily="49" charset="0"/>
-                <a:cs typeface="Courier New" panose="02070309020205020404" pitchFamily="49" charset="0"/>
-              </a:rPr>
-              <a:t>Size</a:t>
-            </a:r>
-            <a:r>
-              <a:rPr lang="en-US" altLang="zh-TW" sz="2400" dirty="0">
-                <a:solidFill>
-                  <a:srgbClr val="000000"/>
-                </a:solidFill>
-                <a:latin typeface="Courier New" panose="02070309020205020404" pitchFamily="49" charset="0"/>
-                <a:cs typeface="Courier New" panose="02070309020205020404" pitchFamily="49" charset="0"/>
-              </a:rPr>
-              <a:t>&lt;&lt;</a:t>
-            </a:r>
-            <a:r>
-              <a:rPr lang="en-US" altLang="zh-TW" sz="2400" dirty="0" err="1">
-                <a:solidFill>
-                  <a:srgbClr val="000000"/>
-                </a:solidFill>
-                <a:latin typeface="Courier New" panose="02070309020205020404" pitchFamily="49" charset="0"/>
-                <a:cs typeface="Courier New" panose="02070309020205020404" pitchFamily="49" charset="0"/>
-              </a:rPr>
-              <a:t>endl</a:t>
-            </a:r>
-            <a:r>
-              <a:rPr lang="en-US" altLang="zh-TW" sz="2400" dirty="0">
-                <a:solidFill>
-                  <a:srgbClr val="000000"/>
-                </a:solidFill>
-                <a:latin typeface="Courier New" panose="02070309020205020404" pitchFamily="49" charset="0"/>
-                <a:cs typeface="Courier New" panose="02070309020205020404" pitchFamily="49" charset="0"/>
-              </a:rPr>
-              <a:t>;</a:t>
-            </a:r>
-            <a:r>
-              <a:rPr lang="en-US" altLang="zh-TW" sz="2400" dirty="0">
-                <a:latin typeface="Courier New" panose="02070309020205020404" pitchFamily="49" charset="0"/>
-                <a:cs typeface="Courier New" panose="02070309020205020404" pitchFamily="49" charset="0"/>
-              </a:rPr>
-              <a:t/>
-            </a:r>
-            <a:br>
-              <a:rPr lang="en-US" altLang="zh-TW" sz="2400" dirty="0">
-                <a:latin typeface="Courier New" panose="02070309020205020404" pitchFamily="49" charset="0"/>
-                <a:cs typeface="Courier New" panose="02070309020205020404" pitchFamily="49" charset="0"/>
-              </a:rPr>
-            </a:br>
-            <a:r>
-              <a:rPr lang="en-US" altLang="zh-TW" sz="2400" dirty="0" smtClean="0">
-                <a:solidFill>
-                  <a:srgbClr val="000000"/>
-                </a:solidFill>
-                <a:latin typeface="Courier New" panose="02070309020205020404" pitchFamily="49" charset="0"/>
-                <a:cs typeface="Courier New" panose="02070309020205020404" pitchFamily="49" charset="0"/>
-              </a:rPr>
-              <a:t>}</a:t>
-            </a:r>
-          </a:p>
-          <a:p>
-            <a:r>
-              <a:rPr lang="en-US" altLang="zh-TW" sz="2400" dirty="0" err="1">
-                <a:latin typeface="Courier New" panose="02070309020205020404" pitchFamily="49" charset="0"/>
-                <a:cs typeface="Courier New" panose="02070309020205020404" pitchFamily="49" charset="0"/>
-              </a:rPr>
-              <a:t>int</a:t>
-            </a:r>
-            <a:r>
-              <a:rPr lang="en-US" altLang="zh-TW" sz="2400" dirty="0">
-                <a:latin typeface="Courier New" panose="02070309020205020404" pitchFamily="49" charset="0"/>
-                <a:cs typeface="Courier New" panose="02070309020205020404" pitchFamily="49" charset="0"/>
-              </a:rPr>
-              <a:t> main() {</a:t>
-            </a:r>
-            <a:br>
-              <a:rPr lang="en-US" altLang="zh-TW" sz="2400" dirty="0">
-                <a:latin typeface="Courier New" panose="02070309020205020404" pitchFamily="49" charset="0"/>
-                <a:cs typeface="Courier New" panose="02070309020205020404" pitchFamily="49" charset="0"/>
-              </a:rPr>
-            </a:br>
-            <a:r>
-              <a:rPr lang="en-US" altLang="zh-TW" sz="2400" dirty="0" smtClean="0">
-                <a:latin typeface="Courier New" panose="02070309020205020404" pitchFamily="49" charset="0"/>
-                <a:cs typeface="Courier New" panose="02070309020205020404" pitchFamily="49" charset="0"/>
-              </a:rPr>
-              <a:t>    </a:t>
-            </a:r>
-            <a:r>
-              <a:rPr lang="en-US" altLang="zh-TW" sz="2400" dirty="0" err="1" smtClean="0">
-                <a:latin typeface="Courier New" panose="02070309020205020404" pitchFamily="49" charset="0"/>
-                <a:cs typeface="Courier New" panose="02070309020205020404" pitchFamily="49" charset="0"/>
-              </a:rPr>
-              <a:t>int</a:t>
-            </a:r>
-            <a:r>
-              <a:rPr lang="en-US" altLang="zh-TW" sz="2400" dirty="0" smtClean="0">
-                <a:latin typeface="Courier New" panose="02070309020205020404" pitchFamily="49" charset="0"/>
-                <a:cs typeface="Courier New" panose="02070309020205020404" pitchFamily="49" charset="0"/>
-              </a:rPr>
-              <a:t> </a:t>
-            </a:r>
-            <a:r>
-              <a:rPr lang="en-US" altLang="zh-TW" sz="2400" dirty="0">
-                <a:latin typeface="Courier New" panose="02070309020205020404" pitchFamily="49" charset="0"/>
-                <a:cs typeface="Courier New" panose="02070309020205020404" pitchFamily="49" charset="0"/>
-              </a:rPr>
-              <a:t>data=100;</a:t>
-            </a:r>
-            <a:br>
-              <a:rPr lang="en-US" altLang="zh-TW" sz="2400" dirty="0">
-                <a:latin typeface="Courier New" panose="02070309020205020404" pitchFamily="49" charset="0"/>
-                <a:cs typeface="Courier New" panose="02070309020205020404" pitchFamily="49" charset="0"/>
-              </a:rPr>
-            </a:br>
-            <a:r>
-              <a:rPr lang="en-US" altLang="zh-TW" sz="2400" dirty="0" smtClean="0">
-                <a:latin typeface="Courier New" panose="02070309020205020404" pitchFamily="49" charset="0"/>
-                <a:cs typeface="Courier New" panose="02070309020205020404" pitchFamily="49" charset="0"/>
-              </a:rPr>
-              <a:t>    </a:t>
-            </a:r>
-            <a:r>
-              <a:rPr lang="en-US" altLang="zh-TW" sz="2400" b="1" dirty="0" smtClean="0">
-                <a:solidFill>
-                  <a:srgbClr val="FF0000"/>
-                </a:solidFill>
-                <a:latin typeface="Courier New" panose="02070309020205020404" pitchFamily="49" charset="0"/>
-                <a:cs typeface="Courier New" panose="02070309020205020404" pitchFamily="49" charset="0"/>
-              </a:rPr>
-              <a:t>print&lt;int,32767</a:t>
-            </a:r>
-            <a:r>
-              <a:rPr lang="en-US" altLang="zh-TW" sz="2400" b="1" dirty="0">
-                <a:solidFill>
-                  <a:srgbClr val="FF0000"/>
-                </a:solidFill>
-                <a:latin typeface="Courier New" panose="02070309020205020404" pitchFamily="49" charset="0"/>
-                <a:cs typeface="Courier New" panose="02070309020205020404" pitchFamily="49" charset="0"/>
-              </a:rPr>
-              <a:t>&gt;</a:t>
-            </a:r>
-            <a:r>
-              <a:rPr lang="en-US" altLang="zh-TW" sz="2400" dirty="0">
-                <a:latin typeface="Courier New" panose="02070309020205020404" pitchFamily="49" charset="0"/>
-                <a:cs typeface="Courier New" panose="02070309020205020404" pitchFamily="49" charset="0"/>
-              </a:rPr>
-              <a:t>(data</a:t>
-            </a:r>
-            <a:r>
-              <a:rPr lang="en-US" altLang="zh-TW" sz="2400" dirty="0" smtClean="0">
-                <a:latin typeface="Courier New" panose="02070309020205020404" pitchFamily="49" charset="0"/>
-                <a:cs typeface="Courier New" panose="02070309020205020404" pitchFamily="49" charset="0"/>
-              </a:rPr>
-              <a:t>);</a:t>
-            </a:r>
-          </a:p>
-          <a:p>
-            <a:r>
-              <a:rPr lang="en-US" altLang="zh-TW" sz="2400" b="1" dirty="0" smtClean="0">
-                <a:solidFill>
-                  <a:srgbClr val="FF0000"/>
-                </a:solidFill>
-                <a:latin typeface="Courier New" panose="02070309020205020404" pitchFamily="49" charset="0"/>
-                <a:cs typeface="Courier New" panose="02070309020205020404" pitchFamily="49" charset="0"/>
-              </a:rPr>
-              <a:t>    print&lt;int,1&gt;</a:t>
-            </a:r>
-            <a:r>
-              <a:rPr lang="en-US" altLang="zh-TW" sz="2400" dirty="0" smtClean="0">
-                <a:latin typeface="Courier New" panose="02070309020205020404" pitchFamily="49" charset="0"/>
-                <a:cs typeface="Courier New" panose="02070309020205020404" pitchFamily="49" charset="0"/>
-              </a:rPr>
-              <a:t>(</a:t>
-            </a:r>
-            <a:r>
-              <a:rPr lang="en-US" altLang="zh-TW" sz="2400" dirty="0">
-                <a:latin typeface="Courier New" panose="02070309020205020404" pitchFamily="49" charset="0"/>
-                <a:cs typeface="Courier New" panose="02070309020205020404" pitchFamily="49" charset="0"/>
-              </a:rPr>
-              <a:t>data</a:t>
-            </a:r>
-            <a:r>
-              <a:rPr lang="en-US" altLang="zh-TW" sz="2400" dirty="0" smtClean="0">
-                <a:latin typeface="Courier New" panose="02070309020205020404" pitchFamily="49" charset="0"/>
-                <a:cs typeface="Courier New" panose="02070309020205020404" pitchFamily="49" charset="0"/>
-              </a:rPr>
-              <a:t>);</a:t>
-            </a:r>
-            <a:r>
-              <a:rPr lang="en-US" altLang="zh-TW" sz="2400" dirty="0">
-                <a:latin typeface="Courier New" panose="02070309020205020404" pitchFamily="49" charset="0"/>
-                <a:cs typeface="Courier New" panose="02070309020205020404" pitchFamily="49" charset="0"/>
-              </a:rPr>
-              <a:t/>
-            </a:r>
-            <a:br>
-              <a:rPr lang="en-US" altLang="zh-TW" sz="2400" dirty="0">
-                <a:latin typeface="Courier New" panose="02070309020205020404" pitchFamily="49" charset="0"/>
-                <a:cs typeface="Courier New" panose="02070309020205020404" pitchFamily="49" charset="0"/>
-              </a:rPr>
-            </a:br>
-            <a:r>
-              <a:rPr lang="en-US" altLang="zh-TW" sz="2400" dirty="0" smtClean="0">
+              <a:rPr lang="en-US" altLang="zh-TW" sz="2400" dirty="0">
                 <a:latin typeface="Courier New" panose="02070309020205020404" pitchFamily="49" charset="0"/>
                 <a:cs typeface="Courier New" panose="02070309020205020404" pitchFamily="49" charset="0"/>
               </a:rPr>
@@ -12290,13 +11588,6 @@
   <p:clrMapOvr>
     <a:masterClrMapping/>
   </p:clrMapOvr>
-  <p:timing>
-    <p:tnLst>
-      <p:par>
-        <p:cTn id="1" dur="indefinite" restart="never" nodeType="tmRoot"/>
-      </p:par>
-    </p:tnLst>
-  </p:timing>
 </p:sld>
 </file>
 
@@ -12333,7 +11624,7 @@
           <a:lstStyle/>
           <a:p>
             <a:r>
-              <a:rPr lang="en-US" altLang="zh-TW" dirty="0" smtClean="0"/>
+              <a:rPr lang="en-US" altLang="zh-TW" dirty="0"/>
               <a:t>Example: Array</a:t>
             </a:r>
             <a:endParaRPr lang="zh-TW" altLang="en-US" dirty="0"/>
@@ -12408,7 +11699,7 @@
               <a:t>T</a:t>
             </a:r>
             <a:r>
-              <a:rPr lang="en-US" altLang="zh-TW" sz="2400" dirty="0" smtClean="0">
+              <a:rPr lang="en-US" altLang="zh-TW" sz="2400" dirty="0">
                 <a:solidFill>
                   <a:srgbClr val="000000"/>
                 </a:solidFill>
@@ -12417,7 +11708,7 @@
               <a:t>,</a:t>
             </a:r>
             <a:r>
-              <a:rPr lang="zh-TW" altLang="en-US" sz="2400" dirty="0" smtClean="0">
+              <a:rPr lang="zh-TW" altLang="en-US" sz="2400" dirty="0">
                 <a:solidFill>
                   <a:srgbClr val="000000"/>
                 </a:solidFill>
@@ -12426,7 +11717,7 @@
               <a:t> </a:t>
             </a:r>
             <a:r>
-              <a:rPr lang="en-US" altLang="zh-TW" sz="2400" smtClean="0">
+              <a:rPr lang="en-US" altLang="zh-TW" sz="2400">
                 <a:solidFill>
                   <a:srgbClr val="2B91AF"/>
                 </a:solidFill>
@@ -12435,33 +11726,78 @@
               <a:t>size_t</a:t>
             </a:r>
             <a:r>
-              <a:rPr lang="en-US" altLang="zh-TW" sz="2400" dirty="0" smtClean="0">
+              <a:rPr lang="en-US" altLang="zh-TW" sz="2400" dirty="0">
                 <a:solidFill>
                   <a:srgbClr val="000000"/>
                 </a:solidFill>
                 <a:latin typeface="Consolas" panose="020B0609020204030204" pitchFamily="49" charset="0"/>
               </a:rPr>
+              <a:t> N&gt;</a:t>
+            </a:r>
+          </a:p>
+          <a:p>
+            <a:r>
+              <a:rPr lang="en-US" altLang="zh-TW" sz="2400" dirty="0" err="1">
+                <a:solidFill>
+                  <a:srgbClr val="2B91AF"/>
+                </a:solidFill>
+                <a:latin typeface="Consolas" panose="020B0609020204030204" pitchFamily="49" charset="0"/>
+              </a:rPr>
+              <a:t>size_t</a:t>
+            </a:r>
+            <a:r>
+              <a:rPr lang="en-US" altLang="zh-TW" sz="2400" dirty="0">
+                <a:solidFill>
+                  <a:srgbClr val="000000"/>
+                </a:solidFill>
+                <a:latin typeface="Consolas" panose="020B0609020204030204" pitchFamily="49" charset="0"/>
+              </a:rPr>
               <a:t> </a:t>
             </a:r>
             <a:r>
-              <a:rPr lang="en-US" altLang="zh-TW" sz="2400" dirty="0">
+              <a:rPr lang="en-US" altLang="zh-TW" sz="2400" dirty="0" err="1">
                 <a:solidFill>
                   <a:srgbClr val="000000"/>
                 </a:solidFill>
                 <a:latin typeface="Consolas" panose="020B0609020204030204" pitchFamily="49" charset="0"/>
               </a:rPr>
-              <a:t>N&gt;</a:t>
-            </a:r>
-          </a:p>
-          <a:p>
+              <a:t>get_array_size</a:t>
+            </a:r>
+            <a:r>
+              <a:rPr lang="en-US" altLang="zh-TW" sz="2400" dirty="0">
+                <a:solidFill>
+                  <a:srgbClr val="000000"/>
+                </a:solidFill>
+                <a:latin typeface="Consolas" panose="020B0609020204030204" pitchFamily="49" charset="0"/>
+              </a:rPr>
+              <a:t>(</a:t>
+            </a:r>
             <a:r>
               <a:rPr lang="en-US" altLang="zh-TW" sz="2400" dirty="0" err="1">
                 <a:solidFill>
+                  <a:srgbClr val="0000FF"/>
+                </a:solidFill>
+                <a:latin typeface="Consolas" panose="020B0609020204030204" pitchFamily="49" charset="0"/>
+              </a:rPr>
+              <a:t>const</a:t>
+            </a:r>
+            <a:r>
+              <a:rPr lang="en-US" altLang="zh-TW" sz="2400" dirty="0">
+                <a:solidFill>
+                  <a:srgbClr val="000000"/>
+                </a:solidFill>
+                <a:latin typeface="Consolas" panose="020B0609020204030204" pitchFamily="49" charset="0"/>
+              </a:rPr>
+              <a:t> </a:t>
+            </a:r>
+            <a:r>
+              <a:rPr lang="en-US" altLang="zh-TW" sz="2400" dirty="0">
+                <a:solidFill>
                   <a:srgbClr val="2B91AF"/>
                 </a:solidFill>
                 <a:latin typeface="Consolas" panose="020B0609020204030204" pitchFamily="49" charset="0"/>
               </a:rPr>
-              <a:t>size_t</a:t>
+              <a:t>T</a:t>
             </a:r>
             <a:r>
               <a:rPr lang="en-US" altLang="zh-TW" sz="2400" dirty="0">
@@ -12470,16 +11806,36 @@
                 </a:solidFill>
                 <a:latin typeface="Consolas" panose="020B0609020204030204" pitchFamily="49" charset="0"/>
               </a:rPr>
-              <a:t> </a:t>
+              <a:t> (&amp;</a:t>
             </a:r>
             <a:r>
               <a:rPr lang="en-US" altLang="zh-TW" sz="2400" dirty="0" err="1">
                 <a:solidFill>
+                  <a:srgbClr val="808080"/>
+                </a:solidFill>
+                <a:latin typeface="Consolas" panose="020B0609020204030204" pitchFamily="49" charset="0"/>
+              </a:rPr>
+              <a:t>arr</a:t>
+            </a:r>
+            <a:r>
+              <a:rPr lang="en-US" altLang="zh-TW" sz="2400" dirty="0">
+                <a:solidFill>
                   <a:srgbClr val="000000"/>
                 </a:solidFill>
                 <a:latin typeface="Consolas" panose="020B0609020204030204" pitchFamily="49" charset="0"/>
               </a:rPr>
-              <a:t>get_array_size</a:t>
+              <a:t>)[N]){</a:t>
+            </a:r>
+          </a:p>
+          <a:p>
+            <a:r>
+              <a:rPr lang="en-US" altLang="zh-TW" sz="2400" dirty="0">
+                <a:solidFill>
+                  <a:srgbClr val="0000FF"/>
+                </a:solidFill>
+                <a:latin typeface="Consolas" panose="020B0609020204030204" pitchFamily="49" charset="0"/>
+              </a:rPr>
+              <a:t>	return</a:t>
             </a:r>
             <a:r>
               <a:rPr lang="en-US" altLang="zh-TW" sz="2400" dirty="0">
@@ -12488,17 +11844,10 @@
                 </a:solidFill>
                 <a:latin typeface="Consolas" panose="020B0609020204030204" pitchFamily="49" charset="0"/>
               </a:rPr>
-              <a:t>(</a:t>
-            </a:r>
-            <a:r>
-              <a:rPr lang="en-US" altLang="zh-TW" sz="2400" dirty="0" err="1">
-                <a:solidFill>
-                  <a:srgbClr val="0000FF"/>
-                </a:solidFill>
-                <a:latin typeface="Consolas" panose="020B0609020204030204" pitchFamily="49" charset="0"/>
-              </a:rPr>
-              <a:t>const</a:t>
-            </a:r>
+              <a:t> N;</a:t>
+            </a:r>
+          </a:p>
+          <a:p>
             <a:r>
               <a:rPr lang="en-US" altLang="zh-TW" sz="2400" dirty="0">
                 <a:solidFill>
@@ -12506,53 +11855,10 @@
                 </a:solidFill>
                 <a:latin typeface="Consolas" panose="020B0609020204030204" pitchFamily="49" charset="0"/>
               </a:rPr>
-              <a:t> </a:t>
-            </a:r>
-            <a:r>
-              <a:rPr lang="en-US" altLang="zh-TW" sz="2400" dirty="0">
-                <a:solidFill>
-                  <a:srgbClr val="2B91AF"/>
-                </a:solidFill>
-                <a:latin typeface="Consolas" panose="020B0609020204030204" pitchFamily="49" charset="0"/>
-              </a:rPr>
-              <a:t>T</a:t>
-            </a:r>
-            <a:r>
-              <a:rPr lang="en-US" altLang="zh-TW" sz="2400" dirty="0">
-                <a:solidFill>
-                  <a:srgbClr val="000000"/>
-                </a:solidFill>
-                <a:latin typeface="Consolas" panose="020B0609020204030204" pitchFamily="49" charset="0"/>
-              </a:rPr>
-              <a:t> (&amp;</a:t>
-            </a:r>
-            <a:r>
-              <a:rPr lang="en-US" altLang="zh-TW" sz="2400" dirty="0" err="1">
-                <a:solidFill>
-                  <a:srgbClr val="808080"/>
-                </a:solidFill>
-                <a:latin typeface="Consolas" panose="020B0609020204030204" pitchFamily="49" charset="0"/>
-              </a:rPr>
-              <a:t>arr</a:t>
-            </a:r>
-            <a:r>
-              <a:rPr lang="en-US" altLang="zh-TW" sz="2400" dirty="0">
-                <a:solidFill>
-                  <a:srgbClr val="000000"/>
-                </a:solidFill>
-                <a:latin typeface="Consolas" panose="020B0609020204030204" pitchFamily="49" charset="0"/>
-              </a:rPr>
-              <a:t>)[N</a:t>
-            </a:r>
-            <a:r>
-              <a:rPr lang="en-US" altLang="zh-TW" sz="2400" dirty="0" smtClean="0">
-                <a:solidFill>
-                  <a:srgbClr val="000000"/>
-                </a:solidFill>
-                <a:latin typeface="Consolas" panose="020B0609020204030204" pitchFamily="49" charset="0"/>
-              </a:rPr>
-              <a:t>]){</a:t>
-            </a:r>
+              <a:t>}</a:t>
+            </a:r>
+          </a:p>
+          <a:p>
             <a:endParaRPr lang="en-US" altLang="zh-TW" sz="2400" dirty="0">
               <a:solidFill>
                 <a:srgbClr val="000000"/>
@@ -12562,22 +11868,13 @@
           </a:p>
           <a:p>
             <a:r>
-              <a:rPr lang="en-US" altLang="zh-TW" sz="2400" dirty="0" smtClean="0">
-                <a:solidFill>
-                  <a:srgbClr val="0000FF"/>
-                </a:solidFill>
-                <a:latin typeface="Consolas" panose="020B0609020204030204" pitchFamily="49" charset="0"/>
-              </a:rPr>
-              <a:t>	return</a:t>
-            </a:r>
-            <a:r>
-              <a:rPr lang="en-US" altLang="zh-TW" sz="2400" dirty="0" smtClean="0">
+              <a:rPr lang="en-US" altLang="zh-TW" sz="2400" dirty="0" err="1">
                 <a:solidFill>
                   <a:srgbClr val="000000"/>
                 </a:solidFill>
                 <a:latin typeface="Consolas" panose="020B0609020204030204" pitchFamily="49" charset="0"/>
               </a:rPr>
-              <a:t> </a:t>
+              <a:t>int</a:t>
             </a:r>
             <a:r>
               <a:rPr lang="en-US" altLang="zh-TW" sz="2400" dirty="0">
@@ -12586,220 +11883,133 @@
                 </a:solidFill>
                 <a:latin typeface="Consolas" panose="020B0609020204030204" pitchFamily="49" charset="0"/>
               </a:rPr>
-              <a:t>N;</a:t>
-            </a:r>
-          </a:p>
-          <a:p>
-            <a:r>
-              <a:rPr lang="en-US" altLang="zh-TW" sz="2400" dirty="0" smtClean="0">
+              <a:t> main(){</a:t>
+            </a:r>
+          </a:p>
+          <a:p>
+            <a:r>
+              <a:rPr lang="en-US" altLang="zh-TW" sz="2400" dirty="0">
                 <a:solidFill>
                   <a:srgbClr val="000000"/>
                 </a:solidFill>
                 <a:latin typeface="Consolas" panose="020B0609020204030204" pitchFamily="49" charset="0"/>
               </a:rPr>
+              <a:t>   </a:t>
+            </a:r>
+            <a:r>
+              <a:rPr lang="en-US" altLang="zh-TW" sz="2400" dirty="0" err="1">
+                <a:solidFill>
+                  <a:srgbClr val="000000"/>
+                </a:solidFill>
+                <a:latin typeface="Consolas" panose="020B0609020204030204" pitchFamily="49" charset="0"/>
+              </a:rPr>
+              <a:t>int</a:t>
+            </a:r>
+            <a:r>
+              <a:rPr lang="en-US" altLang="zh-TW" sz="2400" dirty="0">
+                <a:solidFill>
+                  <a:srgbClr val="000000"/>
+                </a:solidFill>
+                <a:latin typeface="Consolas" panose="020B0609020204030204" pitchFamily="49" charset="0"/>
+              </a:rPr>
+              <a:t> a[2];</a:t>
+            </a:r>
+          </a:p>
+          <a:p>
+            <a:r>
+              <a:rPr lang="en-US" altLang="zh-TW" sz="2400" dirty="0">
+                <a:solidFill>
+                  <a:srgbClr val="000000"/>
+                </a:solidFill>
+                <a:latin typeface="Consolas" panose="020B0609020204030204" pitchFamily="49" charset="0"/>
+              </a:rPr>
+              <a:t>   </a:t>
+            </a:r>
+            <a:r>
+              <a:rPr lang="en-US" altLang="zh-TW" sz="2400" dirty="0" err="1">
+                <a:solidFill>
+                  <a:srgbClr val="FF0000"/>
+                </a:solidFill>
+                <a:latin typeface="Consolas" panose="020B0609020204030204" pitchFamily="49" charset="0"/>
+              </a:rPr>
+              <a:t>get_array_size</a:t>
+            </a:r>
+            <a:r>
+              <a:rPr lang="en-US" altLang="zh-TW" sz="2400" dirty="0">
+                <a:solidFill>
+                  <a:srgbClr val="FF0000"/>
+                </a:solidFill>
+                <a:latin typeface="Consolas" panose="020B0609020204030204" pitchFamily="49" charset="0"/>
+              </a:rPr>
+              <a:t>&lt;</a:t>
+            </a:r>
+            <a:r>
+              <a:rPr lang="en-US" altLang="zh-TW" sz="2400" dirty="0" err="1">
+                <a:solidFill>
+                  <a:srgbClr val="FF0000"/>
+                </a:solidFill>
+                <a:latin typeface="Consolas" panose="020B0609020204030204" pitchFamily="49" charset="0"/>
+              </a:rPr>
+              <a:t>int</a:t>
+            </a:r>
+            <a:r>
+              <a:rPr lang="en-US" altLang="zh-TW" sz="2400" dirty="0">
+                <a:solidFill>
+                  <a:srgbClr val="FF0000"/>
+                </a:solidFill>
+                <a:latin typeface="Consolas" panose="020B0609020204030204" pitchFamily="49" charset="0"/>
+              </a:rPr>
+              <a:t>, 2&gt;(a);</a:t>
+            </a:r>
+            <a:r>
+              <a:rPr lang="en-US" altLang="zh-TW" sz="2400" dirty="0">
+                <a:solidFill>
+                  <a:srgbClr val="000000"/>
+                </a:solidFill>
+                <a:latin typeface="Consolas" panose="020B0609020204030204" pitchFamily="49" charset="0"/>
+              </a:rPr>
+              <a:t> //return 2</a:t>
+            </a:r>
+          </a:p>
+          <a:p>
+            <a:r>
+              <a:rPr lang="en-US" altLang="zh-TW" sz="2400" dirty="0">
+                <a:solidFill>
+                  <a:srgbClr val="000000"/>
+                </a:solidFill>
+                <a:latin typeface="Consolas" panose="020B0609020204030204" pitchFamily="49" charset="0"/>
+              </a:rPr>
+              <a:t>   // T is </a:t>
+            </a:r>
+            <a:r>
+              <a:rPr lang="en-US" altLang="zh-TW" sz="2400" dirty="0" err="1">
+                <a:solidFill>
+                  <a:srgbClr val="000000"/>
+                </a:solidFill>
+                <a:latin typeface="Consolas" panose="020B0609020204030204" pitchFamily="49" charset="0"/>
+              </a:rPr>
+              <a:t>int</a:t>
+            </a:r>
+            <a:r>
+              <a:rPr lang="en-US" altLang="zh-TW" sz="2400" dirty="0">
+                <a:solidFill>
+                  <a:srgbClr val="000000"/>
+                </a:solidFill>
+                <a:latin typeface="Consolas" panose="020B0609020204030204" pitchFamily="49" charset="0"/>
+              </a:rPr>
+              <a:t> and N is 2</a:t>
+            </a:r>
+          </a:p>
+          <a:p>
+            <a:r>
+              <a:rPr lang="en-US" altLang="zh-TW" sz="2400" dirty="0">
+                <a:solidFill>
+                  <a:srgbClr val="000000"/>
+                </a:solidFill>
+                <a:latin typeface="Consolas" panose="020B0609020204030204" pitchFamily="49" charset="0"/>
+              </a:rPr>
               <a:t>}</a:t>
             </a:r>
-          </a:p>
-          <a:p>
-            <a:endParaRPr lang="en-US" altLang="zh-TW" sz="2400" dirty="0" smtClean="0">
-              <a:solidFill>
-                <a:srgbClr val="000000"/>
-              </a:solidFill>
-              <a:latin typeface="Consolas" panose="020B0609020204030204" pitchFamily="49" charset="0"/>
-            </a:endParaRPr>
-          </a:p>
-          <a:p>
-            <a:r>
-              <a:rPr lang="en-US" altLang="zh-TW" sz="2400" dirty="0" err="1" smtClean="0">
-                <a:solidFill>
-                  <a:srgbClr val="000000"/>
-                </a:solidFill>
-                <a:latin typeface="Consolas" panose="020B0609020204030204" pitchFamily="49" charset="0"/>
-              </a:rPr>
-              <a:t>int</a:t>
-            </a:r>
-            <a:r>
-              <a:rPr lang="en-US" altLang="zh-TW" sz="2400" dirty="0" smtClean="0">
-                <a:solidFill>
-                  <a:srgbClr val="000000"/>
-                </a:solidFill>
-                <a:latin typeface="Consolas" panose="020B0609020204030204" pitchFamily="49" charset="0"/>
-              </a:rPr>
-              <a:t> main(){</a:t>
-            </a:r>
-            <a:endParaRPr lang="en-US" altLang="zh-TW" sz="2400" dirty="0">
-              <a:solidFill>
-                <a:srgbClr val="000000"/>
-              </a:solidFill>
-              <a:latin typeface="Consolas" panose="020B0609020204030204" pitchFamily="49" charset="0"/>
-            </a:endParaRPr>
-          </a:p>
-          <a:p>
-            <a:r>
-              <a:rPr lang="en-US" altLang="zh-TW" sz="2400" dirty="0" smtClean="0">
-                <a:solidFill>
-                  <a:srgbClr val="000000"/>
-                </a:solidFill>
-                <a:latin typeface="Consolas" panose="020B0609020204030204" pitchFamily="49" charset="0"/>
-              </a:rPr>
-              <a:t>   </a:t>
-            </a:r>
-            <a:r>
-              <a:rPr lang="en-US" altLang="zh-TW" sz="2400" dirty="0" err="1" smtClean="0">
-                <a:solidFill>
-                  <a:srgbClr val="000000"/>
-                </a:solidFill>
-                <a:latin typeface="Consolas" panose="020B0609020204030204" pitchFamily="49" charset="0"/>
-              </a:rPr>
-              <a:t>int</a:t>
-            </a:r>
-            <a:r>
-              <a:rPr lang="en-US" altLang="zh-TW" sz="2400" dirty="0" smtClean="0">
-                <a:solidFill>
-                  <a:srgbClr val="000000"/>
-                </a:solidFill>
-                <a:latin typeface="Consolas" panose="020B0609020204030204" pitchFamily="49" charset="0"/>
-              </a:rPr>
-              <a:t> </a:t>
-            </a:r>
-            <a:r>
-              <a:rPr lang="en-US" altLang="zh-TW" sz="2400" dirty="0">
-                <a:solidFill>
-                  <a:srgbClr val="000000"/>
-                </a:solidFill>
-                <a:latin typeface="Consolas" panose="020B0609020204030204" pitchFamily="49" charset="0"/>
-              </a:rPr>
-              <a:t>a[2];</a:t>
-            </a:r>
-          </a:p>
-          <a:p>
-            <a:r>
-              <a:rPr lang="en-US" altLang="zh-TW" sz="2400" dirty="0" smtClean="0">
-                <a:solidFill>
-                  <a:srgbClr val="000000"/>
-                </a:solidFill>
-                <a:latin typeface="Consolas" panose="020B0609020204030204" pitchFamily="49" charset="0"/>
-              </a:rPr>
-              <a:t>   </a:t>
-            </a:r>
-            <a:r>
-              <a:rPr lang="en-US" altLang="zh-TW" sz="2400" dirty="0" err="1" smtClean="0">
-                <a:solidFill>
-                  <a:srgbClr val="FF0000"/>
-                </a:solidFill>
-                <a:latin typeface="Consolas" panose="020B0609020204030204" pitchFamily="49" charset="0"/>
-              </a:rPr>
-              <a:t>get_array_size</a:t>
-            </a:r>
-            <a:r>
-              <a:rPr lang="en-US" altLang="zh-TW" sz="2400" dirty="0" smtClean="0">
-                <a:solidFill>
-                  <a:srgbClr val="FF0000"/>
-                </a:solidFill>
-                <a:latin typeface="Consolas" panose="020B0609020204030204" pitchFamily="49" charset="0"/>
-              </a:rPr>
-              <a:t>&lt;</a:t>
-            </a:r>
-            <a:r>
-              <a:rPr lang="en-US" altLang="zh-TW" sz="2400" dirty="0" err="1" smtClean="0">
-                <a:solidFill>
-                  <a:srgbClr val="FF0000"/>
-                </a:solidFill>
-                <a:latin typeface="Consolas" panose="020B0609020204030204" pitchFamily="49" charset="0"/>
-              </a:rPr>
-              <a:t>int</a:t>
-            </a:r>
-            <a:r>
-              <a:rPr lang="en-US" altLang="zh-TW" sz="2400" dirty="0" smtClean="0">
-                <a:solidFill>
-                  <a:srgbClr val="FF0000"/>
-                </a:solidFill>
-                <a:latin typeface="Consolas" panose="020B0609020204030204" pitchFamily="49" charset="0"/>
-              </a:rPr>
-              <a:t>, 2&gt;(a);</a:t>
-            </a:r>
-            <a:r>
-              <a:rPr lang="en-US" altLang="zh-TW" sz="2400" dirty="0">
-                <a:solidFill>
-                  <a:srgbClr val="000000"/>
-                </a:solidFill>
-                <a:latin typeface="Consolas" panose="020B0609020204030204" pitchFamily="49" charset="0"/>
-              </a:rPr>
-              <a:t> </a:t>
-            </a:r>
-            <a:r>
-              <a:rPr lang="en-US" altLang="zh-TW" sz="2400" dirty="0" smtClean="0">
-                <a:solidFill>
-                  <a:srgbClr val="000000"/>
-                </a:solidFill>
-                <a:latin typeface="Consolas" panose="020B0609020204030204" pitchFamily="49" charset="0"/>
-              </a:rPr>
-              <a:t>//</a:t>
-            </a:r>
-            <a:r>
-              <a:rPr lang="en-US" altLang="zh-TW" sz="2400" dirty="0">
-                <a:solidFill>
-                  <a:srgbClr val="000000"/>
-                </a:solidFill>
-                <a:latin typeface="Consolas" panose="020B0609020204030204" pitchFamily="49" charset="0"/>
-              </a:rPr>
-              <a:t>return 2</a:t>
-            </a:r>
-          </a:p>
-          <a:p>
-            <a:r>
-              <a:rPr lang="en-US" altLang="zh-TW" sz="2400" dirty="0" smtClean="0">
-                <a:solidFill>
-                  <a:srgbClr val="000000"/>
-                </a:solidFill>
-                <a:latin typeface="Consolas" panose="020B0609020204030204" pitchFamily="49" charset="0"/>
-              </a:rPr>
-              <a:t>   // T </a:t>
-            </a:r>
-            <a:r>
-              <a:rPr lang="en-US" altLang="zh-TW" sz="2400" dirty="0">
-                <a:solidFill>
-                  <a:srgbClr val="000000"/>
-                </a:solidFill>
-                <a:latin typeface="Consolas" panose="020B0609020204030204" pitchFamily="49" charset="0"/>
-              </a:rPr>
-              <a:t>is </a:t>
-            </a:r>
-            <a:r>
-              <a:rPr lang="en-US" altLang="zh-TW" sz="2400" dirty="0" err="1">
-                <a:solidFill>
-                  <a:srgbClr val="000000"/>
-                </a:solidFill>
-                <a:latin typeface="Consolas" panose="020B0609020204030204" pitchFamily="49" charset="0"/>
-              </a:rPr>
-              <a:t>int</a:t>
-            </a:r>
-            <a:r>
-              <a:rPr lang="en-US" altLang="zh-TW" sz="2400" dirty="0">
-                <a:solidFill>
-                  <a:srgbClr val="000000"/>
-                </a:solidFill>
-                <a:latin typeface="Consolas" panose="020B0609020204030204" pitchFamily="49" charset="0"/>
-              </a:rPr>
-              <a:t> and N is 2</a:t>
-            </a:r>
-          </a:p>
-          <a:p>
-            <a:r>
-              <a:rPr lang="en-US" altLang="zh-TW" sz="2400" dirty="0" smtClean="0">
-                <a:solidFill>
-                  <a:srgbClr val="000000"/>
-                </a:solidFill>
-                <a:latin typeface="Consolas" panose="020B0609020204030204" pitchFamily="49" charset="0"/>
-              </a:rPr>
-              <a:t>}</a:t>
-            </a:r>
-            <a:endParaRPr lang="en-US" altLang="zh-TW" sz="2400" dirty="0">
-              <a:solidFill>
-                <a:srgbClr val="000000"/>
-              </a:solidFill>
-              <a:latin typeface="Consolas" panose="020B0609020204030204" pitchFamily="49" charset="0"/>
-            </a:endParaRPr>
           </a:p>
           <a:p>
             <a:endParaRPr lang="zh-TW" altLang="en-US" sz="2400" dirty="0"/>
@@ -12816,13 +12026,6 @@
   <p:clrMapOvr>
     <a:masterClrMapping/>
   </p:clrMapOvr>
-  <p:timing>
-    <p:tnLst>
-      <p:par>
-        <p:cTn id="1" dur="indefinite" restart="never" nodeType="tmRoot"/>
-      </p:par>
-    </p:tnLst>
-  </p:timing>
 </p:sld>
 </file>
 
@@ -12859,18 +12062,18 @@
           <a:lstStyle/>
           <a:p>
             <a:r>
-              <a:rPr lang="en-US" altLang="zh-TW" dirty="0" smtClean="0"/>
+              <a:rPr lang="en-US" altLang="zh-TW" dirty="0"/>
               <a:t>Data structures have the same operations, but the used data types are different.</a:t>
             </a:r>
           </a:p>
           <a:p>
             <a:r>
-              <a:rPr lang="en-US" altLang="zh-TW" dirty="0" smtClean="0"/>
+              <a:rPr lang="en-US" altLang="zh-TW" dirty="0"/>
               <a:t>Class template allows users to define classes that can have generic data types.</a:t>
             </a:r>
           </a:p>
           <a:p>
-            <a:endParaRPr lang="en-US" altLang="zh-TW" dirty="0" smtClean="0"/>
+            <a:endParaRPr lang="en-US" altLang="zh-TW" dirty="0"/>
           </a:p>
           <a:p>
             <a:endParaRPr lang="zh-TW" altLang="en-US" dirty="0"/>
@@ -12929,82 +12132,65 @@
                 <a:latin typeface="Courier New" panose="02070309020205020404" pitchFamily="49" charset="0"/>
                 <a:cs typeface="Courier New" panose="02070309020205020404" pitchFamily="49" charset="0"/>
               </a:rPr>
-              <a:t>template &lt;class CType</a:t>
-            </a:r>
-            <a:r>
-              <a:rPr lang="zh-TW" altLang="en-US" sz="2400" b="1" dirty="0" smtClean="0">
+              <a:t>template &lt;class CType&gt; </a:t>
+            </a:r>
+            <a:r>
+              <a:rPr lang="zh-TW" altLang="en-US" sz="2400" dirty="0">
+                <a:latin typeface="Courier New" panose="02070309020205020404" pitchFamily="49" charset="0"/>
+                <a:cs typeface="Courier New" panose="02070309020205020404" pitchFamily="49" charset="0"/>
+              </a:rPr>
+              <a:t>class Array { </a:t>
+            </a:r>
+          </a:p>
+          <a:p>
+            <a:r>
+              <a:rPr lang="en-US" altLang="zh-TW" sz="2400" dirty="0">
+                <a:latin typeface="Courier New" panose="02070309020205020404" pitchFamily="49" charset="0"/>
+                <a:cs typeface="Courier New" panose="02070309020205020404" pitchFamily="49" charset="0"/>
+              </a:rPr>
+              <a:t>    </a:t>
+            </a:r>
+            <a:r>
+              <a:rPr lang="en-US" altLang="zh-TW" sz="2400" dirty="0" err="1">
+                <a:latin typeface="Courier New" panose="02070309020205020404" pitchFamily="49" charset="0"/>
+                <a:cs typeface="Courier New" panose="02070309020205020404" pitchFamily="49" charset="0"/>
+              </a:rPr>
+              <a:t>int</a:t>
+            </a:r>
+            <a:r>
+              <a:rPr lang="en-US" altLang="zh-TW" sz="2400" dirty="0">
+                <a:latin typeface="Courier New" panose="02070309020205020404" pitchFamily="49" charset="0"/>
+                <a:cs typeface="Courier New" panose="02070309020205020404" pitchFamily="49" charset="0"/>
+              </a:rPr>
+              <a:t> size; </a:t>
+            </a:r>
+            <a:r>
+              <a:rPr lang="en-US" altLang="zh-TW" sz="2400" b="1" dirty="0" err="1">
                 <a:solidFill>
                   <a:srgbClr val="FF0000"/>
                 </a:solidFill>
                 <a:latin typeface="Courier New" panose="02070309020205020404" pitchFamily="49" charset="0"/>
                 <a:cs typeface="Courier New" panose="02070309020205020404" pitchFamily="49" charset="0"/>
               </a:rPr>
-              <a:t>&gt; </a:t>
-            </a:r>
-            <a:r>
-              <a:rPr lang="zh-TW" altLang="en-US" sz="2400" dirty="0" smtClean="0">
-                <a:latin typeface="Courier New" panose="02070309020205020404" pitchFamily="49" charset="0"/>
-                <a:cs typeface="Courier New" panose="02070309020205020404" pitchFamily="49" charset="0"/>
-              </a:rPr>
-              <a:t>class Array </a:t>
-            </a:r>
+              <a:t>CType</a:t>
+            </a:r>
+            <a:r>
+              <a:rPr lang="en-US" altLang="zh-TW" sz="2400" dirty="0">
+                <a:latin typeface="Courier New" panose="02070309020205020404" pitchFamily="49" charset="0"/>
+                <a:cs typeface="Courier New" panose="02070309020205020404" pitchFamily="49" charset="0"/>
+              </a:rPr>
+              <a:t> *data;	</a:t>
+            </a:r>
+          </a:p>
+          <a:p>
             <a:r>
               <a:rPr lang="zh-TW" altLang="en-US" sz="2400" dirty="0">
                 <a:latin typeface="Courier New" panose="02070309020205020404" pitchFamily="49" charset="0"/>
                 <a:cs typeface="Courier New" panose="02070309020205020404" pitchFamily="49" charset="0"/>
               </a:rPr>
-              <a:t>{ </a:t>
-            </a:r>
-          </a:p>
-          <a:p>
-            <a:r>
-              <a:rPr lang="en-US" altLang="zh-TW" sz="2400" dirty="0" smtClean="0">
-                <a:latin typeface="Courier New" panose="02070309020205020404" pitchFamily="49" charset="0"/>
-                <a:cs typeface="Courier New" panose="02070309020205020404" pitchFamily="49" charset="0"/>
-              </a:rPr>
-              <a:t>    </a:t>
-            </a:r>
-            <a:r>
-              <a:rPr lang="en-US" altLang="zh-TW" sz="2400" dirty="0" err="1" smtClean="0">
-                <a:latin typeface="Courier New" panose="02070309020205020404" pitchFamily="49" charset="0"/>
-                <a:cs typeface="Courier New" panose="02070309020205020404" pitchFamily="49" charset="0"/>
-              </a:rPr>
-              <a:t>int</a:t>
-            </a:r>
-            <a:r>
-              <a:rPr lang="en-US" altLang="zh-TW" sz="2400" dirty="0" smtClean="0">
-                <a:latin typeface="Courier New" panose="02070309020205020404" pitchFamily="49" charset="0"/>
-                <a:cs typeface="Courier New" panose="02070309020205020404" pitchFamily="49" charset="0"/>
-              </a:rPr>
-              <a:t> size; </a:t>
-            </a:r>
-            <a:r>
-              <a:rPr lang="en-US" altLang="zh-TW" sz="2400" b="1" dirty="0" err="1" smtClean="0">
-                <a:solidFill>
-                  <a:srgbClr val="FF0000"/>
-                </a:solidFill>
-                <a:latin typeface="Courier New" panose="02070309020205020404" pitchFamily="49" charset="0"/>
-                <a:cs typeface="Courier New" panose="02070309020205020404" pitchFamily="49" charset="0"/>
-              </a:rPr>
-              <a:t>CType</a:t>
-            </a:r>
-            <a:r>
-              <a:rPr lang="en-US" altLang="zh-TW" sz="2400" dirty="0" smtClean="0">
-                <a:latin typeface="Courier New" panose="02070309020205020404" pitchFamily="49" charset="0"/>
-                <a:cs typeface="Courier New" panose="02070309020205020404" pitchFamily="49" charset="0"/>
-              </a:rPr>
-              <a:t> *data;	</a:t>
-            </a:r>
-          </a:p>
-          <a:p>
-            <a:r>
-              <a:rPr lang="zh-TW" altLang="en-US" sz="2400" dirty="0" smtClean="0">
-                <a:latin typeface="Courier New" panose="02070309020205020404" pitchFamily="49" charset="0"/>
-                <a:cs typeface="Courier New" panose="02070309020205020404" pitchFamily="49" charset="0"/>
-              </a:rPr>
               <a:t>public:</a:t>
             </a:r>
-            <a:endParaRPr lang="en-US" altLang="zh-TW" sz="2400" dirty="0" smtClean="0">
+            <a:endParaRPr lang="en-US" altLang="zh-TW" sz="2400" dirty="0">
               <a:latin typeface="Courier New" panose="02070309020205020404" pitchFamily="49" charset="0"/>
               <a:cs typeface="Courier New" panose="02070309020205020404" pitchFamily="49" charset="0"/>
             </a:endParaRPr>
@@ -13015,19 +12201,12 @@
                 <a:latin typeface="Courier New" panose="02070309020205020404" pitchFamily="49" charset="0"/>
                 <a:cs typeface="Courier New" panose="02070309020205020404" pitchFamily="49" charset="0"/>
               </a:rPr>
-              <a:t> </a:t>
-            </a:r>
-            <a:r>
-              <a:rPr lang="en-US" altLang="zh-TW" sz="2400" dirty="0" smtClean="0">
-                <a:latin typeface="Courier New" panose="02070309020205020404" pitchFamily="49" charset="0"/>
-                <a:cs typeface="Courier New" panose="02070309020205020404" pitchFamily="49" charset="0"/>
-              </a:rPr>
-              <a:t>   ...</a:t>
-            </a:r>
-          </a:p>
-          <a:p>
-            <a:r>
-              <a:rPr lang="zh-TW" altLang="en-US" sz="2400" b="1" dirty="0" smtClean="0">
+              <a:t>    ...</a:t>
+            </a:r>
+          </a:p>
+          <a:p>
+            <a:r>
+              <a:rPr lang="zh-TW" altLang="en-US" sz="2400" b="1" dirty="0">
                 <a:solidFill>
                   <a:srgbClr val="FF0000"/>
                 </a:solidFill>
@@ -13037,32 +12216,25 @@
               <a:t>    CType</a:t>
             </a:r>
             <a:r>
-              <a:rPr lang="zh-TW" altLang="en-US" sz="2400" dirty="0" smtClean="0">
+              <a:rPr lang="zh-TW" altLang="en-US" sz="2400" dirty="0">
                 <a:latin typeface="Courier New" panose="02070309020205020404" pitchFamily="49" charset="0"/>
                 <a:cs typeface="Courier New" panose="02070309020205020404" pitchFamily="49" charset="0"/>
               </a:rPr>
               <a:t> get</a:t>
             </a:r>
             <a:r>
-              <a:rPr lang="en-US" altLang="zh-TW" sz="2400" dirty="0" err="1" smtClean="0">
+              <a:rPr lang="en-US" altLang="zh-TW" sz="2400" dirty="0" err="1">
                 <a:latin typeface="Courier New" panose="02070309020205020404" pitchFamily="49" charset="0"/>
                 <a:cs typeface="Courier New" panose="02070309020205020404" pitchFamily="49" charset="0"/>
               </a:rPr>
               <a:t>ElementAt</a:t>
             </a:r>
             <a:r>
-              <a:rPr lang="zh-TW" altLang="en-US" sz="2400" dirty="0" smtClean="0">
-                <a:latin typeface="Courier New" panose="02070309020205020404" pitchFamily="49" charset="0"/>
-                <a:cs typeface="Courier New" panose="02070309020205020404" pitchFamily="49" charset="0"/>
-              </a:rPr>
-              <a:t>(int</a:t>
-            </a:r>
-            <a:r>
               <a:rPr lang="zh-TW" altLang="en-US" sz="2400" dirty="0">
                 <a:latin typeface="Courier New" panose="02070309020205020404" pitchFamily="49" charset="0"/>
                 <a:cs typeface="Courier New" panose="02070309020205020404" pitchFamily="49" charset="0"/>
               </a:rPr>
-              <a:t>); </a:t>
+              <a:t>(int); </a:t>
             </a:r>
           </a:p>
           <a:p>
@@ -13071,31 +12243,24 @@
                 <a:latin typeface="Courier New" panose="02070309020205020404" pitchFamily="49" charset="0"/>
                 <a:cs typeface="Courier New" panose="02070309020205020404" pitchFamily="49" charset="0"/>
               </a:rPr>
-              <a:t>    void </a:t>
-            </a:r>
-            <a:r>
-              <a:rPr lang="zh-TW" altLang="en-US" sz="2400" dirty="0" smtClean="0">
-                <a:latin typeface="Courier New" panose="02070309020205020404" pitchFamily="49" charset="0"/>
-                <a:cs typeface="Courier New" panose="02070309020205020404" pitchFamily="49" charset="0"/>
-              </a:rPr>
-              <a:t>set</a:t>
-            </a:r>
-            <a:r>
-              <a:rPr lang="en-US" altLang="zh-TW" sz="2400" dirty="0" err="1" smtClean="0">
+              <a:t>    void set</a:t>
+            </a:r>
+            <a:r>
+              <a:rPr lang="en-US" altLang="zh-TW" sz="2400" dirty="0" err="1">
                 <a:latin typeface="Courier New" panose="02070309020205020404" pitchFamily="49" charset="0"/>
                 <a:cs typeface="Courier New" panose="02070309020205020404" pitchFamily="49" charset="0"/>
               </a:rPr>
               <a:t>ElementAt</a:t>
             </a:r>
             <a:r>
-              <a:rPr lang="zh-TW" altLang="en-US" sz="2400" dirty="0" smtClean="0">
+              <a:rPr lang="zh-TW" altLang="en-US" sz="2400" dirty="0">
                 <a:latin typeface="Courier New" panose="02070309020205020404" pitchFamily="49" charset="0"/>
                 <a:cs typeface="Courier New" panose="02070309020205020404" pitchFamily="49" charset="0"/>
               </a:rPr>
               <a:t>(</a:t>
             </a:r>
             <a:r>
-              <a:rPr lang="zh-TW" altLang="en-US" sz="2400" b="1" dirty="0" smtClean="0">
+              <a:rPr lang="zh-TW" altLang="en-US" sz="2400" b="1" dirty="0">
                 <a:solidFill>
                   <a:srgbClr val="FF0000"/>
                 </a:solidFill>
@@ -13105,7 +12270,7 @@
               <a:t>C</a:t>
             </a:r>
             <a:r>
-              <a:rPr lang="en-US" altLang="zh-TW" sz="2400" b="1" dirty="0" smtClean="0">
+              <a:rPr lang="en-US" altLang="zh-TW" sz="2400" b="1" dirty="0">
                 <a:solidFill>
                   <a:srgbClr val="FF0000"/>
                 </a:solidFill>
@@ -13115,7 +12280,7 @@
               <a:t>T</a:t>
             </a:r>
             <a:r>
-              <a:rPr lang="zh-TW" altLang="en-US" sz="2400" b="1" dirty="0" smtClean="0">
+              <a:rPr lang="zh-TW" altLang="en-US" sz="2400" b="1" dirty="0">
                 <a:solidFill>
                   <a:srgbClr val="FF0000"/>
                 </a:solidFill>
@@ -13125,7 +12290,7 @@
               <a:t>ype</a:t>
             </a:r>
             <a:r>
-              <a:rPr lang="en-US" altLang="zh-TW" sz="2400" b="1" dirty="0" smtClean="0">
+              <a:rPr lang="en-US" altLang="zh-TW" sz="2400" b="1" dirty="0">
                 <a:solidFill>
                   <a:srgbClr val="FF0000"/>
                 </a:solidFill>
@@ -13135,13 +12300,13 @@
               <a:t>, </a:t>
             </a:r>
             <a:r>
-              <a:rPr lang="zh-TW" altLang="en-US" sz="2400" dirty="0" smtClean="0">
+              <a:rPr lang="zh-TW" altLang="en-US" sz="2400" dirty="0">
                 <a:latin typeface="Courier New" panose="02070309020205020404" pitchFamily="49" charset="0"/>
                 <a:cs typeface="Courier New" panose="02070309020205020404" pitchFamily="49" charset="0"/>
               </a:rPr>
               <a:t>int);</a:t>
             </a:r>
-            <a:endParaRPr lang="en-US" altLang="zh-TW" sz="2400" dirty="0" smtClean="0">
+            <a:endParaRPr lang="en-US" altLang="zh-TW" sz="2400" dirty="0">
               <a:latin typeface="Courier New" panose="02070309020205020404" pitchFamily="49" charset="0"/>
               <a:cs typeface="Courier New" panose="02070309020205020404" pitchFamily="49" charset="0"/>
             </a:endParaRPr>
@@ -13171,13 +12336,6 @@
   <p:clrMapOvr>
     <a:masterClrMapping/>
   </p:clrMapOvr>
-  <p:timing>
-    <p:tnLst>
-      <p:par>
-        <p:cTn id="1" dur="indefinite" restart="never" nodeType="tmRoot"/>
-      </p:par>
-    </p:tnLst>
-  </p:timing>
 </p:sld>
 </file>
 
